--- a/ResourceFiles/Mystic Spice Premium Chai Market Analysis Presentation.pptx
+++ b/ResourceFiles/Mystic Spice Premium Chai Market Analysis Presentation.pptx
@@ -1,28 +1,27 @@
 
 <file path=ppt/presentation.xml><?xml version="1.0" encoding="utf-8"?>
-<!--Generated by Aspose.Slides for Java 23.6.1-->
-<p:presentation xmlns:r="http://schemas.openxmlformats.org/officeDocument/2006/relationships" xmlns:a="http://schemas.openxmlformats.org/drawingml/2006/main" xmlns:p="http://schemas.openxmlformats.org/presentationml/2006/main" removePersonalInfoOnSave="1" saveSubsetFonts="1">
+<p:presentation xmlns:a="http://schemas.openxmlformats.org/drawingml/2006/main" xmlns:r="http://schemas.openxmlformats.org/officeDocument/2006/relationships" xmlns:p="http://schemas.openxmlformats.org/presentationml/2006/main" saveSubsetFonts="1">
   <p:sldMasterIdLst>
     <p:sldMasterId id="2147483660" r:id="rId1"/>
   </p:sldMasterIdLst>
   <p:notesMasterIdLst>
-    <p:notesMasterId r:id="rId2"/>
+    <p:notesMasterId r:id="rId16"/>
   </p:notesMasterIdLst>
   <p:sldIdLst>
-    <p:sldId id="256" r:id="rId3"/>
-    <p:sldId id="257" r:id="rId4"/>
-    <p:sldId id="258" r:id="rId5"/>
-    <p:sldId id="259" r:id="rId6"/>
-    <p:sldId id="260" r:id="rId7"/>
-    <p:sldId id="261" r:id="rId8"/>
-    <p:sldId id="262" r:id="rId9"/>
-    <p:sldId id="268" r:id="rId10"/>
-    <p:sldId id="269" r:id="rId11"/>
-    <p:sldId id="270" r:id="rId12"/>
-    <p:sldId id="271" r:id="rId13"/>
-    <p:sldId id="272" r:id="rId14"/>
-    <p:sldId id="273" r:id="rId15"/>
-    <p:sldId id="274" r:id="rId16"/>
+    <p:sldId id="256" r:id="rId2"/>
+    <p:sldId id="257" r:id="rId3"/>
+    <p:sldId id="258" r:id="rId4"/>
+    <p:sldId id="259" r:id="rId5"/>
+    <p:sldId id="260" r:id="rId6"/>
+    <p:sldId id="261" r:id="rId7"/>
+    <p:sldId id="262" r:id="rId8"/>
+    <p:sldId id="268" r:id="rId9"/>
+    <p:sldId id="269" r:id="rId10"/>
+    <p:sldId id="270" r:id="rId11"/>
+    <p:sldId id="271" r:id="rId12"/>
+    <p:sldId id="272" r:id="rId13"/>
+    <p:sldId id="273" r:id="rId14"/>
+    <p:sldId id="274" r:id="rId15"/>
   </p:sldIdLst>
   <p:sldSz cx="12192000" cy="6858000"/>
   <p:notesSz cx="6858000" cy="9144000"/>
@@ -128,13 +127,16 @@
     <p:ext uri="{EFAFB233-063F-42B5-8137-9DF3F51BA10A}">
       <p15:sldGuideLst xmlns:p15="http://schemas.microsoft.com/office/powerpoint/2012/main"/>
     </p:ext>
+    <p:ext uri="{2D200454-40CA-4A62-9FC3-DE9A4176ACB9}">
+      <p15:notesGuideLst xmlns:p15="http://schemas.microsoft.com/office/powerpoint/2012/main"/>
+    </p:ext>
   </p:extLst>
 </p:presentation>
 </file>
 
 <file path=ppt/notesMasters/notesMaster1.xml><?xml version="1.0" encoding="utf-8"?>
-<p:notesMaster xmlns:a="http://schemas.openxmlformats.org/drawingml/2006/main" xmlns:r="http://schemas.openxmlformats.org/officeDocument/2006/relationships" xmlns:m="http://schemas.openxmlformats.org/officeDocument/2006/math" xmlns:w="http://schemas.openxmlformats.org/wordprocessingml/2006/main" xmlns:wp="http://schemas.openxmlformats.org/drawingml/2006/wordprocessingDrawing" xmlns:a14="http://schemas.microsoft.com/office/drawing/2010/main" xmlns:mc="http://schemas.openxmlformats.org/markup-compatibility/2006" xmlns:p14="http://schemas.microsoft.com/office/powerpoint/2010/main" xmlns:p="http://schemas.openxmlformats.org/presentationml/2006/main">
-  <p:cSld name="">
+<p:notesMaster xmlns:a="http://schemas.openxmlformats.org/drawingml/2006/main" xmlns:r="http://schemas.openxmlformats.org/officeDocument/2006/relationships" xmlns:p="http://schemas.openxmlformats.org/presentationml/2006/main">
+  <p:cSld>
     <p:bg>
       <p:bgRef idx="1001">
         <a:schemeClr val="bg1"/>
@@ -150,6 +152,8 @@
         <a:xfrm>
           <a:off x="0" y="0"/>
           <a:ext cx="0" cy="0"/>
+          <a:chOff x="0" y="0"/>
+          <a:chExt cx="0" cy="0"/>
         </a:xfrm>
       </p:grpSpPr>
       <p:sp>
@@ -212,7 +216,7 @@
           <a:p>
             <a:fld id="{4B79337C-AD0D-499E-B6BA-802817985C42}" type="datetimeFigureOut">
               <a:rPr lang="en-US" smtClean="0"/>
-              <a:t>6/26/2024</a:t>
+              <a:t>5/19/2025</a:t>
             </a:fld>
             <a:endParaRPr lang="en-US"/>
           </a:p>
@@ -473,8 +477,8 @@
 </file>
 
 <file path=ppt/notesSlides/notesSlide1.xml><?xml version="1.0" encoding="utf-8"?>
-<p:notes xmlns:a="http://schemas.openxmlformats.org/drawingml/2006/main" xmlns:r="http://schemas.openxmlformats.org/officeDocument/2006/relationships" xmlns:m="http://schemas.openxmlformats.org/officeDocument/2006/math" xmlns:w="http://schemas.openxmlformats.org/wordprocessingml/2006/main" xmlns:wp="http://schemas.openxmlformats.org/drawingml/2006/wordprocessingDrawing" xmlns:a14="http://schemas.microsoft.com/office/drawing/2010/main" xmlns:mc="http://schemas.openxmlformats.org/markup-compatibility/2006" xmlns:p14="http://schemas.microsoft.com/office/powerpoint/2010/main" xmlns:p="http://schemas.openxmlformats.org/presentationml/2006/main">
-  <p:cSld name="">
+<p:notes xmlns:a="http://schemas.openxmlformats.org/drawingml/2006/main" xmlns:r="http://schemas.openxmlformats.org/officeDocument/2006/relationships" xmlns:p="http://schemas.openxmlformats.org/presentationml/2006/main">
+  <p:cSld>
     <p:spTree>
       <p:nvGrpSpPr>
         <p:cNvPr id="1" name=""/>
@@ -485,6 +489,8 @@
         <a:xfrm>
           <a:off x="0" y="0"/>
           <a:ext cx="0" cy="0"/>
+          <a:chOff x="0" y="0"/>
+          <a:chExt cx="0" cy="0"/>
         </a:xfrm>
       </p:grpSpPr>
       <p:sp>
@@ -542,16 +548,6 @@
                 <a:cs typeface="Aptos"/>
               </a:rPr>
               <a:t>https://microsoft-my.sharepoint.com/personal/dahans_microsoft_com/Documents/MS-4005/Market%20Analysis%20Report%20for%20Mystic%20Spice%20Premium%20Chai%20Tea.docx</a:t>
-            </a:r>
-            <a:r>
-              <a:rPr sz="1200"/>
-              <a:t>
-</a:t>
-            </a:r>
-            <a:r>
-              <a:rPr sz="1200"/>
-              <a:t>
-</a:t>
             </a:r>
             <a:r>
               <a:rPr sz="1200"/>
@@ -610,8 +606,8 @@
 </file>
 
 <file path=ppt/notesSlides/notesSlide10.xml><?xml version="1.0" encoding="utf-8"?>
-<p:notes xmlns:a="http://schemas.openxmlformats.org/drawingml/2006/main" xmlns:r="http://schemas.openxmlformats.org/officeDocument/2006/relationships" xmlns:m="http://schemas.openxmlformats.org/officeDocument/2006/math" xmlns:w="http://schemas.openxmlformats.org/wordprocessingml/2006/main" xmlns:wp="http://schemas.openxmlformats.org/drawingml/2006/wordprocessingDrawing" xmlns:a14="http://schemas.microsoft.com/office/drawing/2010/main" xmlns:mc="http://schemas.openxmlformats.org/markup-compatibility/2006" xmlns:p14="http://schemas.microsoft.com/office/powerpoint/2010/main" xmlns:p="http://schemas.openxmlformats.org/presentationml/2006/main">
-  <p:cSld name="">
+<p:notes xmlns:a="http://schemas.openxmlformats.org/drawingml/2006/main" xmlns:r="http://schemas.openxmlformats.org/officeDocument/2006/relationships" xmlns:p="http://schemas.openxmlformats.org/presentationml/2006/main">
+  <p:cSld>
     <p:spTree>
       <p:nvGrpSpPr>
         <p:cNvPr id="1" name=""/>
@@ -622,6 +618,8 @@
         <a:xfrm>
           <a:off x="0" y="0"/>
           <a:ext cx="0" cy="0"/>
+          <a:chOff x="0" y="0"/>
+          <a:chExt cx="0" cy="0"/>
         </a:xfrm>
       </p:grpSpPr>
       <p:sp>
@@ -661,7 +659,12 @@
                 <a:ea typeface="Aptos"/>
                 <a:cs typeface="Aptos"/>
               </a:rPr>
-              <a:t>I distributori rappresentano e distribuiscono i prodotti di tè Chai, facilitano il movimento e la vendita e offrono servizi di marketing, vendita e post-vendita.</a:t>
+              <a:t>I distributori rappresentano e distribuiscono i prodotti di tè Chai, facilitano il movimento e la vendita e offrono servizi di marketing, vendita e post-vendita. Stabiliscono e mantengono relazioni con rivenditori e consumatori e forniscono supporto tecnico e logistico. I principali distributori in America Latina includono Unilever, Nestle, Coca-Cola e PepsiCo.</a:t>
+            </a:r>
+            <a:r>
+              <a:rPr sz="1200"/>
+              <a:t>
+</a:t>
             </a:r>
             <a:r>
               <a:rPr lang="it-IT" sz="1200" b="0" i="0" strike="noStrike" cap="none" baseline="0">
@@ -673,7 +676,12 @@
                 <a:ea typeface="Aptos"/>
                 <a:cs typeface="Aptos"/>
               </a:rPr>
-              <a:t> </a:t>
+              <a:t>Contenuto originale:</a:t>
+            </a:r>
+            <a:r>
+              <a:rPr sz="1200"/>
+              <a:t>
+</a:t>
             </a:r>
             <a:r>
               <a:rPr lang="it-IT" sz="1200" b="0" i="0" strike="noStrike" cap="none" baseline="0">
@@ -685,147 +693,7 @@
                 <a:ea typeface="Aptos"/>
                 <a:cs typeface="Aptos"/>
               </a:rPr>
-              <a:t>Stabiliscono e mantengono relazioni con rivenditori e consumatori e forniscono supporto tecnico e logistico.</a:t>
-            </a:r>
-            <a:r>
-              <a:rPr lang="it-IT" sz="1200" b="0" i="0" strike="noStrike" cap="none" baseline="0">
-                <a:solidFill>
-                  <a:srgbClr val="000000"/>
-                </a:solidFill>
-                <a:effectLst/>
-                <a:latin typeface="Aptos"/>
-                <a:ea typeface="Aptos"/>
-                <a:cs typeface="Aptos"/>
-              </a:rPr>
-              <a:t> </a:t>
-            </a:r>
-            <a:r>
-              <a:rPr lang="it-IT" sz="1200" b="0" i="0" strike="noStrike" cap="none" baseline="0">
-                <a:solidFill>
-                  <a:srgbClr val="000000"/>
-                </a:solidFill>
-                <a:effectLst/>
-                <a:latin typeface="Aptos"/>
-                <a:ea typeface="Aptos"/>
-                <a:cs typeface="Aptos"/>
-              </a:rPr>
-              <a:t>I principali distributori in America Latina includono Unilever, Nestle, Coca-Cola e PepsiCo.</a:t>
-            </a:r>
-            <a:r>
-              <a:rPr sz="1200"/>
-              <a:t>
-</a:t>
-            </a:r>
-            <a:r>
-              <a:rPr sz="1200"/>
-              <a:t>
-</a:t>
-            </a:r>
-            <a:r>
-              <a:rPr sz="1200"/>
-              <a:t>
-</a:t>
-            </a:r>
-            <a:r>
-              <a:rPr lang="it-IT" sz="1200" b="0" i="0" strike="noStrike" cap="none" baseline="0">
-                <a:solidFill>
-                  <a:srgbClr val="000000"/>
-                </a:solidFill>
-                <a:effectLst/>
-                <a:latin typeface="Aptos"/>
-                <a:ea typeface="Aptos"/>
-                <a:cs typeface="Aptos"/>
-              </a:rPr>
-              <a:t>Contenuto originale:</a:t>
-            </a:r>
-            <a:r>
-              <a:rPr sz="1200"/>
-              <a:t>
-</a:t>
-            </a:r>
-            <a:r>
-              <a:rPr lang="it-IT" sz="1200" b="0" i="0" strike="noStrike" cap="none" baseline="0">
-                <a:solidFill>
-                  <a:srgbClr val="000000"/>
-                </a:solidFill>
-                <a:effectLst/>
-                <a:latin typeface="Aptos"/>
-                <a:ea typeface="Aptos"/>
-                <a:cs typeface="Aptos"/>
-              </a:rPr>
-              <a:t> i distributori sono le società che rappresentano e distribuiscono prodotti di tè Chai per conto dei produttori o dei commercianti all'ingrosso.</a:t>
-            </a:r>
-            <a:r>
-              <a:rPr lang="it-IT" sz="1200" b="0" i="0" strike="noStrike" cap="none" baseline="0">
-                <a:solidFill>
-                  <a:srgbClr val="000000"/>
-                </a:solidFill>
-                <a:effectLst/>
-                <a:latin typeface="Aptos"/>
-                <a:ea typeface="Aptos"/>
-                <a:cs typeface="Aptos"/>
-              </a:rPr>
-              <a:t> </a:t>
-            </a:r>
-            <a:r>
-              <a:rPr lang="it-IT" sz="1200" b="0" i="0" strike="noStrike" cap="none" baseline="0">
-                <a:solidFill>
-                  <a:srgbClr val="000000"/>
-                </a:solidFill>
-                <a:effectLst/>
-                <a:latin typeface="Aptos"/>
-                <a:ea typeface="Aptos"/>
-                <a:cs typeface="Aptos"/>
-              </a:rPr>
-              <a:t>I distributori sono gli agenti che facilitano il movimento e la vendita di prodotti di tè Chai in diversi mercati e aree geografiche, e possono offrire servizi di marketing, vendita e post-vendita per i prodotti di tè Chai.</a:t>
-            </a:r>
-            <a:r>
-              <a:rPr lang="it-IT" sz="1200" b="0" i="0" strike="noStrike" cap="none" baseline="0">
-                <a:solidFill>
-                  <a:srgbClr val="000000"/>
-                </a:solidFill>
-                <a:effectLst/>
-                <a:latin typeface="Aptos"/>
-                <a:ea typeface="Aptos"/>
-                <a:cs typeface="Aptos"/>
-              </a:rPr>
-              <a:t> </a:t>
-            </a:r>
-            <a:r>
-              <a:rPr lang="it-IT" sz="1200" b="0" i="0" strike="noStrike" cap="none" baseline="0">
-                <a:solidFill>
-                  <a:srgbClr val="000000"/>
-                </a:solidFill>
-                <a:effectLst/>
-                <a:latin typeface="Aptos"/>
-                <a:ea typeface="Aptos"/>
-                <a:cs typeface="Aptos"/>
-              </a:rPr>
-              <a:t>I distributori possono anche stabilire e mantenere relazioni con i rivenditori e i consumatori, e fornire supporto tecnico e logistico per i prodotti di tè Chai.</a:t>
-            </a:r>
-            <a:r>
-              <a:rPr lang="it-IT" sz="1200" b="0" i="0" strike="noStrike" cap="none" baseline="0">
-                <a:solidFill>
-                  <a:srgbClr val="000000"/>
-                </a:solidFill>
-                <a:effectLst/>
-                <a:latin typeface="Aptos"/>
-                <a:ea typeface="Aptos"/>
-                <a:cs typeface="Aptos"/>
-              </a:rPr>
-              <a:t> </a:t>
-            </a:r>
-            <a:r>
-              <a:rPr lang="it-IT" sz="1200" b="0" i="0" strike="noStrike" cap="none" baseline="0">
-                <a:solidFill>
-                  <a:srgbClr val="000000"/>
-                </a:solidFill>
-                <a:effectLst/>
-                <a:latin typeface="Aptos"/>
-                <a:ea typeface="Aptos"/>
-                <a:cs typeface="Aptos"/>
-              </a:rPr>
-              <a:t>Alcuni dei principali distributori di prodotti di tè Chai in America Latina sono Unilever, Nestlé, Coca-Cola e PepsiCo.</a:t>
+              <a:t> i distributori sono le società che rappresentano e distribuiscono prodotti di tè Chai per conto dei produttori o dei commercianti all'ingrosso. I distributori sono gli agenti che facilitano il movimento e la vendita di prodotti di tè Chai in diversi mercati e aree geografiche, e possono offrire servizi di marketing, vendita e post-vendita per i prodotti di tè Chai. I distributori possono anche stabilire e mantenere relazioni con i rivenditori e i consumatori, e fornire supporto tecnico e logistico per i prodotti di tè Chai. Alcuni dei principali distributori di prodotti di tè Chai in America Latina sono Unilever, Nestlé, Coca-Cola e PepsiCo.</a:t>
             </a:r>
             <a:r>
               <a:rPr sz="1200"/>
@@ -872,8 +740,8 @@
 </file>
 
 <file path=ppt/notesSlides/notesSlide11.xml><?xml version="1.0" encoding="utf-8"?>
-<p:notes xmlns:a="http://schemas.openxmlformats.org/drawingml/2006/main" xmlns:r="http://schemas.openxmlformats.org/officeDocument/2006/relationships" xmlns:m="http://schemas.openxmlformats.org/officeDocument/2006/math" xmlns:w="http://schemas.openxmlformats.org/wordprocessingml/2006/main" xmlns:wp="http://schemas.openxmlformats.org/drawingml/2006/wordprocessingDrawing" xmlns:a14="http://schemas.microsoft.com/office/drawing/2010/main" xmlns:mc="http://schemas.openxmlformats.org/markup-compatibility/2006" xmlns:p14="http://schemas.microsoft.com/office/powerpoint/2010/main" xmlns:p="http://schemas.openxmlformats.org/presentationml/2006/main">
-  <p:cSld name="">
+<p:notes xmlns:a="http://schemas.openxmlformats.org/drawingml/2006/main" xmlns:r="http://schemas.openxmlformats.org/officeDocument/2006/relationships" xmlns:p="http://schemas.openxmlformats.org/presentationml/2006/main">
+  <p:cSld>
     <p:spTree>
       <p:nvGrpSpPr>
         <p:cNvPr id="1" name=""/>
@@ -884,6 +752,8 @@
         <a:xfrm>
           <a:off x="0" y="0"/>
           <a:ext cx="0" cy="0"/>
+          <a:chOff x="0" y="0"/>
+          <a:chExt cx="0" cy="0"/>
         </a:xfrm>
       </p:grpSpPr>
       <p:sp>
@@ -923,7 +793,12 @@
                 <a:ea typeface="Aptos"/>
                 <a:cs typeface="Aptos"/>
               </a:rPr>
-              <a:t>Il piano e la stratega di promozione per il tè Chai in America Latina mirano ad aumentare l'attenzione, posizionarlo come prodotto pregiato, incoraggiare la prova e l'acquisto e costruire fedeltà.</a:t>
+              <a:t>Il piano e la stratega di promozione per il tè Chai in America Latina mirano ad aumentare l'attenzione, posizionarlo come prodotto pregiato, incoraggiare la prova e l'acquisto e costruire fedeltà. Le tattiche includono la creazione di un marchio e di un logo, lo sviluppo di un sito Web e la presenza sui social media, il lancio di una campagna di marketing digitale, la distribuzione di campioni gratuiti, l'organizzazione di eventi e la collaborazione con le aziende locali. Il piano verrà implementato in oltre 12 mesi con un budget di 100.000 dollari americani e valutato usando indicatori di prestazioni chiave.</a:t>
+            </a:r>
+            <a:r>
+              <a:rPr sz="1200"/>
+              <a:t>
+</a:t>
             </a:r>
             <a:r>
               <a:rPr lang="it-IT" sz="1200" b="0" i="0" strike="noStrike" cap="none" baseline="0">
@@ -935,7 +810,12 @@
                 <a:ea typeface="Aptos"/>
                 <a:cs typeface="Aptos"/>
               </a:rPr>
-              <a:t> </a:t>
+              <a:t>Contenuto originale:</a:t>
+            </a:r>
+            <a:r>
+              <a:rPr sz="1200"/>
+              <a:t>
+</a:t>
             </a:r>
             <a:r>
               <a:rPr lang="it-IT" sz="1200" b="0" i="0" strike="noStrike" cap="none" baseline="0">
@@ -947,7 +827,12 @@
                 <a:ea typeface="Aptos"/>
                 <a:cs typeface="Aptos"/>
               </a:rPr>
-              <a:t>Le tattiche includono la creazione di un marchio e di un logo, lo sviluppo di un sito Web e la presenza sui social media, il lancio di una campagna di marketing digitale, la distribuzione di campioni gratuiti, l'organizzazione di eventi e la collaborazione con le aziende locali.</a:t>
+              <a:t>Piano e strategia di promozione</a:t>
+            </a:r>
+            <a:r>
+              <a:rPr sz="1200"/>
+              <a:t>
+</a:t>
             </a:r>
             <a:r>
               <a:rPr lang="it-IT" sz="1200" b="0" i="0" strike="noStrike" cap="none" baseline="0">
@@ -959,7 +844,12 @@
                 <a:ea typeface="Aptos"/>
                 <a:cs typeface="Aptos"/>
               </a:rPr>
-              <a:t> </a:t>
+              <a:t>Il piano e la strategia di promozione per il tè Chai in America Latina mira a raggiungere i seguenti obiettivi:</a:t>
+            </a:r>
+            <a:r>
+              <a:rPr sz="1200"/>
+              <a:t>
+</a:t>
             </a:r>
             <a:r>
               <a:rPr lang="it-IT" sz="1200" b="0" i="0" strike="noStrike" cap="none" baseline="0">
@@ -971,7 +861,7 @@
                 <a:ea typeface="Aptos"/>
                 <a:cs typeface="Aptos"/>
               </a:rPr>
-              <a:t>Il piano verrà implementato in oltre 12 mesi con un budget di 100.000 dollari americani e valutato usando indicatori di prestazioni chiave.</a:t>
+              <a:t>·          Aumentare l'attenzione e l'interesse per il tè Chai tra il pubblico di destinazione</a:t>
             </a:r>
             <a:r>
               <a:rPr sz="1200"/>
@@ -979,11 +869,35 @@
 </a:t>
             </a:r>
             <a:r>
+              <a:rPr lang="it-IT" sz="1200" b="0" i="0" strike="noStrike" cap="none" baseline="0">
+                <a:solidFill>
+                  <a:srgbClr val="000000"/>
+                </a:solidFill>
+                <a:effectLst/>
+                <a:latin typeface="Aptos"/>
+                <a:ea typeface="Aptos"/>
+                <a:cs typeface="Aptos"/>
+              </a:rPr>
+              <a:t>·         Posizionare il tè Chai come un prodotto pregiato, naturale e sano che offre un'esperienza unica e soddisfacente</a:t>
+            </a:r>
+            <a:r>
               <a:rPr sz="1200"/>
               <a:t>
 </a:t>
             </a:r>
             <a:r>
+              <a:rPr lang="it-IT" sz="1200" b="0" i="0" strike="noStrike" cap="none" baseline="0">
+                <a:solidFill>
+                  <a:srgbClr val="000000"/>
+                </a:solidFill>
+                <a:effectLst/>
+                <a:latin typeface="Aptos"/>
+                <a:ea typeface="Aptos"/>
+                <a:cs typeface="Aptos"/>
+              </a:rPr>
+              <a:t>·          Incoraggiare la prova e l'acquisto di tè Chai attraverso vari canali e incentivi</a:t>
+            </a:r>
+            <a:r>
               <a:rPr sz="1200"/>
               <a:t>
 </a:t>
@@ -998,7 +912,7 @@
                 <a:ea typeface="Aptos"/>
                 <a:cs typeface="Aptos"/>
               </a:rPr>
-              <a:t>Contenuto originale:</a:t>
+              <a:t>·          Costruire fedeltà e fidelizzazione tra i consumatori di tè Chai attraverso coinvolgimento e feedback</a:t>
             </a:r>
             <a:r>
               <a:rPr sz="1200"/>
@@ -1015,7 +929,7 @@
                 <a:ea typeface="Aptos"/>
                 <a:cs typeface="Aptos"/>
               </a:rPr>
-              <a:t>Piano e strategia di promozione</a:t>
+              <a:t>Il piano e la strategia di promozione per il tè Chai in America Latina userà una combinazione di tattiche, ad esempio:</a:t>
             </a:r>
             <a:r>
               <a:rPr sz="1200"/>
@@ -1032,7 +946,7 @@
                 <a:ea typeface="Aptos"/>
                 <a:cs typeface="Aptos"/>
               </a:rPr>
-              <a:t>Il piano e la strategia di promozione per il tè Chai in America Latina mira a raggiungere i seguenti obiettivi:</a:t>
+              <a:t>·          Creazione di un marchio accattivante e memorabile per il tè Chai</a:t>
             </a:r>
             <a:r>
               <a:rPr sz="1200"/>
@@ -1049,7 +963,7 @@
                 <a:ea typeface="Aptos"/>
                 <a:cs typeface="Aptos"/>
               </a:rPr>
-              <a:t>·          Aumentare l'attenzione e l'interesse per il tè Chai tra il pubblico di destinazione</a:t>
+              <a:t>·         Sviluppare un sito Web e una presenza sui social media per il tè Chai che ne presenta i vantaggi, le caratteristiche e storie</a:t>
             </a:r>
             <a:r>
               <a:rPr sz="1200"/>
@@ -1066,7 +980,7 @@
                 <a:ea typeface="Aptos"/>
                 <a:cs typeface="Aptos"/>
               </a:rPr>
-              <a:t>·         Posizionare il tè Chai come un prodotto pregiato, naturale e sano che offre un'esperienza unica e soddisfacente</a:t>
+              <a:t>·          Lanciare una campagna di marketing digitale che utilizza SEO, SEM, e-mail marketing e influencer marketing per raggiungere e attirare potenziali clienti</a:t>
             </a:r>
             <a:r>
               <a:rPr sz="1200"/>
@@ -1083,7 +997,7 @@
                 <a:ea typeface="Aptos"/>
                 <a:cs typeface="Aptos"/>
               </a:rPr>
-              <a:t>·          Incoraggiare la prova e l'acquisto di tè Chai attraverso vari canali e incentivi</a:t>
+              <a:t>·          Distribuire campioni gratuiti e coupon di tè Chai in località strategiche, come supermercati, bar e negozi di prodotti naturali</a:t>
             </a:r>
             <a:r>
               <a:rPr sz="1200"/>
@@ -1100,7 +1014,7 @@
                 <a:ea typeface="Aptos"/>
                 <a:cs typeface="Aptos"/>
               </a:rPr>
-              <a:t>·          Costruire fedeltà e fidelizzazione tra i consumatori di tè Chai attraverso coinvolgimento e feedback</a:t>
+              <a:t>·         Organizzare eventi e concorsi che invitano le persone a provare e condividere il tè Chai con amici e familiari</a:t>
             </a:r>
             <a:r>
               <a:rPr sz="1200"/>
@@ -1117,7 +1031,7 @@
                 <a:ea typeface="Aptos"/>
                 <a:cs typeface="Aptos"/>
               </a:rPr>
-              <a:t>Il piano e la strategia di promozione per il tè Chai in America Latina userà una combinazione di tattiche, ad esempio:</a:t>
+              <a:t>·          Collaborare con aziende e organizzazioni locali che condividono gli stessi valori e la stessa visione sul tè Chai</a:t>
             </a:r>
             <a:r>
               <a:rPr sz="1200"/>
@@ -1134,133 +1048,7 @@
                 <a:ea typeface="Aptos"/>
                 <a:cs typeface="Aptos"/>
               </a:rPr>
-              <a:t>·          Creazione di un marchio accattivante e memorabile per il tè Chai</a:t>
-            </a:r>
-            <a:r>
-              <a:rPr sz="1200"/>
-              <a:t>
-</a:t>
-            </a:r>
-            <a:r>
-              <a:rPr lang="it-IT" sz="1200" b="0" i="0" strike="noStrike" cap="none" baseline="0">
-                <a:solidFill>
-                  <a:srgbClr val="000000"/>
-                </a:solidFill>
-                <a:effectLst/>
-                <a:latin typeface="Aptos"/>
-                <a:ea typeface="Aptos"/>
-                <a:cs typeface="Aptos"/>
-              </a:rPr>
-              <a:t>·         Sviluppare un sito Web e una presenza sui social media per il tè Chai che ne presenta i vantaggi, le caratteristiche e storie</a:t>
-            </a:r>
-            <a:r>
-              <a:rPr sz="1200"/>
-              <a:t>
-</a:t>
-            </a:r>
-            <a:r>
-              <a:rPr lang="it-IT" sz="1200" b="0" i="0" strike="noStrike" cap="none" baseline="0">
-                <a:solidFill>
-                  <a:srgbClr val="000000"/>
-                </a:solidFill>
-                <a:effectLst/>
-                <a:latin typeface="Aptos"/>
-                <a:ea typeface="Aptos"/>
-                <a:cs typeface="Aptos"/>
-              </a:rPr>
-              <a:t>·          Lanciare una campagna di marketing digitale che utilizza SEO, SEM, e-mail marketing e influencer marketing per raggiungere e attirare potenziali clienti</a:t>
-            </a:r>
-            <a:r>
-              <a:rPr sz="1200"/>
-              <a:t>
-</a:t>
-            </a:r>
-            <a:r>
-              <a:rPr lang="it-IT" sz="1200" b="0" i="0" strike="noStrike" cap="none" baseline="0">
-                <a:solidFill>
-                  <a:srgbClr val="000000"/>
-                </a:solidFill>
-                <a:effectLst/>
-                <a:latin typeface="Aptos"/>
-                <a:ea typeface="Aptos"/>
-                <a:cs typeface="Aptos"/>
-              </a:rPr>
-              <a:t>·          Distribuire campioni gratuiti e coupon di tè Chai in località strategiche, come supermercati, bar e negozi di prodotti naturali</a:t>
-            </a:r>
-            <a:r>
-              <a:rPr sz="1200"/>
-              <a:t>
-</a:t>
-            </a:r>
-            <a:r>
-              <a:rPr lang="it-IT" sz="1200" b="0" i="0" strike="noStrike" cap="none" baseline="0">
-                <a:solidFill>
-                  <a:srgbClr val="000000"/>
-                </a:solidFill>
-                <a:effectLst/>
-                <a:latin typeface="Aptos"/>
-                <a:ea typeface="Aptos"/>
-                <a:cs typeface="Aptos"/>
-              </a:rPr>
-              <a:t>·         Organizzare eventi e concorsi che invitano le persone a provare e condividere il tè Chai con amici e familiari</a:t>
-            </a:r>
-            <a:r>
-              <a:rPr sz="1200"/>
-              <a:t>
-</a:t>
-            </a:r>
-            <a:r>
-              <a:rPr lang="it-IT" sz="1200" b="0" i="0" strike="noStrike" cap="none" baseline="0">
-                <a:solidFill>
-                  <a:srgbClr val="000000"/>
-                </a:solidFill>
-                <a:effectLst/>
-                <a:latin typeface="Aptos"/>
-                <a:ea typeface="Aptos"/>
-                <a:cs typeface="Aptos"/>
-              </a:rPr>
-              <a:t>·          Collaborare con aziende e organizzazioni locali che condividono gli stessi valori e la stessa visione sul tè Chai</a:t>
-            </a:r>
-            <a:r>
-              <a:rPr sz="1200"/>
-              <a:t>
-</a:t>
-            </a:r>
-            <a:r>
-              <a:rPr lang="it-IT" sz="1200" b="0" i="0" strike="noStrike" cap="none" baseline="0">
-                <a:solidFill>
-                  <a:srgbClr val="000000"/>
-                </a:solidFill>
-                <a:effectLst/>
-                <a:latin typeface="Aptos"/>
-                <a:ea typeface="Aptos"/>
-                <a:cs typeface="Aptos"/>
-              </a:rPr>
-              <a:t>Il piano e la strategia promozionale per il tè Chai in America Latina verranno implementati in un periodo di 12 mesi, con un budget di 100.000 dollari americani.</a:t>
-            </a:r>
-            <a:r>
-              <a:rPr lang="it-IT" sz="1200" b="0" i="0" strike="noStrike" cap="none" baseline="0">
-                <a:solidFill>
-                  <a:srgbClr val="000000"/>
-                </a:solidFill>
-                <a:effectLst/>
-                <a:latin typeface="Aptos"/>
-                <a:ea typeface="Aptos"/>
-                <a:cs typeface="Aptos"/>
-              </a:rPr>
-              <a:t> </a:t>
-            </a:r>
-            <a:r>
-              <a:rPr lang="it-IT" sz="1200" b="0" i="0" strike="noStrike" cap="none" baseline="0">
-                <a:solidFill>
-                  <a:srgbClr val="000000"/>
-                </a:solidFill>
-                <a:effectLst/>
-                <a:latin typeface="Aptos"/>
-                <a:ea typeface="Aptos"/>
-                <a:cs typeface="Aptos"/>
-              </a:rPr>
-              <a:t>Il piano verrà monitorato e valutato usando indicatori di prestazioni chiave, ad esempio il traffico del sito Web, il coinvolgimento sui social media, i tassi di apertura della posta elettronica, i tassi di conversione, il volume delle vendite, la soddisfazione dei clienti e i tassi di fidelizzazione.</a:t>
+              <a:t>Il piano e la strategia promozionale per il tè Chai in America Latina verranno implementati in un periodo di 12 mesi, con un budget di 100.000 dollari americani. Il piano verrà monitorato e valutato usando indicatori di prestazioni chiave, ad esempio il traffico del sito Web, il coinvolgimento sui social media, i tassi di apertura della posta elettronica, i tassi di conversione, il volume delle vendite, la soddisfazione dei clienti e i tassi di fidelizzazione.</a:t>
             </a:r>
             <a:r>
               <a:rPr sz="1200"/>
@@ -1307,8 +1095,8 @@
 </file>
 
 <file path=ppt/notesSlides/notesSlide12.xml><?xml version="1.0" encoding="utf-8"?>
-<p:notes xmlns:a="http://schemas.openxmlformats.org/drawingml/2006/main" xmlns:r="http://schemas.openxmlformats.org/officeDocument/2006/relationships" xmlns:m="http://schemas.openxmlformats.org/officeDocument/2006/math" xmlns:w="http://schemas.openxmlformats.org/wordprocessingml/2006/main" xmlns:wp="http://schemas.openxmlformats.org/drawingml/2006/wordprocessingDrawing" xmlns:a14="http://schemas.microsoft.com/office/drawing/2010/main" xmlns:mc="http://schemas.openxmlformats.org/markup-compatibility/2006" xmlns:p14="http://schemas.microsoft.com/office/powerpoint/2010/main" xmlns:p="http://schemas.openxmlformats.org/presentationml/2006/main">
-  <p:cSld name="">
+<p:notes xmlns:a="http://schemas.openxmlformats.org/drawingml/2006/main" xmlns:r="http://schemas.openxmlformats.org/officeDocument/2006/relationships" xmlns:p="http://schemas.openxmlformats.org/presentationml/2006/main">
+  <p:cSld>
     <p:spTree>
       <p:nvGrpSpPr>
         <p:cNvPr id="1" name=""/>
@@ -1319,6 +1107,8 @@
         <a:xfrm>
           <a:off x="0" y="0"/>
           <a:ext cx="0" cy="0"/>
+          <a:chOff x="0" y="0"/>
+          <a:chExt cx="0" cy="0"/>
         </a:xfrm>
       </p:grpSpPr>
       <p:sp>
@@ -1359,16 +1149,6 @@
                 <a:cs typeface="Aptos"/>
               </a:rPr>
               <a:t>Il piano e la strategia di promozione per il tè Chai in America Latina dovrebbero comportare un aumento del 20% dell'attenzione e dell'interesse, un aumento del 10% della quota di mercato, un aumento del 15% del volume di vendite e dei ricavi e un aumento del 25% della soddisfazione dei clienti e dei tassi di fidelizzazione.</a:t>
-            </a:r>
-            <a:r>
-              <a:rPr sz="1200"/>
-              <a:t>
-</a:t>
-            </a:r>
-            <a:r>
-              <a:rPr sz="1200"/>
-              <a:t>
-</a:t>
             </a:r>
             <a:r>
               <a:rPr sz="1200"/>
@@ -1534,8 +1314,8 @@
 </file>
 
 <file path=ppt/notesSlides/notesSlide13.xml><?xml version="1.0" encoding="utf-8"?>
-<p:notes xmlns:a="http://schemas.openxmlformats.org/drawingml/2006/main" xmlns:r="http://schemas.openxmlformats.org/officeDocument/2006/relationships" xmlns:m="http://schemas.openxmlformats.org/officeDocument/2006/math" xmlns:w="http://schemas.openxmlformats.org/wordprocessingml/2006/main" xmlns:wp="http://schemas.openxmlformats.org/drawingml/2006/wordprocessingDrawing" xmlns:a14="http://schemas.microsoft.com/office/drawing/2010/main" xmlns:mc="http://schemas.openxmlformats.org/markup-compatibility/2006" xmlns:p14="http://schemas.microsoft.com/office/powerpoint/2010/main" xmlns:p="http://schemas.openxmlformats.org/presentationml/2006/main">
-  <p:cSld name="">
+<p:notes xmlns:a="http://schemas.openxmlformats.org/drawingml/2006/main" xmlns:r="http://schemas.openxmlformats.org/officeDocument/2006/relationships" xmlns:p="http://schemas.openxmlformats.org/presentationml/2006/main">
+  <p:cSld>
     <p:spTree>
       <p:nvGrpSpPr>
         <p:cNvPr id="1" name=""/>
@@ -1546,6 +1326,8 @@
         <a:xfrm>
           <a:off x="0" y="0"/>
           <a:ext cx="0" cy="0"/>
+          <a:chOff x="0" y="0"/>
+          <a:chExt cx="0" cy="0"/>
         </a:xfrm>
       </p:grpSpPr>
       <p:sp>
@@ -1586,16 +1368,6 @@
                 <a:cs typeface="Aptos"/>
               </a:rPr>
               <a:t>Il piano e la strategia di promozione per il tè Chai in America Latina affrontano diverse sfide, come il prezzo elevato, la mancanza di attenzione, la concorrenza da altri prodotti per il tè, gli ostacoli normativi e culturali, e questioni ambientali e sociali che possono influenzare l'approvvigionamento e la qualità degli ingredienti del tè Chai.</a:t>
-            </a:r>
-            <a:r>
-              <a:rPr sz="1200"/>
-              <a:t>
-</a:t>
-            </a:r>
-            <a:r>
-              <a:rPr sz="1200"/>
-              <a:t>
-</a:t>
             </a:r>
             <a:r>
               <a:rPr sz="1200"/>
@@ -1761,8 +1533,8 @@
 </file>
 
 <file path=ppt/notesSlides/notesSlide14.xml><?xml version="1.0" encoding="utf-8"?>
-<p:notes xmlns:a="http://schemas.openxmlformats.org/drawingml/2006/main" xmlns:r="http://schemas.openxmlformats.org/officeDocument/2006/relationships" xmlns:m="http://schemas.openxmlformats.org/officeDocument/2006/math" xmlns:w="http://schemas.openxmlformats.org/wordprocessingml/2006/main" xmlns:wp="http://schemas.openxmlformats.org/drawingml/2006/wordprocessingDrawing" xmlns:a14="http://schemas.microsoft.com/office/drawing/2010/main" xmlns:mc="http://schemas.openxmlformats.org/markup-compatibility/2006" xmlns:p14="http://schemas.microsoft.com/office/powerpoint/2010/main" xmlns:p="http://schemas.openxmlformats.org/presentationml/2006/main">
-  <p:cSld name="">
+<p:notes xmlns:a="http://schemas.openxmlformats.org/drawingml/2006/main" xmlns:r="http://schemas.openxmlformats.org/officeDocument/2006/relationships" xmlns:p="http://schemas.openxmlformats.org/presentationml/2006/main">
+  <p:cSld>
     <p:spTree>
       <p:nvGrpSpPr>
         <p:cNvPr id="1" name=""/>
@@ -1773,6 +1545,8 @@
         <a:xfrm>
           <a:off x="0" y="0"/>
           <a:ext cx="0" cy="0"/>
+          <a:chOff x="0" y="0"/>
+          <a:chExt cx="0" cy="0"/>
         </a:xfrm>
       </p:grpSpPr>
       <p:sp>
@@ -1812,7 +1586,12 @@
                 <a:ea typeface="Aptos"/>
                 <a:cs typeface="Aptos"/>
               </a:rPr>
-              <a:t>Il tè Chai è un prodotto promettente nel mercato latino americano, poiché offre un'alternativa sana ed esotica.</a:t>
+              <a:t>Il tè Chai è un prodotto promettente nel mercato latino americano, poiché offre un'alternativa sana ed esotica. Dovrebbe essere posizionato come prodotto pregiato e versatile, sfruttando le sue caratteristiche e i vantaggi unici. È consigliabile usare una combinazione di tattiche online e offline per raggiungere il pubblico di destinazione e superare le sfide.</a:t>
+            </a:r>
+            <a:r>
+              <a:rPr sz="1200"/>
+              <a:t>
+</a:t>
             </a:r>
             <a:r>
               <a:rPr lang="it-IT" sz="1200" b="0" i="0" strike="noStrike" cap="none" baseline="0">
@@ -1824,7 +1603,12 @@
                 <a:ea typeface="Aptos"/>
                 <a:cs typeface="Aptos"/>
               </a:rPr>
-              <a:t> </a:t>
+              <a:t>Contenuto originale:</a:t>
+            </a:r>
+            <a:r>
+              <a:rPr sz="1200"/>
+              <a:t>
+</a:t>
             </a:r>
             <a:r>
               <a:rPr lang="it-IT" sz="1200" b="0" i="0" strike="noStrike" cap="none" baseline="0">
@@ -1836,7 +1620,12 @@
                 <a:ea typeface="Aptos"/>
                 <a:cs typeface="Aptos"/>
               </a:rPr>
-              <a:t>Dovrebbe essere posizionato come prodotto pregiato e versatile, sfruttando le sue caratteristiche e i vantaggi unici.</a:t>
+              <a:t> raccomandazioni e conclusioni</a:t>
+            </a:r>
+            <a:r>
+              <a:rPr sz="1200"/>
+              <a:t>
+</a:t>
             </a:r>
             <a:r>
               <a:rPr lang="it-IT" sz="1200" b="0" i="0" strike="noStrike" cap="none" baseline="0">
@@ -1848,7 +1637,12 @@
                 <a:ea typeface="Aptos"/>
                 <a:cs typeface="Aptos"/>
               </a:rPr>
-              <a:t> </a:t>
+              <a:t>In base all'analisi di mercato, all'analisi competitiva, ai canali di distribuzione e al piano e alla strategia di promozione, è possibile trarre le raccomandazioni e le conclusioni seguenti per il futuro del tè Chai in America Latina:</a:t>
+            </a:r>
+            <a:r>
+              <a:rPr sz="1200"/>
+              <a:t>
+</a:t>
             </a:r>
             <a:r>
               <a:rPr lang="it-IT" sz="1200" b="0" i="0" strike="noStrike" cap="none" baseline="0">
@@ -1860,7 +1654,7 @@
                 <a:ea typeface="Aptos"/>
                 <a:cs typeface="Aptos"/>
               </a:rPr>
-              <a:t>È consigliabile usare una combinazione di tattiche online e offline per raggiungere il pubblico di destinazione e superare le sfide.</a:t>
+              <a:t>··          il tè Chai è un prodotto promettente che ha un potenziale di crescita e successo nel mercato latino americano, poiché offre un'alternativa sana, naturale ed esotica ad altre bevande</a:t>
             </a:r>
             <a:r>
               <a:rPr sz="1200"/>
@@ -1868,11 +1662,35 @@
 </a:t>
             </a:r>
             <a:r>
+              <a:rPr lang="it-IT" sz="1200" b="0" i="0" strike="noStrike" cap="none" baseline="0">
+                <a:solidFill>
+                  <a:srgbClr val="000000"/>
+                </a:solidFill>
+                <a:effectLst/>
+                <a:latin typeface="Aptos"/>
+                <a:ea typeface="Aptos"/>
+                <a:cs typeface="Aptos"/>
+              </a:rPr>
+              <a:t>··          Il tè Chai deve essere posizionato e commercializzato come un prodotto pregiato, autentico e versatile che può fare appello a diversi segmenti e occasioni</a:t>
+            </a:r>
+            <a:r>
               <a:rPr sz="1200"/>
               <a:t>
 </a:t>
             </a:r>
             <a:r>
+              <a:rPr lang="it-IT" sz="1200" b="0" i="0" strike="noStrike" cap="none" baseline="0">
+                <a:solidFill>
+                  <a:srgbClr val="000000"/>
+                </a:solidFill>
+                <a:effectLst/>
+                <a:latin typeface="Aptos"/>
+                <a:ea typeface="Aptos"/>
+                <a:cs typeface="Aptos"/>
+              </a:rPr>
+              <a:t>·          Il tè Chai deve sfruttare le sue caratteristiche e benefici unici, come il ricco aroma, sapore e i benefici per la salute, per differenziarsi da altri prodotti per il tè</a:t>
+            </a:r>
+            <a:r>
               <a:rPr sz="1200"/>
               <a:t>
 </a:t>
@@ -1887,7 +1705,7 @@
                 <a:ea typeface="Aptos"/>
                 <a:cs typeface="Aptos"/>
               </a:rPr>
-              <a:t>Contenuto originale:</a:t>
+              <a:t>··          Il tè Chai deve usare un mix di tattiche online e offline per raggiungere e coinvolgere il pubblico di destinazione, e per creare una base di clienti fedele e soddisfatta</a:t>
             </a:r>
             <a:r>
               <a:rPr sz="1200"/>
@@ -1904,7 +1722,7 @@
                 <a:ea typeface="Aptos"/>
                 <a:cs typeface="Aptos"/>
               </a:rPr>
-              <a:t> raccomandazioni e conclusioni</a:t>
+              <a:t>··          Il tè Chai deve superare le sfide e le minacce che possono ostacolare la crescita e l'espansione nell'area geografica, ad esempio prezzo, attenzione, concorrenza, normative e sostenibilità</a:t>
             </a:r>
             <a:r>
               <a:rPr sz="1200"/>
@@ -1921,157 +1739,7 @@
                 <a:ea typeface="Aptos"/>
                 <a:cs typeface="Aptos"/>
               </a:rPr>
-              <a:t>In base all'analisi di mercato, all'analisi competitiva, ai canali di distribuzione e al piano e alla strategia di promozione, è possibile trarre le raccomandazioni e le conclusioni seguenti per il futuro del tè Chai in America Latina:</a:t>
-            </a:r>
-            <a:r>
-              <a:rPr sz="1200"/>
-              <a:t>
-</a:t>
-            </a:r>
-            <a:r>
-              <a:rPr lang="it-IT" sz="1200" b="0" i="0" strike="noStrike" cap="none" baseline="0">
-                <a:solidFill>
-                  <a:srgbClr val="000000"/>
-                </a:solidFill>
-                <a:effectLst/>
-                <a:latin typeface="Aptos"/>
-                <a:ea typeface="Aptos"/>
-                <a:cs typeface="Aptos"/>
-              </a:rPr>
-              <a:t>··          il tè Chai è un prodotto promettente che ha un potenziale di crescita e successo nel mercato latino americano, poiché offre un'alternativa sana, naturale ed esotica ad altre bevande</a:t>
-            </a:r>
-            <a:r>
-              <a:rPr sz="1200"/>
-              <a:t>
-</a:t>
-            </a:r>
-            <a:r>
-              <a:rPr lang="it-IT" sz="1200" b="0" i="0" strike="noStrike" cap="none" baseline="0">
-                <a:solidFill>
-                  <a:srgbClr val="000000"/>
-                </a:solidFill>
-                <a:effectLst/>
-                <a:latin typeface="Aptos"/>
-                <a:ea typeface="Aptos"/>
-                <a:cs typeface="Aptos"/>
-              </a:rPr>
-              <a:t>··          Il tè Chai deve essere posizionato e commercializzato come un prodotto pregiato, autentico e versatile che può fare appello a diversi segmenti e occasioni</a:t>
-            </a:r>
-            <a:r>
-              <a:rPr sz="1200"/>
-              <a:t>
-</a:t>
-            </a:r>
-            <a:r>
-              <a:rPr lang="it-IT" sz="1200" b="0" i="0" strike="noStrike" cap="none" baseline="0">
-                <a:solidFill>
-                  <a:srgbClr val="000000"/>
-                </a:solidFill>
-                <a:effectLst/>
-                <a:latin typeface="Aptos"/>
-                <a:ea typeface="Aptos"/>
-                <a:cs typeface="Aptos"/>
-              </a:rPr>
-              <a:t>·          Il tè Chai deve sfruttare le sue caratteristiche e benefici unici, come il ricco aroma, sapore e i benefici per la salute, per differenziarsi da altri prodotti per il tè</a:t>
-            </a:r>
-            <a:r>
-              <a:rPr sz="1200"/>
-              <a:t>
-</a:t>
-            </a:r>
-            <a:r>
-              <a:rPr lang="it-IT" sz="1200" b="0" i="0" strike="noStrike" cap="none" baseline="0">
-                <a:solidFill>
-                  <a:srgbClr val="000000"/>
-                </a:solidFill>
-                <a:effectLst/>
-                <a:latin typeface="Aptos"/>
-                <a:ea typeface="Aptos"/>
-                <a:cs typeface="Aptos"/>
-              </a:rPr>
-              <a:t>··          Il tè Chai deve usare un mix di tattiche online e offline per raggiungere e coinvolgere il pubblico di destinazione, e per creare una base di clienti fedele e soddisfatta</a:t>
-            </a:r>
-            <a:r>
-              <a:rPr sz="1200"/>
-              <a:t>
-</a:t>
-            </a:r>
-            <a:r>
-              <a:rPr lang="it-IT" sz="1200" b="0" i="0" strike="noStrike" cap="none" baseline="0">
-                <a:solidFill>
-                  <a:srgbClr val="000000"/>
-                </a:solidFill>
-                <a:effectLst/>
-                <a:latin typeface="Aptos"/>
-                <a:ea typeface="Aptos"/>
-                <a:cs typeface="Aptos"/>
-              </a:rPr>
-              <a:t>··          Il tè Chai deve superare le sfide e le minacce che possono ostacolare la crescita e l'espansione nell'area geografica, ad esempio prezzo, attenzione, concorrenza, normative e sostenibilità</a:t>
-            </a:r>
-            <a:r>
-              <a:rPr sz="1200"/>
-              <a:t>
-</a:t>
-            </a:r>
-            <a:r>
-              <a:rPr lang="it-IT" sz="1200" b="0" i="0" strike="noStrike" cap="none" baseline="0">
-                <a:solidFill>
-                  <a:srgbClr val="000000"/>
-                </a:solidFill>
-                <a:effectLst/>
-                <a:latin typeface="Aptos"/>
-                <a:ea typeface="Aptos"/>
-                <a:cs typeface="Aptos"/>
-              </a:rPr>
-              <a:t>In conclusione, il tè Chai è un prodotto che ha un grosso potenziale e opportunità nel mercato latino americano, ma affronta anche alcune sfide e rischi.</a:t>
-            </a:r>
-            <a:r>
-              <a:rPr lang="it-IT" sz="1200" b="0" i="0" strike="noStrike" cap="none" baseline="0">
-                <a:solidFill>
-                  <a:srgbClr val="000000"/>
-                </a:solidFill>
-                <a:effectLst/>
-                <a:latin typeface="Aptos"/>
-                <a:ea typeface="Aptos"/>
-                <a:cs typeface="Aptos"/>
-              </a:rPr>
-              <a:t> </a:t>
-            </a:r>
-            <a:r>
-              <a:rPr lang="it-IT" sz="1200" b="0" i="0" strike="noStrike" cap="none" baseline="0">
-                <a:solidFill>
-                  <a:srgbClr val="000000"/>
-                </a:solidFill>
-                <a:effectLst/>
-                <a:latin typeface="Aptos"/>
-                <a:ea typeface="Aptos"/>
-                <a:cs typeface="Aptos"/>
-              </a:rPr>
-              <a:t>Il piano e la strategia di promozione descritti in questo report mirano a risolvere tali problemi e a raggiungere i risultati desiderati.</a:t>
-            </a:r>
-            <a:r>
-              <a:rPr lang="it-IT" sz="1200" b="0" i="0" strike="noStrike" cap="none" baseline="0">
-                <a:solidFill>
-                  <a:srgbClr val="000000"/>
-                </a:solidFill>
-                <a:effectLst/>
-                <a:latin typeface="Aptos"/>
-                <a:ea typeface="Aptos"/>
-                <a:cs typeface="Aptos"/>
-              </a:rPr>
-              <a:t> </a:t>
-            </a:r>
-            <a:r>
-              <a:rPr lang="it-IT" sz="1200" b="0" i="0" strike="noStrike" cap="none" baseline="0">
-                <a:solidFill>
-                  <a:srgbClr val="000000"/>
-                </a:solidFill>
-                <a:effectLst/>
-                <a:latin typeface="Aptos"/>
-                <a:ea typeface="Aptos"/>
-                <a:cs typeface="Aptos"/>
-              </a:rPr>
-              <a:t>Tuttavia, il piano e la strategia di promozione devono essere costantemente monitorati, valutati e modificati in base alle mutevoli condizioni del mercato e ai feedback della clientela.</a:t>
+              <a:t>In conclusione, il tè Chai è un prodotto che ha un grosso potenziale e opportunità nel mercato latino americano, ma affronta anche alcune sfide e rischi. Il piano e la strategia di promozione descritti in questo report mirano a risolvere tali problemi e a raggiungere i risultati desiderati. Tuttavia, il piano e la strategia di promozione devono essere costantemente monitorati, valutati e modificati in base alle mutevoli condizioni del mercato e ai feedback della clientela.</a:t>
             </a:r>
             <a:r>
               <a:rPr sz="1200"/>
@@ -2118,8 +1786,8 @@
 </file>
 
 <file path=ppt/notesSlides/notesSlide2.xml><?xml version="1.0" encoding="utf-8"?>
-<p:notes xmlns:a="http://schemas.openxmlformats.org/drawingml/2006/main" xmlns:r="http://schemas.openxmlformats.org/officeDocument/2006/relationships" xmlns:m="http://schemas.openxmlformats.org/officeDocument/2006/math" xmlns:w="http://schemas.openxmlformats.org/wordprocessingml/2006/main" xmlns:wp="http://schemas.openxmlformats.org/drawingml/2006/wordprocessingDrawing" xmlns:a14="http://schemas.microsoft.com/office/drawing/2010/main" xmlns:mc="http://schemas.openxmlformats.org/markup-compatibility/2006" xmlns:p14="http://schemas.microsoft.com/office/powerpoint/2010/main" xmlns:p="http://schemas.openxmlformats.org/presentationml/2006/main">
-  <p:cSld name="">
+<p:notes xmlns:a="http://schemas.openxmlformats.org/drawingml/2006/main" xmlns:r="http://schemas.openxmlformats.org/officeDocument/2006/relationships" xmlns:p="http://schemas.openxmlformats.org/presentationml/2006/main">
+  <p:cSld>
     <p:spTree>
       <p:nvGrpSpPr>
         <p:cNvPr id="1" name=""/>
@@ -2130,6 +1798,8 @@
         <a:xfrm>
           <a:off x="0" y="0"/>
           <a:ext cx="0" cy="0"/>
+          <a:chOff x="0" y="0"/>
+          <a:chExt cx="0" cy="0"/>
         </a:xfrm>
       </p:grpSpPr>
       <p:sp>
@@ -2170,11 +1840,6 @@
                 <a:cs typeface="Aptos"/>
               </a:rPr>
               <a:t>Programma</a:t>
-            </a:r>
-            <a:r>
-              <a:rPr sz="1200"/>
-              <a:t>
-</a:t>
             </a:r>
             <a:r>
               <a:rPr sz="1200"/>
@@ -2561,8 +2226,8 @@
 </file>
 
 <file path=ppt/notesSlides/notesSlide3.xml><?xml version="1.0" encoding="utf-8"?>
-<p:notes xmlns:a="http://schemas.openxmlformats.org/drawingml/2006/main" xmlns:r="http://schemas.openxmlformats.org/officeDocument/2006/relationships" xmlns:m="http://schemas.openxmlformats.org/officeDocument/2006/math" xmlns:w="http://schemas.openxmlformats.org/wordprocessingml/2006/main" xmlns:wp="http://schemas.openxmlformats.org/drawingml/2006/wordprocessingDrawing" xmlns:a14="http://schemas.microsoft.com/office/drawing/2010/main" xmlns:mc="http://schemas.openxmlformats.org/markup-compatibility/2006" xmlns:p14="http://schemas.microsoft.com/office/powerpoint/2010/main" xmlns:p="http://schemas.openxmlformats.org/presentationml/2006/main">
-  <p:cSld name="">
+<p:notes xmlns:a="http://schemas.openxmlformats.org/drawingml/2006/main" xmlns:r="http://schemas.openxmlformats.org/officeDocument/2006/relationships" xmlns:p="http://schemas.openxmlformats.org/presentationml/2006/main">
+  <p:cSld>
     <p:spTree>
       <p:nvGrpSpPr>
         <p:cNvPr id="1" name=""/>
@@ -2573,6 +2238,8 @@
         <a:xfrm>
           <a:off x="0" y="0"/>
           <a:ext cx="0" cy="0"/>
+          <a:chOff x="0" y="0"/>
+          <a:chExt cx="0" cy="0"/>
         </a:xfrm>
       </p:grpSpPr>
       <p:sp>
@@ -2612,7 +2279,12 @@
                 <a:ea typeface="Aptos"/>
                 <a:cs typeface="Aptos"/>
               </a:rPr>
-              <a:t>Questo report fornisce un'analisi di mercato per Mystic Spice Premium Chai Tea nell'area geografica dell'America Latina.</a:t>
+              <a:t>Questo report fornisce un'analisi di mercato per Mystic Spice Premium Chai Tea nell'area geografica dell'America Latina. Tratta la descrizione del prodotto, la tendenza del mercato, l'analisi competitiva, i canali di distribuzione, il piano promozionale, i risultati previsti e i consigli per il futuro.</a:t>
+            </a:r>
+            <a:r>
+              <a:rPr sz="1200"/>
+              <a:t>
+</a:t>
             </a:r>
             <a:r>
               <a:rPr lang="it-IT" sz="1200" b="0" i="0" strike="noStrike" cap="none" baseline="0">
@@ -2624,7 +2296,12 @@
                 <a:ea typeface="Aptos"/>
                 <a:cs typeface="Aptos"/>
               </a:rPr>
-              <a:t> </a:t>
+              <a:t>Contenuto originale:</a:t>
+            </a:r>
+            <a:r>
+              <a:rPr sz="1200"/>
+              <a:t>
+</a:t>
             </a:r>
             <a:r>
               <a:rPr lang="it-IT" sz="1200" b="0" i="0" strike="noStrike" cap="none" baseline="0">
@@ -2636,7 +2313,7 @@
                 <a:ea typeface="Aptos"/>
                 <a:cs typeface="Aptos"/>
               </a:rPr>
-              <a:t>Tratta la descrizione del prodotto, la tendenza del mercato, l'analisi competitiva, i canali di distribuzione, il piano promozionale, i risultati previsti e i consigli per il futuro.</a:t>
+              <a:t>Introduzioni</a:t>
             </a:r>
             <a:r>
               <a:rPr sz="1200"/>
@@ -2644,16 +2321,23 @@
 </a:t>
             </a:r>
             <a:r>
+              <a:rPr lang="it-IT" sz="1200" b="0" i="0" strike="noStrike" cap="none" baseline="0">
+                <a:solidFill>
+                  <a:srgbClr val="000000"/>
+                </a:solidFill>
+                <a:effectLst/>
+                <a:latin typeface="Aptos"/>
+                <a:ea typeface="Aptos"/>
+                <a:cs typeface="Aptos"/>
+              </a:rPr>
+              <a:t>Mystic Spice Premium Chai Tea è un nuovo prodotto lanciato da Contoso Beverage, società specializzata nella produzione e distribuzione di bevande di elevata qualità in tutto il mondo. Mystic Spice Premium Chai Tea è una bevanda di tè speziata, nata in India, che si è diffusa in tutto il mondo. Si tratta di una bevanda versatile che può essere bevuta calda o fredda, con o senza l'aggiunta di latte, spezie e dolcificanti vari. Il tè Chai offre molti benefici per la salute, ad esempio rinforza il sistema immunitario, riduce le infiammazioni e migliora la digestione. Ha anche un profondo significato culturale e storico, poiché è spesso associato all'ospitalità, all'amicizia e al relax.</a:t>
+            </a:r>
+            <a:r>
               <a:rPr sz="1200"/>
               <a:t>
 </a:t>
             </a:r>
             <a:r>
-              <a:rPr sz="1200"/>
-              <a:t>
-</a:t>
-            </a:r>
-            <a:r>
               <a:rPr lang="it-IT" sz="1200" b="0" i="0" strike="noStrike" cap="none" baseline="0">
                 <a:solidFill>
                   <a:srgbClr val="000000"/>
@@ -2663,178 +2347,7 @@
                 <a:ea typeface="Aptos"/>
                 <a:cs typeface="Aptos"/>
               </a:rPr>
-              <a:t>Contenuto originale:</a:t>
-            </a:r>
-            <a:r>
-              <a:rPr sz="1200"/>
-              <a:t>
-</a:t>
-            </a:r>
-            <a:r>
-              <a:rPr lang="it-IT" sz="1200" b="0" i="0" strike="noStrike" cap="none" baseline="0">
-                <a:solidFill>
-                  <a:srgbClr val="000000"/>
-                </a:solidFill>
-                <a:effectLst/>
-                <a:latin typeface="Aptos"/>
-                <a:ea typeface="Aptos"/>
-                <a:cs typeface="Aptos"/>
-              </a:rPr>
-              <a:t>Introduzioni</a:t>
-            </a:r>
-            <a:r>
-              <a:rPr sz="1200"/>
-              <a:t>
-</a:t>
-            </a:r>
-            <a:r>
-              <a:rPr lang="it-IT" sz="1200" b="0" i="0" strike="noStrike" cap="none" baseline="0">
-                <a:solidFill>
-                  <a:srgbClr val="000000"/>
-                </a:solidFill>
-                <a:effectLst/>
-                <a:latin typeface="Aptos"/>
-                <a:ea typeface="Aptos"/>
-                <a:cs typeface="Aptos"/>
-              </a:rPr>
-              <a:t>Mystic Spice Premium Chai Tea è un nuovo prodotto lanciato da Contoso Beverage, società specializzata nella produzione e distribuzione di bevande di elevata qualità in tutto il mondo.</a:t>
-            </a:r>
-            <a:r>
-              <a:rPr lang="it-IT" sz="1200" b="0" i="0" strike="noStrike" cap="none" baseline="0">
-                <a:solidFill>
-                  <a:srgbClr val="000000"/>
-                </a:solidFill>
-                <a:effectLst/>
-                <a:latin typeface="Aptos"/>
-                <a:ea typeface="Aptos"/>
-                <a:cs typeface="Aptos"/>
-              </a:rPr>
-              <a:t> </a:t>
-            </a:r>
-            <a:r>
-              <a:rPr lang="it-IT" sz="1200" b="0" i="0" strike="noStrike" cap="none" baseline="0">
-                <a:solidFill>
-                  <a:srgbClr val="000000"/>
-                </a:solidFill>
-                <a:effectLst/>
-                <a:latin typeface="Aptos"/>
-                <a:ea typeface="Aptos"/>
-                <a:cs typeface="Aptos"/>
-              </a:rPr>
-              <a:t>Mystic Spice Premium Chai Tea è una bevanda di tè speziata, nata in India, che si è diffusa in tutto il mondo.</a:t>
-            </a:r>
-            <a:r>
-              <a:rPr lang="it-IT" sz="1200" b="0" i="0" strike="noStrike" cap="none" baseline="0">
-                <a:solidFill>
-                  <a:srgbClr val="000000"/>
-                </a:solidFill>
-                <a:effectLst/>
-                <a:latin typeface="Aptos"/>
-                <a:ea typeface="Aptos"/>
-                <a:cs typeface="Aptos"/>
-              </a:rPr>
-              <a:t> </a:t>
-            </a:r>
-            <a:r>
-              <a:rPr lang="it-IT" sz="1200" b="0" i="0" strike="noStrike" cap="none" baseline="0">
-                <a:solidFill>
-                  <a:srgbClr val="000000"/>
-                </a:solidFill>
-                <a:effectLst/>
-                <a:latin typeface="Aptos"/>
-                <a:ea typeface="Aptos"/>
-                <a:cs typeface="Aptos"/>
-              </a:rPr>
-              <a:t>Si tratta di una bevanda versatile che può essere bevuta calda o fredda, con o senza l'aggiunta di latte, spezie e dolcificanti vari.</a:t>
-            </a:r>
-            <a:r>
-              <a:rPr lang="it-IT" sz="1200" b="0" i="0" strike="noStrike" cap="none" baseline="0">
-                <a:solidFill>
-                  <a:srgbClr val="000000"/>
-                </a:solidFill>
-                <a:effectLst/>
-                <a:latin typeface="Aptos"/>
-                <a:ea typeface="Aptos"/>
-                <a:cs typeface="Aptos"/>
-              </a:rPr>
-              <a:t> </a:t>
-            </a:r>
-            <a:r>
-              <a:rPr lang="it-IT" sz="1200" b="0" i="0" strike="noStrike" cap="none" baseline="0">
-                <a:solidFill>
-                  <a:srgbClr val="000000"/>
-                </a:solidFill>
-                <a:effectLst/>
-                <a:latin typeface="Aptos"/>
-                <a:ea typeface="Aptos"/>
-                <a:cs typeface="Aptos"/>
-              </a:rPr>
-              <a:t>Il tè Chai offre molti benefici per la salute, ad esempio rinforza il sistema immunitario, riduce le infiammazioni e migliora la digestione.</a:t>
-            </a:r>
-            <a:r>
-              <a:rPr lang="it-IT" sz="1200" b="0" i="0" strike="noStrike" cap="none" baseline="0">
-                <a:solidFill>
-                  <a:srgbClr val="000000"/>
-                </a:solidFill>
-                <a:effectLst/>
-                <a:latin typeface="Aptos"/>
-                <a:ea typeface="Aptos"/>
-                <a:cs typeface="Aptos"/>
-              </a:rPr>
-              <a:t> </a:t>
-            </a:r>
-            <a:r>
-              <a:rPr lang="it-IT" sz="1200" b="0" i="0" strike="noStrike" cap="none" baseline="0">
-                <a:solidFill>
-                  <a:srgbClr val="000000"/>
-                </a:solidFill>
-                <a:effectLst/>
-                <a:latin typeface="Aptos"/>
-                <a:ea typeface="Aptos"/>
-                <a:cs typeface="Aptos"/>
-              </a:rPr>
-              <a:t>Ha anche un profondo significato culturale e storico, poiché è spesso associato all'ospitalità, all'amicizia e al relax.</a:t>
-            </a:r>
-            <a:r>
-              <a:rPr sz="1200"/>
-              <a:t>
-</a:t>
-            </a:r>
-            <a:r>
-              <a:rPr lang="it-IT" sz="1200" b="0" i="0" strike="noStrike" cap="none" baseline="0">
-                <a:solidFill>
-                  <a:srgbClr val="000000"/>
-                </a:solidFill>
-                <a:effectLst/>
-                <a:latin typeface="Aptos"/>
-                <a:ea typeface="Aptos"/>
-                <a:cs typeface="Aptos"/>
-              </a:rPr>
-              <a:t>Questo report mira a fornire un'analisi di mercato per il Mystic Spice Premium Chai Tea, concentrandosi sull'area geografica dell'America Latina.</a:t>
-            </a:r>
-            <a:r>
-              <a:rPr lang="it-IT" sz="1200" b="0" i="0" strike="noStrike" cap="none" baseline="0">
-                <a:solidFill>
-                  <a:srgbClr val="000000"/>
-                </a:solidFill>
-                <a:effectLst/>
-                <a:latin typeface="Aptos"/>
-                <a:ea typeface="Aptos"/>
-                <a:cs typeface="Aptos"/>
-              </a:rPr>
-              <a:t> </a:t>
-            </a:r>
-            <a:r>
-              <a:rPr lang="it-IT" sz="1200" b="0" i="0" strike="noStrike" cap="none" baseline="0">
-                <a:solidFill>
-                  <a:srgbClr val="000000"/>
-                </a:solidFill>
-                <a:effectLst/>
-                <a:latin typeface="Aptos"/>
-                <a:ea typeface="Aptos"/>
-                <a:cs typeface="Aptos"/>
-              </a:rPr>
-              <a:t>Il report tratterà i seguenti aspetti:</a:t>
+              <a:t>Questo report mira a fornire un'analisi di mercato per il Mystic Spice Premium Chai Tea, concentrandosi sull'area geografica dell'America Latina. Il report tratterà i seguenti aspetti:</a:t>
             </a:r>
             <a:r>
               <a:rPr sz="1200"/>
@@ -3000,8 +2513,8 @@
 </file>
 
 <file path=ppt/notesSlides/notesSlide4.xml><?xml version="1.0" encoding="utf-8"?>
-<p:notes xmlns:a="http://schemas.openxmlformats.org/drawingml/2006/main" xmlns:r="http://schemas.openxmlformats.org/officeDocument/2006/relationships" xmlns:m="http://schemas.openxmlformats.org/officeDocument/2006/math" xmlns:w="http://schemas.openxmlformats.org/wordprocessingml/2006/main" xmlns:wp="http://schemas.openxmlformats.org/drawingml/2006/wordprocessingDrawing" xmlns:a14="http://schemas.microsoft.com/office/drawing/2010/main" xmlns:mc="http://schemas.openxmlformats.org/markup-compatibility/2006" xmlns:p14="http://schemas.microsoft.com/office/powerpoint/2010/main" xmlns:p="http://schemas.openxmlformats.org/presentationml/2006/main">
-  <p:cSld name="">
+<p:notes xmlns:a="http://schemas.openxmlformats.org/drawingml/2006/main" xmlns:r="http://schemas.openxmlformats.org/officeDocument/2006/relationships" xmlns:p="http://schemas.openxmlformats.org/presentationml/2006/main">
+  <p:cSld>
     <p:spTree>
       <p:nvGrpSpPr>
         <p:cNvPr id="1" name=""/>
@@ -3012,6 +2525,8 @@
         <a:xfrm>
           <a:off x="0" y="0"/>
           <a:ext cx="0" cy="0"/>
+          <a:chOff x="0" y="0"/>
+          <a:chExt cx="0" cy="0"/>
         </a:xfrm>
       </p:grpSpPr>
       <p:sp>
@@ -3051,7 +2566,12 @@
                 <a:ea typeface="Aptos"/>
                 <a:cs typeface="Aptos"/>
               </a:rPr>
-              <a:t>Mystic Spice Premium Chai Tea è una miscela creata meticolosamente che rispetta le tradizioni del chai indiano.</a:t>
+              <a:t>Mystic Spice Premium Chai Tea è una miscela creata meticolosamente che rispetta le tradizioni del chai indiano. Ogni tazza permette di viaggiare attraverso i vivaci paesaggi dell'India, ricreando un'autentica esperienza chai in casa.</a:t>
+            </a:r>
+            <a:r>
+              <a:rPr sz="1200"/>
+              <a:t>
+</a:t>
             </a:r>
             <a:r>
               <a:rPr lang="it-IT" sz="1200" b="0" i="0" strike="noStrike" cap="none" baseline="0">
@@ -3063,7 +2583,12 @@
                 <a:ea typeface="Aptos"/>
                 <a:cs typeface="Aptos"/>
               </a:rPr>
-              <a:t> </a:t>
+              <a:t>Contenuto originale:</a:t>
+            </a:r>
+            <a:r>
+              <a:rPr sz="1200"/>
+              <a:t>
+</a:t>
             </a:r>
             <a:r>
               <a:rPr lang="it-IT" sz="1200" b="0" i="0" strike="noStrike" cap="none" baseline="0">
@@ -3075,7 +2600,7 @@
                 <a:ea typeface="Aptos"/>
                 <a:cs typeface="Aptos"/>
               </a:rPr>
-              <a:t>Ogni tazza permette di viaggiare attraverso i vivaci paesaggi dell'India, ricreando un'autentica esperienza chai in casa.</a:t>
+              <a:t>Descrizione del prodotto</a:t>
             </a:r>
             <a:r>
               <a:rPr sz="1200"/>
@@ -3083,16 +2608,6 @@
 </a:t>
             </a:r>
             <a:r>
-              <a:rPr sz="1200"/>
-              <a:t>
-</a:t>
-            </a:r>
-            <a:r>
-              <a:rPr sz="1200"/>
-              <a:t>
-</a:t>
-            </a:r>
-            <a:r>
               <a:rPr lang="it-IT" sz="1200" b="0" i="0" strike="noStrike" cap="none" baseline="0">
                 <a:solidFill>
                   <a:srgbClr val="000000"/>
@@ -3102,89 +2617,7 @@
                 <a:ea typeface="Aptos"/>
                 <a:cs typeface="Aptos"/>
               </a:rPr>
-              <a:t>Contenuto originale:</a:t>
-            </a:r>
-            <a:r>
-              <a:rPr sz="1200"/>
-              <a:t>
-</a:t>
-            </a:r>
-            <a:r>
-              <a:rPr lang="it-IT" sz="1200" b="0" i="0" strike="noStrike" cap="none" baseline="0">
-                <a:solidFill>
-                  <a:srgbClr val="000000"/>
-                </a:solidFill>
-                <a:effectLst/>
-                <a:latin typeface="Aptos"/>
-                <a:ea typeface="Aptos"/>
-                <a:cs typeface="Aptos"/>
-              </a:rPr>
-              <a:t>Descrizione del prodotto</a:t>
-            </a:r>
-            <a:r>
-              <a:rPr sz="1200"/>
-              <a:t>
-</a:t>
-            </a:r>
-            <a:r>
-              <a:rPr lang="it-IT" sz="1200" b="0" i="0" strike="noStrike" cap="none" baseline="0">
-                <a:solidFill>
-                  <a:srgbClr val="000000"/>
-                </a:solidFill>
-                <a:effectLst/>
-                <a:latin typeface="Aptos"/>
-                <a:ea typeface="Aptos"/>
-                <a:cs typeface="Aptos"/>
-              </a:rPr>
-              <a:t>Mystic Spice Premium Chai Tea è una miscela creata meticolosamente che rende omaggio alle tradizioni senza tempo del chai indiano.</a:t>
-            </a:r>
-            <a:r>
-              <a:rPr lang="it-IT" sz="1200" b="0" i="0" strike="noStrike" cap="none" baseline="0">
-                <a:solidFill>
-                  <a:srgbClr val="000000"/>
-                </a:solidFill>
-                <a:effectLst/>
-                <a:latin typeface="Aptos"/>
-                <a:ea typeface="Aptos"/>
-                <a:cs typeface="Aptos"/>
-              </a:rPr>
-              <a:t> </a:t>
-            </a:r>
-            <a:r>
-              <a:rPr lang="it-IT" sz="1200" b="0" i="0" strike="noStrike" cap="none" baseline="0">
-                <a:solidFill>
-                  <a:srgbClr val="000000"/>
-                </a:solidFill>
-                <a:effectLst/>
-                <a:latin typeface="Aptos"/>
-                <a:ea typeface="Aptos"/>
-                <a:cs typeface="Aptos"/>
-              </a:rPr>
-              <a:t>Ogni tazza offre un viaggio incantevole attraverso i vivaci paesaggi dell'India, ricreando un'autentica esperienza chai in casa.</a:t>
-            </a:r>
-            <a:r>
-              <a:rPr lang="it-IT" sz="1200" b="0" i="0" strike="noStrike" cap="none" baseline="0">
-                <a:solidFill>
-                  <a:srgbClr val="000000"/>
-                </a:solidFill>
-                <a:effectLst/>
-                <a:latin typeface="Aptos"/>
-                <a:ea typeface="Aptos"/>
-                <a:cs typeface="Aptos"/>
-              </a:rPr>
-              <a:t> </a:t>
-            </a:r>
-            <a:r>
-              <a:rPr lang="it-IT" sz="1200" b="0" i="0" strike="noStrike" cap="none" baseline="0">
-                <a:solidFill>
-                  <a:srgbClr val="000000"/>
-                </a:solidFill>
-                <a:effectLst/>
-                <a:latin typeface="Aptos"/>
-                <a:ea typeface="Aptos"/>
-                <a:cs typeface="Aptos"/>
-              </a:rPr>
-              <a:t>La descrizione del prodotto, le caratteristiche e i vantaggi di Mystic Spice Premium Chai Tea sono riepilogati nella tabella seguente:</a:t>
+              <a:t>Mystic Spice Premium Chai Tea è una miscela creata meticolosamente che rende omaggio alle tradizioni senza tempo del chai indiano. Ogni tazza offre un viaggio incantevole attraverso i vivaci paesaggi dell'India, ricreando un'autentica esperienza chai in casa. La descrizione del prodotto, le caratteristiche e i vantaggi di Mystic Spice Premium Chai Tea sono riepilogati nella tabella seguente:</a:t>
             </a:r>
             <a:r>
               <a:rPr sz="1200"/>
@@ -3231,8 +2664,8 @@
 </file>
 
 <file path=ppt/notesSlides/notesSlide5.xml><?xml version="1.0" encoding="utf-8"?>
-<p:notes xmlns:a="http://schemas.openxmlformats.org/drawingml/2006/main" xmlns:r="http://schemas.openxmlformats.org/officeDocument/2006/relationships" xmlns:m="http://schemas.openxmlformats.org/officeDocument/2006/math" xmlns:w="http://schemas.openxmlformats.org/wordprocessingml/2006/main" xmlns:wp="http://schemas.openxmlformats.org/drawingml/2006/wordprocessingDrawing" xmlns:a14="http://schemas.microsoft.com/office/drawing/2010/main" xmlns:mc="http://schemas.openxmlformats.org/markup-compatibility/2006" xmlns:p14="http://schemas.microsoft.com/office/powerpoint/2010/main" xmlns:p="http://schemas.openxmlformats.org/presentationml/2006/main">
-  <p:cSld name="">
+<p:notes xmlns:a="http://schemas.openxmlformats.org/drawingml/2006/main" xmlns:r="http://schemas.openxmlformats.org/officeDocument/2006/relationships" xmlns:p="http://schemas.openxmlformats.org/presentationml/2006/main">
+  <p:cSld>
     <p:spTree>
       <p:nvGrpSpPr>
         <p:cNvPr id="1" name=""/>
@@ -3243,6 +2676,8 @@
         <a:xfrm>
           <a:off x="0" y="0"/>
           <a:ext cx="0" cy="0"/>
+          <a:chOff x="0" y="0"/>
+          <a:chExt cx="0" cy="0"/>
         </a:xfrm>
       </p:grpSpPr>
       <p:sp>
@@ -3324,8 +2759,8 @@
 </file>
 
 <file path=ppt/notesSlides/notesSlide6.xml><?xml version="1.0" encoding="utf-8"?>
-<p:notes xmlns:a="http://schemas.openxmlformats.org/drawingml/2006/main" xmlns:r="http://schemas.openxmlformats.org/officeDocument/2006/relationships" xmlns:m="http://schemas.openxmlformats.org/officeDocument/2006/math" xmlns:w="http://schemas.openxmlformats.org/wordprocessingml/2006/main" xmlns:wp="http://schemas.openxmlformats.org/drawingml/2006/wordprocessingDrawing" xmlns:a14="http://schemas.microsoft.com/office/drawing/2010/main" xmlns:mc="http://schemas.openxmlformats.org/markup-compatibility/2006" xmlns:p14="http://schemas.microsoft.com/office/powerpoint/2010/main" xmlns:p="http://schemas.openxmlformats.org/presentationml/2006/main">
-  <p:cSld name="">
+<p:notes xmlns:a="http://schemas.openxmlformats.org/drawingml/2006/main" xmlns:r="http://schemas.openxmlformats.org/officeDocument/2006/relationships" xmlns:p="http://schemas.openxmlformats.org/presentationml/2006/main">
+  <p:cSld>
     <p:spTree>
       <p:nvGrpSpPr>
         <p:cNvPr id="1" name=""/>
@@ -3336,6 +2771,8 @@
         <a:xfrm>
           <a:off x="0" y="0"/>
           <a:ext cx="0" cy="0"/>
+          <a:chOff x="0" y="0"/>
+          <a:chExt cx="0" cy="0"/>
         </a:xfrm>
       </p:grpSpPr>
       <p:sp>
@@ -3417,8 +2854,8 @@
 </file>
 
 <file path=ppt/notesSlides/notesSlide7.xml><?xml version="1.0" encoding="utf-8"?>
-<p:notes xmlns:a="http://schemas.openxmlformats.org/drawingml/2006/main" xmlns:r="http://schemas.openxmlformats.org/officeDocument/2006/relationships" xmlns:m="http://schemas.openxmlformats.org/officeDocument/2006/math" xmlns:w="http://schemas.openxmlformats.org/wordprocessingml/2006/main" xmlns:wp="http://schemas.openxmlformats.org/drawingml/2006/wordprocessingDrawing" xmlns:a14="http://schemas.microsoft.com/office/drawing/2010/main" xmlns:mc="http://schemas.openxmlformats.org/markup-compatibility/2006" xmlns:p14="http://schemas.microsoft.com/office/powerpoint/2010/main" xmlns:p="http://schemas.openxmlformats.org/presentationml/2006/main">
-  <p:cSld name="">
+<p:notes xmlns:a="http://schemas.openxmlformats.org/drawingml/2006/main" xmlns:r="http://schemas.openxmlformats.org/officeDocument/2006/relationships" xmlns:p="http://schemas.openxmlformats.org/presentationml/2006/main">
+  <p:cSld>
     <p:spTree>
       <p:nvGrpSpPr>
         <p:cNvPr id="1" name=""/>
@@ -3429,6 +2866,8 @@
         <a:xfrm>
           <a:off x="0" y="0"/>
           <a:ext cx="0" cy="0"/>
+          <a:chOff x="0" y="0"/>
+          <a:chExt cx="0" cy="0"/>
         </a:xfrm>
       </p:grpSpPr>
       <p:sp>
@@ -3468,7 +2907,12 @@
                 <a:ea typeface="Aptos"/>
                 <a:cs typeface="Aptos"/>
               </a:rPr>
-              <a:t>Il mercato latino americano offre grandi opportunità per il tè Chai, con una crescente richiesta di prodotti salubri, naturali ed esotici.</a:t>
+              <a:t>Il mercato latino americano offre grandi opportunità per il tè Chai, con una crescente richiesta di prodotti salubri, naturali ed esotici. La dimensione globale del mercato del tè Chai è stata valutata in 1,9 miliardi di dollari americani nel 2019 e dovrebbe raggiungere un CAGR del 5,5% dal 2020 al 2027, con l'America Latina come una delle aree geografiche in rapida crescita. I principali fattori di crescita includono la maggiore attenzione e disponibilità economica, oltre all'espansione della distribuzione.</a:t>
+            </a:r>
+            <a:r>
+              <a:rPr sz="1200"/>
+              <a:t>
+</a:t>
             </a:r>
             <a:r>
               <a:rPr lang="it-IT" sz="1200" b="0" i="0" strike="noStrike" cap="none" baseline="0">
@@ -3480,7 +2924,12 @@
                 <a:ea typeface="Aptos"/>
                 <a:cs typeface="Aptos"/>
               </a:rPr>
-              <a:t> </a:t>
+              <a:t>Contenuto originale:</a:t>
+            </a:r>
+            <a:r>
+              <a:rPr sz="1200"/>
+              <a:t>
+</a:t>
             </a:r>
             <a:r>
               <a:rPr lang="it-IT" sz="1200" b="0" i="0" strike="noStrike" cap="none" baseline="0">
@@ -3492,7 +2941,12 @@
                 <a:ea typeface="Aptos"/>
                 <a:cs typeface="Aptos"/>
               </a:rPr>
-              <a:t>La dimensione globale del mercato del tè Chai è stata valutata in 1,9 miliardi di dollari americani nel 2019 e dovrebbe raggiungere un CAGR del 5,5% dal 2020 al 2027, con l'America Latina come una delle aree geografiche in rapida crescita.</a:t>
+              <a:t>Tendenza e domanda del mercato</a:t>
+            </a:r>
+            <a:r>
+              <a:rPr sz="1200"/>
+              <a:t>
+</a:t>
             </a:r>
             <a:r>
               <a:rPr lang="it-IT" sz="1200" b="0" i="0" strike="noStrike" cap="none" baseline="0">
@@ -3504,7 +2958,12 @@
                 <a:ea typeface="Aptos"/>
                 <a:cs typeface="Aptos"/>
               </a:rPr>
-              <a:t> </a:t>
+              <a:t>Il mercato latino americano offre grandi opportunità per il tè Chai, poiché l'area geografica presenta una crescente richiesta di prodotti salubri, naturali ed esotici. L'area ha anche una forte cultura del tè, soprattutto in Paesi come Argentina, Cile e Uruguay, dove il mate è una bevanda molto diffusa. Il tè Chai può attrarre sia gli appassionati del tè sia quelli del caffè, in quanto è uno stimolate simile alla caffeina ma dal sapore più complesso. Il tè Chai è anche ideale per lo stile di vita e le preferenze dei consumatori dell'America Latina, che amano socializzare, condividere e concedersi dolci prelibatezze.</a:t>
+            </a:r>
+            <a:r>
+              <a:rPr sz="1200"/>
+              <a:t>
+</a:t>
             </a:r>
             <a:r>
               <a:rPr lang="it-IT" sz="1200" b="0" i="0" strike="noStrike" cap="none" baseline="0">
@@ -3516,205 +2975,7 @@
                 <a:ea typeface="Aptos"/>
                 <a:cs typeface="Aptos"/>
               </a:rPr>
-              <a:t>I principali fattori di crescita includono la maggiore attenzione e disponibilità economica, oltre all'espansione della distribuzione.</a:t>
-            </a:r>
-            <a:r>
-              <a:rPr sz="1200"/>
-              <a:t>
-</a:t>
-            </a:r>
-            <a:r>
-              <a:rPr sz="1200"/>
-              <a:t>
-</a:t>
-            </a:r>
-            <a:r>
-              <a:rPr sz="1200"/>
-              <a:t>
-</a:t>
-            </a:r>
-            <a:r>
-              <a:rPr lang="it-IT" sz="1200" b="0" i="0" strike="noStrike" cap="none" baseline="0">
-                <a:solidFill>
-                  <a:srgbClr val="000000"/>
-                </a:solidFill>
-                <a:effectLst/>
-                <a:latin typeface="Aptos"/>
-                <a:ea typeface="Aptos"/>
-                <a:cs typeface="Aptos"/>
-              </a:rPr>
-              <a:t>Contenuto originale:</a:t>
-            </a:r>
-            <a:r>
-              <a:rPr sz="1200"/>
-              <a:t>
-</a:t>
-            </a:r>
-            <a:r>
-              <a:rPr lang="it-IT" sz="1200" b="0" i="0" strike="noStrike" cap="none" baseline="0">
-                <a:solidFill>
-                  <a:srgbClr val="000000"/>
-                </a:solidFill>
-                <a:effectLst/>
-                <a:latin typeface="Aptos"/>
-                <a:ea typeface="Aptos"/>
-                <a:cs typeface="Aptos"/>
-              </a:rPr>
-              <a:t>Tendenza e domanda del mercato</a:t>
-            </a:r>
-            <a:r>
-              <a:rPr sz="1200"/>
-              <a:t>
-</a:t>
-            </a:r>
-            <a:r>
-              <a:rPr lang="it-IT" sz="1200" b="0" i="0" strike="noStrike" cap="none" baseline="0">
-                <a:solidFill>
-                  <a:srgbClr val="000000"/>
-                </a:solidFill>
-                <a:effectLst/>
-                <a:latin typeface="Aptos"/>
-                <a:ea typeface="Aptos"/>
-                <a:cs typeface="Aptos"/>
-              </a:rPr>
-              <a:t>Il mercato latino americano offre grandi opportunità per il tè Chai, poiché l'area geografica presenta una crescente richiesta di prodotti salubri, naturali ed esotici.</a:t>
-            </a:r>
-            <a:r>
-              <a:rPr lang="it-IT" sz="1200" b="0" i="0" strike="noStrike" cap="none" baseline="0">
-                <a:solidFill>
-                  <a:srgbClr val="000000"/>
-                </a:solidFill>
-                <a:effectLst/>
-                <a:latin typeface="Aptos"/>
-                <a:ea typeface="Aptos"/>
-                <a:cs typeface="Aptos"/>
-              </a:rPr>
-              <a:t> </a:t>
-            </a:r>
-            <a:r>
-              <a:rPr lang="it-IT" sz="1200" b="0" i="0" strike="noStrike" cap="none" baseline="0">
-                <a:solidFill>
-                  <a:srgbClr val="000000"/>
-                </a:solidFill>
-                <a:effectLst/>
-                <a:latin typeface="Aptos"/>
-                <a:ea typeface="Aptos"/>
-                <a:cs typeface="Aptos"/>
-              </a:rPr>
-              <a:t>L'area ha anche una forte cultura del tè, soprattutto in Paesi come Argentina, Cile e Uruguay, dove il mate è una bevanda molto diffusa.</a:t>
-            </a:r>
-            <a:r>
-              <a:rPr lang="it-IT" sz="1200" b="0" i="0" strike="noStrike" cap="none" baseline="0">
-                <a:solidFill>
-                  <a:srgbClr val="000000"/>
-                </a:solidFill>
-                <a:effectLst/>
-                <a:latin typeface="Aptos"/>
-                <a:ea typeface="Aptos"/>
-                <a:cs typeface="Aptos"/>
-              </a:rPr>
-              <a:t> </a:t>
-            </a:r>
-            <a:r>
-              <a:rPr lang="it-IT" sz="1200" b="0" i="0" strike="noStrike" cap="none" baseline="0">
-                <a:solidFill>
-                  <a:srgbClr val="000000"/>
-                </a:solidFill>
-                <a:effectLst/>
-                <a:latin typeface="Aptos"/>
-                <a:ea typeface="Aptos"/>
-                <a:cs typeface="Aptos"/>
-              </a:rPr>
-              <a:t>Il tè Chai può attrarre sia gli appassionati del tè sia quelli del caffè, in quanto è uno stimolate simile alla caffeina ma dal sapore più complesso.</a:t>
-            </a:r>
-            <a:r>
-              <a:rPr lang="it-IT" sz="1200" b="0" i="0" strike="noStrike" cap="none" baseline="0">
-                <a:solidFill>
-                  <a:srgbClr val="000000"/>
-                </a:solidFill>
-                <a:effectLst/>
-                <a:latin typeface="Aptos"/>
-                <a:ea typeface="Aptos"/>
-                <a:cs typeface="Aptos"/>
-              </a:rPr>
-              <a:t> </a:t>
-            </a:r>
-            <a:r>
-              <a:rPr lang="it-IT" sz="1200" b="0" i="0" strike="noStrike" cap="none" baseline="0">
-                <a:solidFill>
-                  <a:srgbClr val="000000"/>
-                </a:solidFill>
-                <a:effectLst/>
-                <a:latin typeface="Aptos"/>
-                <a:ea typeface="Aptos"/>
-                <a:cs typeface="Aptos"/>
-              </a:rPr>
-              <a:t>Il tè Chai è anche ideale per lo stile di vita e le preferenze dei consumatori dell'America Latina, che amano socializzare, condividere e concedersi dolci prelibatezze.</a:t>
-            </a:r>
-            <a:r>
-              <a:rPr sz="1200"/>
-              <a:t>
-</a:t>
-            </a:r>
-            <a:r>
-              <a:rPr lang="it-IT" sz="1200" b="0" i="0" strike="noStrike" cap="none" baseline="0">
-                <a:solidFill>
-                  <a:srgbClr val="000000"/>
-                </a:solidFill>
-                <a:effectLst/>
-                <a:latin typeface="Aptos"/>
-                <a:ea typeface="Aptos"/>
-                <a:cs typeface="Aptos"/>
-              </a:rPr>
-              <a:t>Secondo un report di Grand View Research, si stima che l'entità del mercato del tè Chai a livello globale abbia raggiunto 1,9 miliardi di dollari americani nel 2019 e dovrebbe raggiungere un tasso di crescita annuale composto (CAGR) del 5,5% dal 2020 al 2027.</a:t>
-            </a:r>
-            <a:r>
-              <a:rPr lang="it-IT" sz="1200" b="0" i="0" strike="noStrike" cap="none" baseline="0">
-                <a:solidFill>
-                  <a:srgbClr val="000000"/>
-                </a:solidFill>
-                <a:effectLst/>
-                <a:latin typeface="Aptos"/>
-                <a:ea typeface="Aptos"/>
-                <a:cs typeface="Aptos"/>
-              </a:rPr>
-              <a:t> </a:t>
-            </a:r>
-            <a:r>
-              <a:rPr lang="it-IT" sz="1200" b="0" i="0" strike="noStrike" cap="none" baseline="0">
-                <a:solidFill>
-                  <a:srgbClr val="000000"/>
-                </a:solidFill>
-                <a:effectLst/>
-                <a:latin typeface="Aptos"/>
-                <a:ea typeface="Aptos"/>
-                <a:cs typeface="Aptos"/>
-              </a:rPr>
-              <a:t>Il report afferma inoltre che l'America Latina è una delle aree geografiche in più rapida crescita per il tè Chai, con un CAGR del 6,2% dal 2020 al 2027.</a:t>
-            </a:r>
-            <a:r>
-              <a:rPr lang="it-IT" sz="1200" b="0" i="0" strike="noStrike" cap="none" baseline="0">
-                <a:solidFill>
-                  <a:srgbClr val="000000"/>
-                </a:solidFill>
-                <a:effectLst/>
-                <a:latin typeface="Aptos"/>
-                <a:ea typeface="Aptos"/>
-                <a:cs typeface="Aptos"/>
-              </a:rPr>
-              <a:t> </a:t>
-            </a:r>
-            <a:r>
-              <a:rPr lang="it-IT" sz="1200" b="0" i="0" strike="noStrike" cap="none" baseline="0">
-                <a:solidFill>
-                  <a:srgbClr val="000000"/>
-                </a:solidFill>
-                <a:effectLst/>
-                <a:latin typeface="Aptos"/>
-                <a:ea typeface="Aptos"/>
-                <a:cs typeface="Aptos"/>
-              </a:rPr>
-              <a:t>I principali fattori per la crescita del tè Chai in America Latina sono:</a:t>
+              <a:t>Secondo un report di Grand View Research, si stima che l'entità del mercato del tè Chai a livello globale abbia raggiunto 1,9 miliardi di dollari americani nel 2019 e dovrebbe raggiungere un tasso di crescita annuale composto (CAGR) del 5,5% dal 2020 al 2027. Il report afferma inoltre che l'America Latina è una delle aree geografiche in più rapida crescita per il tè Chai, con un CAGR del 6,2% dal 2020 al 2027. I principali fattori per la crescita del tè Chai in America Latina sono:</a:t>
             </a:r>
             <a:r>
               <a:rPr sz="1200"/>
@@ -3846,8 +3107,8 @@
 </file>
 
 <file path=ppt/notesSlides/notesSlide8.xml><?xml version="1.0" encoding="utf-8"?>
-<p:notes xmlns:a="http://schemas.openxmlformats.org/drawingml/2006/main" xmlns:r="http://schemas.openxmlformats.org/officeDocument/2006/relationships" xmlns:m="http://schemas.openxmlformats.org/officeDocument/2006/math" xmlns:w="http://schemas.openxmlformats.org/wordprocessingml/2006/main" xmlns:wp="http://schemas.openxmlformats.org/drawingml/2006/wordprocessingDrawing" xmlns:a14="http://schemas.microsoft.com/office/drawing/2010/main" xmlns:mc="http://schemas.openxmlformats.org/markup-compatibility/2006" xmlns:p14="http://schemas.microsoft.com/office/powerpoint/2010/main" xmlns:p="http://schemas.openxmlformats.org/presentationml/2006/main">
-  <p:cSld name="">
+<p:notes xmlns:a="http://schemas.openxmlformats.org/drawingml/2006/main" xmlns:r="http://schemas.openxmlformats.org/officeDocument/2006/relationships" xmlns:p="http://schemas.openxmlformats.org/presentationml/2006/main">
+  <p:cSld>
     <p:spTree>
       <p:nvGrpSpPr>
         <p:cNvPr id="1" name=""/>
@@ -3858,6 +3119,8 @@
         <a:xfrm>
           <a:off x="0" y="0"/>
           <a:ext cx="0" cy="0"/>
+          <a:chOff x="0" y="0"/>
+          <a:chExt cx="0" cy="0"/>
         </a:xfrm>
       </p:grpSpPr>
       <p:sp>
@@ -3897,7 +3160,12 @@
                 <a:ea typeface="Aptos"/>
                 <a:cs typeface="Aptos"/>
               </a:rPr>
-              <a:t>Il tè Chai in America Latina è distribuito tramite rivenditori, commercianti all'ingrosso e distributori.</a:t>
+              <a:t>Il tè Chai in America Latina è distribuito tramite rivenditori, commercianti all'ingrosso e distributori. I rivenditori, come supermercati e bar, vendono direttamente ai consumatori e possono influenzarne la percezione e gli acquisti. I principali rivenditori includono Walmart e Starbucks. I commercianti all'ingrosso vendono all'ingrosso ai rivenditori, mentre i distributori trasportano i prodotti dai produttori ai rivenditori.</a:t>
+            </a:r>
+            <a:r>
+              <a:rPr sz="1200"/>
+              <a:t>
+</a:t>
             </a:r>
             <a:r>
               <a:rPr lang="it-IT" sz="1200" b="0" i="0" strike="noStrike" cap="none" baseline="0">
@@ -3909,7 +3177,12 @@
                 <a:ea typeface="Aptos"/>
                 <a:cs typeface="Aptos"/>
               </a:rPr>
-              <a:t> </a:t>
+              <a:t>Contenuto originale:</a:t>
+            </a:r>
+            <a:r>
+              <a:rPr sz="1200"/>
+              <a:t>
+</a:t>
             </a:r>
             <a:r>
               <a:rPr lang="it-IT" sz="1200" b="0" i="0" strike="noStrike" cap="none" baseline="0">
@@ -3921,7 +3194,12 @@
                 <a:ea typeface="Aptos"/>
                 <a:cs typeface="Aptos"/>
               </a:rPr>
-              <a:t>I rivenditori, come supermercati e bar, vendono direttamente ai consumatori e possono influenzarne la percezione e gli acquisti.</a:t>
+              <a:t> i canali di distribuzione per il tè Chai in America Latina sono le modalità e i mezzi con cui i prodotti di tè Chai vengono consegnati e venduti ai consumatori finali. I canali di distribuzione per il tè Chai in America Latina si possono classificare in tre tipi: rivenditori, commercianti all'ingrosso e distributori.</a:t>
+            </a:r>
+            <a:r>
+              <a:rPr sz="1200"/>
+              <a:t>
+</a:t>
             </a:r>
             <a:r>
               <a:rPr lang="it-IT" sz="1200" b="0" i="0" strike="noStrike" cap="none" baseline="0">
@@ -3933,200 +3211,7 @@
                 <a:ea typeface="Aptos"/>
                 <a:cs typeface="Aptos"/>
               </a:rPr>
-              <a:t> </a:t>
-            </a:r>
-            <a:r>
-              <a:rPr lang="it-IT" sz="1200" b="0" i="0" strike="noStrike" cap="none" baseline="0">
-                <a:solidFill>
-                  <a:srgbClr val="000000"/>
-                </a:solidFill>
-                <a:effectLst/>
-                <a:latin typeface="Aptos"/>
-                <a:ea typeface="Aptos"/>
-                <a:cs typeface="Aptos"/>
-              </a:rPr>
-              <a:t>I principali rivenditori includono Walmart e Starbucks.</a:t>
-            </a:r>
-            <a:r>
-              <a:rPr lang="it-IT" sz="1200" b="0" i="0" strike="noStrike" cap="none" baseline="0">
-                <a:solidFill>
-                  <a:srgbClr val="000000"/>
-                </a:solidFill>
-                <a:effectLst/>
-                <a:latin typeface="Aptos"/>
-                <a:ea typeface="Aptos"/>
-                <a:cs typeface="Aptos"/>
-              </a:rPr>
-              <a:t> </a:t>
-            </a:r>
-            <a:r>
-              <a:rPr lang="it-IT" sz="1200" b="0" i="0" strike="noStrike" cap="none" baseline="0">
-                <a:solidFill>
-                  <a:srgbClr val="000000"/>
-                </a:solidFill>
-                <a:effectLst/>
-                <a:latin typeface="Aptos"/>
-                <a:ea typeface="Aptos"/>
-                <a:cs typeface="Aptos"/>
-              </a:rPr>
-              <a:t>I commercianti all'ingrosso vendono all'ingrosso ai rivenditori, mentre i distributori trasportano i prodotti dai produttori ai rivenditori.</a:t>
-            </a:r>
-            <a:r>
-              <a:rPr sz="1200"/>
-              <a:t>
-</a:t>
-            </a:r>
-            <a:r>
-              <a:rPr sz="1200"/>
-              <a:t>
-</a:t>
-            </a:r>
-            <a:r>
-              <a:rPr sz="1200"/>
-              <a:t>
-</a:t>
-            </a:r>
-            <a:r>
-              <a:rPr lang="it-IT" sz="1200" b="0" i="0" strike="noStrike" cap="none" baseline="0">
-                <a:solidFill>
-                  <a:srgbClr val="000000"/>
-                </a:solidFill>
-                <a:effectLst/>
-                <a:latin typeface="Aptos"/>
-                <a:ea typeface="Aptos"/>
-                <a:cs typeface="Aptos"/>
-              </a:rPr>
-              <a:t>Contenuto originale:</a:t>
-            </a:r>
-            <a:r>
-              <a:rPr sz="1200"/>
-              <a:t>
-</a:t>
-            </a:r>
-            <a:r>
-              <a:rPr lang="it-IT" sz="1200" b="0" i="0" strike="noStrike" cap="none" baseline="0">
-                <a:solidFill>
-                  <a:srgbClr val="000000"/>
-                </a:solidFill>
-                <a:effectLst/>
-                <a:latin typeface="Aptos"/>
-                <a:ea typeface="Aptos"/>
-                <a:cs typeface="Aptos"/>
-              </a:rPr>
-              <a:t> i canali di distribuzione per il tè Chai in America Latina sono le modalità e i mezzi con cui i prodotti di tè Chai vengono consegnati e venduti ai consumatori finali.</a:t>
-            </a:r>
-            <a:r>
-              <a:rPr lang="it-IT" sz="1200" b="0" i="0" strike="noStrike" cap="none" baseline="0">
-                <a:solidFill>
-                  <a:srgbClr val="000000"/>
-                </a:solidFill>
-                <a:effectLst/>
-                <a:latin typeface="Aptos"/>
-                <a:ea typeface="Aptos"/>
-                <a:cs typeface="Aptos"/>
-              </a:rPr>
-              <a:t> </a:t>
-            </a:r>
-            <a:r>
-              <a:rPr lang="it-IT" sz="1200" b="0" i="0" strike="noStrike" cap="none" baseline="0">
-                <a:solidFill>
-                  <a:srgbClr val="000000"/>
-                </a:solidFill>
-                <a:effectLst/>
-                <a:latin typeface="Aptos"/>
-                <a:ea typeface="Aptos"/>
-                <a:cs typeface="Aptos"/>
-              </a:rPr>
-              <a:t>I canali di distribuzione per il tè Chai in America Latina si possono classificare in tre tipi: rivenditori, commercianti all'ingrosso e distributori.</a:t>
-            </a:r>
-            <a:r>
-              <a:rPr sz="1200"/>
-              <a:t>
-</a:t>
-            </a:r>
-            <a:r>
-              <a:rPr lang="it-IT" sz="1200" b="0" i="0" strike="noStrike" cap="none" baseline="0">
-                <a:solidFill>
-                  <a:srgbClr val="000000"/>
-                </a:solidFill>
-                <a:effectLst/>
-                <a:latin typeface="Aptos"/>
-                <a:ea typeface="Aptos"/>
-                <a:cs typeface="Aptos"/>
-              </a:rPr>
-              <a:t>I rivenditori sono le società che vendono prodotti di tè Chai direttamente ai consumatori, come supermercati, minimarket, negozi di specialità, bar e piattaforme online.</a:t>
-            </a:r>
-            <a:r>
-              <a:rPr lang="it-IT" sz="1200" b="0" i="0" strike="noStrike" cap="none" baseline="0">
-                <a:solidFill>
-                  <a:srgbClr val="000000"/>
-                </a:solidFill>
-                <a:effectLst/>
-                <a:latin typeface="Aptos"/>
-                <a:ea typeface="Aptos"/>
-                <a:cs typeface="Aptos"/>
-              </a:rPr>
-              <a:t> </a:t>
-            </a:r>
-            <a:r>
-              <a:rPr lang="it-IT" sz="1200" b="0" i="0" strike="noStrike" cap="none" baseline="0">
-                <a:solidFill>
-                  <a:srgbClr val="000000"/>
-                </a:solidFill>
-                <a:effectLst/>
-                <a:latin typeface="Aptos"/>
-                <a:ea typeface="Aptos"/>
-                <a:cs typeface="Aptos"/>
-              </a:rPr>
-              <a:t>I rivenditori sono il canale più visibile e accessibile per i prodotti di tè Chai, e possono influenzare la percezione, le preferenze e gli acquisti di prodotti di tè Chai.</a:t>
-            </a:r>
-            <a:r>
-              <a:rPr lang="it-IT" sz="1200" b="0" i="0" strike="noStrike" cap="none" baseline="0">
-                <a:solidFill>
-                  <a:srgbClr val="000000"/>
-                </a:solidFill>
-                <a:effectLst/>
-                <a:latin typeface="Aptos"/>
-                <a:ea typeface="Aptos"/>
-                <a:cs typeface="Aptos"/>
-              </a:rPr>
-              <a:t> </a:t>
-            </a:r>
-            <a:r>
-              <a:rPr lang="it-IT" sz="1200" b="0" i="0" strike="noStrike" cap="none" baseline="0">
-                <a:solidFill>
-                  <a:srgbClr val="000000"/>
-                </a:solidFill>
-                <a:effectLst/>
-                <a:latin typeface="Aptos"/>
-                <a:ea typeface="Aptos"/>
-                <a:cs typeface="Aptos"/>
-              </a:rPr>
-              <a:t>I rivenditori possono anche offrire supporto promozionale e commerciale per i prodotti di tea Chai, come esposizione, insegne e spazio sugli scaffali.</a:t>
-            </a:r>
-            <a:r>
-              <a:rPr lang="it-IT" sz="1200" b="0" i="0" strike="noStrike" cap="none" baseline="0">
-                <a:solidFill>
-                  <a:srgbClr val="000000"/>
-                </a:solidFill>
-                <a:effectLst/>
-                <a:latin typeface="Aptos"/>
-                <a:ea typeface="Aptos"/>
-                <a:cs typeface="Aptos"/>
-              </a:rPr>
-              <a:t> </a:t>
-            </a:r>
-            <a:r>
-              <a:rPr lang="it-IT" sz="1200" b="0" i="0" strike="noStrike" cap="none" baseline="0">
-                <a:solidFill>
-                  <a:srgbClr val="000000"/>
-                </a:solidFill>
-                <a:effectLst/>
-                <a:latin typeface="Aptos"/>
-                <a:ea typeface="Aptos"/>
-                <a:cs typeface="Aptos"/>
-              </a:rPr>
-              <a:t>Alcuni dei principali rivenditori di prodotti di tè Chai in America Latina sono Walmart, Carrefour, Oxxo, Starbucks e Amazon.</a:t>
+              <a:t>I rivenditori sono le società che vendono prodotti di tè Chai direttamente ai consumatori, come supermercati, minimarket, negozi di specialità, bar e piattaforme online. I rivenditori sono il canale più visibile e accessibile per i prodotti di tè Chai, e possono influenzare la percezione, le preferenze e gli acquisti di prodotti di tè Chai. I rivenditori possono anche offrire supporto promozionale e commerciale per i prodotti di tea Chai, come esposizione, insegne e spazio sugli scaffali. Alcuni dei principali rivenditori di prodotti di tè Chai in America Latina sono Walmart, Carrefour, Oxxo, Starbucks e Amazon.</a:t>
             </a:r>
             <a:r>
               <a:rPr sz="1200"/>
@@ -4173,8 +3258,8 @@
 </file>
 
 <file path=ppt/notesSlides/notesSlide9.xml><?xml version="1.0" encoding="utf-8"?>
-<p:notes xmlns:a="http://schemas.openxmlformats.org/drawingml/2006/main" xmlns:r="http://schemas.openxmlformats.org/officeDocument/2006/relationships" xmlns:m="http://schemas.openxmlformats.org/officeDocument/2006/math" xmlns:w="http://schemas.openxmlformats.org/wordprocessingml/2006/main" xmlns:wp="http://schemas.openxmlformats.org/drawingml/2006/wordprocessingDrawing" xmlns:a14="http://schemas.microsoft.com/office/drawing/2010/main" xmlns:mc="http://schemas.openxmlformats.org/markup-compatibility/2006" xmlns:p14="http://schemas.microsoft.com/office/powerpoint/2010/main" xmlns:p="http://schemas.openxmlformats.org/presentationml/2006/main">
-  <p:cSld name="">
+<p:notes xmlns:a="http://schemas.openxmlformats.org/drawingml/2006/main" xmlns:r="http://schemas.openxmlformats.org/officeDocument/2006/relationships" xmlns:p="http://schemas.openxmlformats.org/presentationml/2006/main">
+  <p:cSld>
     <p:spTree>
       <p:nvGrpSpPr>
         <p:cNvPr id="1" name=""/>
@@ -4185,6 +3270,8 @@
         <a:xfrm>
           <a:off x="0" y="0"/>
           <a:ext cx="0" cy="0"/>
+          <a:chOff x="0" y="0"/>
+          <a:chExt cx="0" cy="0"/>
         </a:xfrm>
       </p:grpSpPr>
       <p:sp>
@@ -4224,7 +3311,12 @@
                 <a:ea typeface="Aptos"/>
                 <a:cs typeface="Aptos"/>
               </a:rPr>
-              <a:t>I commercianti all'ingrosso acquistano prodotti di tè Chai all'ingrosso e li vendono ai rivenditori o ad altri intermediari.</a:t>
+              <a:t>I commercianti all'ingrosso acquistano prodotti di tè Chai all'ingrosso e li vendono ai rivenditori o ad altri intermediari. Fungono da collegamento tra la domanda e l'offerta di prodotti di tè Chai e offrono vari servizi. I principali commercianti all'ingrosso in America Latina includono Cencosud, Grupo Pao de Acucar, La Anonima e Makro.</a:t>
+            </a:r>
+            <a:r>
+              <a:rPr sz="1200"/>
+              <a:t>
+</a:t>
             </a:r>
             <a:r>
               <a:rPr lang="it-IT" sz="1200" b="0" i="0" strike="noStrike" cap="none" baseline="0">
@@ -4236,7 +3328,12 @@
                 <a:ea typeface="Aptos"/>
                 <a:cs typeface="Aptos"/>
               </a:rPr>
-              <a:t> </a:t>
+              <a:t>Contenuto originale:</a:t>
+            </a:r>
+            <a:r>
+              <a:rPr sz="1200"/>
+              <a:t>
+</a:t>
             </a:r>
             <a:r>
               <a:rPr lang="it-IT" sz="1200" b="0" i="0" strike="noStrike" cap="none" baseline="0">
@@ -4248,147 +3345,7 @@
                 <a:ea typeface="Aptos"/>
                 <a:cs typeface="Aptos"/>
               </a:rPr>
-              <a:t>Fungono da collegamento tra la domanda e l'offerta di prodotti di tè Chai e offrono vari servizi.</a:t>
-            </a:r>
-            <a:r>
-              <a:rPr lang="it-IT" sz="1200" b="0" i="0" strike="noStrike" cap="none" baseline="0">
-                <a:solidFill>
-                  <a:srgbClr val="000000"/>
-                </a:solidFill>
-                <a:effectLst/>
-                <a:latin typeface="Aptos"/>
-                <a:ea typeface="Aptos"/>
-                <a:cs typeface="Aptos"/>
-              </a:rPr>
-              <a:t> </a:t>
-            </a:r>
-            <a:r>
-              <a:rPr lang="it-IT" sz="1200" b="0" i="0" strike="noStrike" cap="none" baseline="0">
-                <a:solidFill>
-                  <a:srgbClr val="000000"/>
-                </a:solidFill>
-                <a:effectLst/>
-                <a:latin typeface="Aptos"/>
-                <a:ea typeface="Aptos"/>
-                <a:cs typeface="Aptos"/>
-              </a:rPr>
-              <a:t>I principali commercianti all'ingrosso in America Latina includono Cencosud, Grupo Pao de Acucar, La Anonima e Makro.</a:t>
-            </a:r>
-            <a:r>
-              <a:rPr sz="1200"/>
-              <a:t>
-</a:t>
-            </a:r>
-            <a:r>
-              <a:rPr sz="1200"/>
-              <a:t>
-</a:t>
-            </a:r>
-            <a:r>
-              <a:rPr sz="1200"/>
-              <a:t>
-</a:t>
-            </a:r>
-            <a:r>
-              <a:rPr lang="it-IT" sz="1200" b="0" i="0" strike="noStrike" cap="none" baseline="0">
-                <a:solidFill>
-                  <a:srgbClr val="000000"/>
-                </a:solidFill>
-                <a:effectLst/>
-                <a:latin typeface="Aptos"/>
-                <a:ea typeface="Aptos"/>
-                <a:cs typeface="Aptos"/>
-              </a:rPr>
-              <a:t>Contenuto originale:</a:t>
-            </a:r>
-            <a:r>
-              <a:rPr sz="1200"/>
-              <a:t>
-</a:t>
-            </a:r>
-            <a:r>
-              <a:rPr lang="it-IT" sz="1200" b="0" i="0" strike="noStrike" cap="none" baseline="0">
-                <a:solidFill>
-                  <a:srgbClr val="000000"/>
-                </a:solidFill>
-                <a:effectLst/>
-                <a:latin typeface="Aptos"/>
-                <a:ea typeface="Aptos"/>
-                <a:cs typeface="Aptos"/>
-              </a:rPr>
-              <a:t> i commercianti all'ingrosso sono le società che acquistano prodotti di tè Chai all'ingrosso da produttori o distributori e li vendono ai rivenditori o ad altri intermediari.</a:t>
-            </a:r>
-            <a:r>
-              <a:rPr lang="it-IT" sz="1200" b="0" i="0" strike="noStrike" cap="none" baseline="0">
-                <a:solidFill>
-                  <a:srgbClr val="000000"/>
-                </a:solidFill>
-                <a:effectLst/>
-                <a:latin typeface="Aptos"/>
-                <a:ea typeface="Aptos"/>
-                <a:cs typeface="Aptos"/>
-              </a:rPr>
-              <a:t> </a:t>
-            </a:r>
-            <a:r>
-              <a:rPr lang="it-IT" sz="1200" b="0" i="0" strike="noStrike" cap="none" baseline="0">
-                <a:solidFill>
-                  <a:srgbClr val="000000"/>
-                </a:solidFill>
-                <a:effectLst/>
-                <a:latin typeface="Aptos"/>
-                <a:ea typeface="Aptos"/>
-                <a:cs typeface="Aptos"/>
-              </a:rPr>
-              <a:t>I commercianti all'ingrosso fungono da collegamento tra la domanda e l'offerta di prodotti di tè Chai, e possono offrire economie di scala, stoccaggio e servizi di trasporto per i prodotti di tè Chai.</a:t>
-            </a:r>
-            <a:r>
-              <a:rPr lang="it-IT" sz="1200" b="0" i="0" strike="noStrike" cap="none" baseline="0">
-                <a:solidFill>
-                  <a:srgbClr val="000000"/>
-                </a:solidFill>
-                <a:effectLst/>
-                <a:latin typeface="Aptos"/>
-                <a:ea typeface="Aptos"/>
-                <a:cs typeface="Aptos"/>
-              </a:rPr>
-              <a:t> </a:t>
-            </a:r>
-            <a:r>
-              <a:rPr lang="it-IT" sz="1200" b="0" i="0" strike="noStrike" cap="none" baseline="0">
-                <a:solidFill>
-                  <a:srgbClr val="000000"/>
-                </a:solidFill>
-                <a:effectLst/>
-                <a:latin typeface="Aptos"/>
-                <a:ea typeface="Aptos"/>
-                <a:cs typeface="Aptos"/>
-              </a:rPr>
-              <a:t>I commercianti all'ingrosso possono anche fornire informazioni sul mercato, feedback e servizi di credito per i prodotti di tè Chai.</a:t>
-            </a:r>
-            <a:r>
-              <a:rPr lang="it-IT" sz="1200" b="0" i="0" strike="noStrike" cap="none" baseline="0">
-                <a:solidFill>
-                  <a:srgbClr val="000000"/>
-                </a:solidFill>
-                <a:effectLst/>
-                <a:latin typeface="Aptos"/>
-                <a:ea typeface="Aptos"/>
-                <a:cs typeface="Aptos"/>
-              </a:rPr>
-              <a:t> </a:t>
-            </a:r>
-            <a:r>
-              <a:rPr lang="it-IT" sz="1200" b="0" i="0" strike="noStrike" cap="none" baseline="0">
-                <a:solidFill>
-                  <a:srgbClr val="000000"/>
-                </a:solidFill>
-                <a:effectLst/>
-                <a:latin typeface="Aptos"/>
-                <a:ea typeface="Aptos"/>
-                <a:cs typeface="Aptos"/>
-              </a:rPr>
-              <a:t>Alcuni dei principali commercianti all'ingrosso di prodotti di tè Chai in America Latina sono Cencosud, Grupo Pao de Acucar, La Anonima e Makro.</a:t>
+              <a:t> i commercianti all'ingrosso sono le società che acquistano prodotti di tè Chai all'ingrosso da produttori o distributori e li vendono ai rivenditori o ad altri intermediari. I commercianti all'ingrosso fungono da collegamento tra la domanda e l'offerta di prodotti di tè Chai, e possono offrire economie di scala, stoccaggio e servizi di trasporto per i prodotti di tè Chai. I commercianti all'ingrosso possono anche fornire informazioni sul mercato, feedback e servizi di credito per i prodotti di tè Chai. Alcuni dei principali commercianti all'ingrosso di prodotti di tè Chai in America Latina sono Cencosud, Grupo Pao de Acucar, La Anonima e Makro.</a:t>
             </a:r>
             <a:r>
               <a:rPr sz="1200"/>
@@ -4435,7 +3392,7 @@
 </file>
 
 <file path=ppt/slideLayouts/slideLayout1.xml><?xml version="1.0" encoding="utf-8"?>
-<p:sldLayout xmlns:a="http://schemas.openxmlformats.org/drawingml/2006/main" xmlns:r="http://schemas.openxmlformats.org/officeDocument/2006/relationships" xmlns:m="http://schemas.openxmlformats.org/officeDocument/2006/math" xmlns:w="http://schemas.openxmlformats.org/wordprocessingml/2006/main" xmlns:wp="http://schemas.openxmlformats.org/drawingml/2006/wordprocessingDrawing" xmlns:a14="http://schemas.microsoft.com/office/drawing/2010/main" xmlns:mc="http://schemas.openxmlformats.org/markup-compatibility/2006" xmlns:p14="http://schemas.microsoft.com/office/powerpoint/2010/main" xmlns:p15="http://schemas.microsoft.com/office/powerpoint/2012/main" xmlns:p159="http://schemas.microsoft.com/office/powerpoint/2015/09/main" xmlns:p="http://schemas.openxmlformats.org/presentationml/2006/main" showMasterSp="0" type="title" preserve="1">
+<p:sldLayout xmlns:a="http://schemas.openxmlformats.org/drawingml/2006/main" xmlns:r="http://schemas.openxmlformats.org/officeDocument/2006/relationships" xmlns:p="http://schemas.openxmlformats.org/presentationml/2006/main" showMasterSp="0" type="title" preserve="1">
   <p:cSld name="Title Slide">
     <p:spTree>
       <p:nvGrpSpPr>
@@ -4447,6 +3404,8 @@
         <a:xfrm>
           <a:off x="0" y="0"/>
           <a:ext cx="0" cy="0"/>
+          <a:chOff x="0" y="0"/>
+          <a:chExt cx="0" cy="0"/>
         </a:xfrm>
       </p:grpSpPr>
       <p:sp>
@@ -4495,7 +3454,9 @@
         <p:txBody>
           <a:bodyPr/>
           <a:lstStyle/>
-          <a:p/>
+          <a:p>
+            <a:endParaRPr/>
+          </a:p>
         </p:txBody>
       </p:sp>
       <p:sp>
@@ -4538,7 +3499,6 @@
               <a:rPr lang="en-US"/>
               <a:t>Click to edit Master title style</a:t>
             </a:r>
-            <a:endParaRPr lang="en-US"/>
           </a:p>
         </p:txBody>
       </p:sp>
@@ -4610,7 +3570,6 @@
               <a:rPr lang="en-US"/>
               <a:t>Click to edit Master subtitle style</a:t>
             </a:r>
-            <a:endParaRPr lang="en-US"/>
           </a:p>
         </p:txBody>
       </p:sp>
@@ -4681,7 +3640,7 @@
           <a:p>
             <a:fld id="{9184DA70-C731-4C70-880D-CCD4705E623C}" type="datetime1">
               <a:rPr lang="en-US" smtClean="0"/>
-              <a:t>6/26/2024</a:t>
+              <a:t>5/19/2025</a:t>
             </a:fld>
             <a:endParaRPr lang="en-US"/>
           </a:p>
@@ -4752,12 +3711,11 @@
     <a:masterClrMapping/>
   </p:clrMapOvr>
   <p:transition/>
-  <p:timing/>
 </p:sldLayout>
 </file>
 
 <file path=ppt/slideLayouts/slideLayout10.xml><?xml version="1.0" encoding="utf-8"?>
-<p:sldLayout xmlns:a="http://schemas.openxmlformats.org/drawingml/2006/main" xmlns:r="http://schemas.openxmlformats.org/officeDocument/2006/relationships" xmlns:m="http://schemas.openxmlformats.org/officeDocument/2006/math" xmlns:w="http://schemas.openxmlformats.org/wordprocessingml/2006/main" xmlns:wp="http://schemas.openxmlformats.org/drawingml/2006/wordprocessingDrawing" xmlns:a14="http://schemas.microsoft.com/office/drawing/2010/main" xmlns:mc="http://schemas.openxmlformats.org/markup-compatibility/2006" xmlns:p14="http://schemas.microsoft.com/office/powerpoint/2010/main" xmlns:p15="http://schemas.microsoft.com/office/powerpoint/2012/main" xmlns:p159="http://schemas.microsoft.com/office/powerpoint/2015/09/main" xmlns:p="http://schemas.openxmlformats.org/presentationml/2006/main" type="vertTx" preserve="1">
+<p:sldLayout xmlns:a="http://schemas.openxmlformats.org/drawingml/2006/main" xmlns:r="http://schemas.openxmlformats.org/officeDocument/2006/relationships" xmlns:p="http://schemas.openxmlformats.org/presentationml/2006/main" type="vertTx" preserve="1">
   <p:cSld name="Title and Vertical Text">
     <p:spTree>
       <p:nvGrpSpPr>
@@ -4769,6 +3727,8 @@
         <a:xfrm>
           <a:off x="0" y="0"/>
           <a:ext cx="0" cy="0"/>
+          <a:chOff x="0" y="0"/>
+          <a:chExt cx="0" cy="0"/>
         </a:xfrm>
       </p:grpSpPr>
       <p:sp>
@@ -4790,7 +3750,6 @@
               <a:rPr lang="en-US"/>
               <a:t>Click to edit Master title style</a:t>
             </a:r>
-            <a:endParaRPr lang="en-US"/>
           </a:p>
         </p:txBody>
       </p:sp>
@@ -4842,7 +3801,6 @@
               <a:rPr lang="en-US"/>
               <a:t>Fifth level</a:t>
             </a:r>
-            <a:endParaRPr lang="en-US"/>
           </a:p>
         </p:txBody>
       </p:sp>
@@ -4869,7 +3827,7 @@
           <a:p>
             <a:fld id="{B612A279-0833-481D-8C56-F67FD0AC6C50}" type="datetime1">
               <a:rPr lang="en-US" smtClean="0"/>
-              <a:t>6/26/2024</a:t>
+              <a:t>5/19/2025</a:t>
             </a:fld>
             <a:endParaRPr lang="en-US"/>
           </a:p>
@@ -4940,12 +3898,11 @@
     <a:masterClrMapping/>
   </p:clrMapOvr>
   <p:transition/>
-  <p:timing/>
 </p:sldLayout>
 </file>
 
 <file path=ppt/slideLayouts/slideLayout11.xml><?xml version="1.0" encoding="utf-8"?>
-<p:sldLayout xmlns:a="http://schemas.openxmlformats.org/drawingml/2006/main" xmlns:r="http://schemas.openxmlformats.org/officeDocument/2006/relationships" xmlns:m="http://schemas.openxmlformats.org/officeDocument/2006/math" xmlns:w="http://schemas.openxmlformats.org/wordprocessingml/2006/main" xmlns:wp="http://schemas.openxmlformats.org/drawingml/2006/wordprocessingDrawing" xmlns:a14="http://schemas.microsoft.com/office/drawing/2010/main" xmlns:mc="http://schemas.openxmlformats.org/markup-compatibility/2006" xmlns:p14="http://schemas.microsoft.com/office/powerpoint/2010/main" xmlns:p15="http://schemas.microsoft.com/office/powerpoint/2012/main" xmlns:p159="http://schemas.microsoft.com/office/powerpoint/2015/09/main" xmlns:p="http://schemas.openxmlformats.org/presentationml/2006/main" showMasterSp="0" type="vertTitleAndTx" preserve="1">
+<p:sldLayout xmlns:a="http://schemas.openxmlformats.org/drawingml/2006/main" xmlns:r="http://schemas.openxmlformats.org/officeDocument/2006/relationships" xmlns:p="http://schemas.openxmlformats.org/presentationml/2006/main" showMasterSp="0" type="vertTitleAndTx" preserve="1">
   <p:cSld name="Vertical Title and Text">
     <p:spTree>
       <p:nvGrpSpPr>
@@ -4957,6 +3914,8 @@
         <a:xfrm>
           <a:off x="0" y="0"/>
           <a:ext cx="0" cy="0"/>
+          <a:chOff x="0" y="0"/>
+          <a:chExt cx="0" cy="0"/>
         </a:xfrm>
       </p:grpSpPr>
       <p:sp>
@@ -5005,7 +3964,9 @@
         <p:txBody>
           <a:bodyPr/>
           <a:lstStyle/>
-          <a:p/>
+          <a:p>
+            <a:endParaRPr/>
+          </a:p>
         </p:txBody>
       </p:sp>
       <p:sp>
@@ -5032,7 +3993,6 @@
               <a:rPr lang="en-US"/>
               <a:t>Click to edit Master title style</a:t>
             </a:r>
-            <a:endParaRPr lang="en-US"/>
           </a:p>
         </p:txBody>
       </p:sp>
@@ -5089,7 +4049,6 @@
               <a:rPr lang="en-US"/>
               <a:t>Fifth level</a:t>
             </a:r>
-            <a:endParaRPr lang="en-US"/>
           </a:p>
         </p:txBody>
       </p:sp>
@@ -5116,7 +4075,7 @@
           <a:p>
             <a:fld id="{6587DA83-5663-4C9C-B9AA-0B40A3DAFF81}" type="datetime1">
               <a:rPr lang="en-US" smtClean="0"/>
-              <a:t>6/26/2024</a:t>
+              <a:t>5/19/2025</a:t>
             </a:fld>
             <a:endParaRPr lang="en-US"/>
           </a:p>
@@ -5187,12 +4146,11 @@
     <a:masterClrMapping/>
   </p:clrMapOvr>
   <p:transition/>
-  <p:timing/>
 </p:sldLayout>
 </file>
 
 <file path=ppt/slideLayouts/slideLayout2.xml><?xml version="1.0" encoding="utf-8"?>
-<p:sldLayout xmlns:a="http://schemas.openxmlformats.org/drawingml/2006/main" xmlns:r="http://schemas.openxmlformats.org/officeDocument/2006/relationships" xmlns:m="http://schemas.openxmlformats.org/officeDocument/2006/math" xmlns:w="http://schemas.openxmlformats.org/wordprocessingml/2006/main" xmlns:wp="http://schemas.openxmlformats.org/drawingml/2006/wordprocessingDrawing" xmlns:a14="http://schemas.microsoft.com/office/drawing/2010/main" xmlns:mc="http://schemas.openxmlformats.org/markup-compatibility/2006" xmlns:p14="http://schemas.microsoft.com/office/powerpoint/2010/main" xmlns:p15="http://schemas.microsoft.com/office/powerpoint/2012/main" xmlns:p159="http://schemas.microsoft.com/office/powerpoint/2015/09/main" xmlns:p="http://schemas.openxmlformats.org/presentationml/2006/main" type="obj" preserve="1">
+<p:sldLayout xmlns:a="http://schemas.openxmlformats.org/drawingml/2006/main" xmlns:r="http://schemas.openxmlformats.org/officeDocument/2006/relationships" xmlns:p="http://schemas.openxmlformats.org/presentationml/2006/main" type="obj" preserve="1">
   <p:cSld name="Title and Content">
     <p:spTree>
       <p:nvGrpSpPr>
@@ -5204,6 +4162,8 @@
         <a:xfrm>
           <a:off x="0" y="0"/>
           <a:ext cx="0" cy="0"/>
+          <a:chOff x="0" y="0"/>
+          <a:chExt cx="0" cy="0"/>
         </a:xfrm>
       </p:grpSpPr>
       <p:sp>
@@ -5225,7 +4185,6 @@
               <a:rPr lang="en-US"/>
               <a:t>Click to edit Master title style</a:t>
             </a:r>
-            <a:endParaRPr lang="en-US"/>
           </a:p>
         </p:txBody>
       </p:sp>
@@ -5277,7 +4236,6 @@
               <a:rPr lang="en-US"/>
               <a:t>Fifth level</a:t>
             </a:r>
-            <a:endParaRPr lang="en-US"/>
           </a:p>
         </p:txBody>
       </p:sp>
@@ -5304,7 +4262,7 @@
           <a:p>
             <a:fld id="{4BE1D723-8F53-4F53-90B0-1982A396982E}" type="datetime1">
               <a:rPr lang="en-US" smtClean="0"/>
-              <a:t>6/26/2024</a:t>
+              <a:t>5/19/2025</a:t>
             </a:fld>
             <a:endParaRPr lang="en-US"/>
           </a:p>
@@ -5375,12 +4333,11 @@
     <a:masterClrMapping/>
   </p:clrMapOvr>
   <p:transition/>
-  <p:timing/>
 </p:sldLayout>
 </file>
 
 <file path=ppt/slideLayouts/slideLayout3.xml><?xml version="1.0" encoding="utf-8"?>
-<p:sldLayout xmlns:a="http://schemas.openxmlformats.org/drawingml/2006/main" xmlns:r="http://schemas.openxmlformats.org/officeDocument/2006/relationships" xmlns:m="http://schemas.openxmlformats.org/officeDocument/2006/math" xmlns:w="http://schemas.openxmlformats.org/wordprocessingml/2006/main" xmlns:wp="http://schemas.openxmlformats.org/drawingml/2006/wordprocessingDrawing" xmlns:a14="http://schemas.microsoft.com/office/drawing/2010/main" xmlns:mc="http://schemas.openxmlformats.org/markup-compatibility/2006" xmlns:p14="http://schemas.microsoft.com/office/powerpoint/2010/main" xmlns:p15="http://schemas.microsoft.com/office/powerpoint/2012/main" xmlns:p159="http://schemas.microsoft.com/office/powerpoint/2015/09/main" xmlns:p="http://schemas.openxmlformats.org/presentationml/2006/main" showMasterSp="0" type="secHead" preserve="1">
+<p:sldLayout xmlns:a="http://schemas.openxmlformats.org/drawingml/2006/main" xmlns:r="http://schemas.openxmlformats.org/officeDocument/2006/relationships" xmlns:p="http://schemas.openxmlformats.org/presentationml/2006/main" showMasterSp="0" type="secHead" preserve="1">
   <p:cSld name="Section Header">
     <p:bg>
       <p:bgPr>
@@ -5400,6 +4357,8 @@
         <a:xfrm>
           <a:off x="0" y="0"/>
           <a:ext cx="0" cy="0"/>
+          <a:chOff x="0" y="0"/>
+          <a:chExt cx="0" cy="0"/>
         </a:xfrm>
       </p:grpSpPr>
       <p:sp>
@@ -5448,7 +4407,9 @@
         <p:txBody>
           <a:bodyPr/>
           <a:lstStyle/>
-          <a:p/>
+          <a:p>
+            <a:endParaRPr/>
+          </a:p>
         </p:txBody>
       </p:sp>
       <p:sp>
@@ -5491,7 +4452,6 @@
               <a:rPr lang="en-US"/>
               <a:t>Click to edit Master title style</a:t>
             </a:r>
-            <a:endParaRPr lang="en-US"/>
           </a:p>
         </p:txBody>
       </p:sp>
@@ -5682,7 +4642,7 @@
           <a:p>
             <a:fld id="{97669AF7-7BEB-44E4-9852-375E34362B5B}" type="datetime1">
               <a:rPr lang="en-US" smtClean="0"/>
-              <a:t>6/26/2024</a:t>
+              <a:t>5/19/2025</a:t>
             </a:fld>
             <a:endParaRPr lang="en-US"/>
           </a:p>
@@ -5753,12 +4713,11 @@
     <a:masterClrMapping/>
   </p:clrMapOvr>
   <p:transition/>
-  <p:timing/>
 </p:sldLayout>
 </file>
 
 <file path=ppt/slideLayouts/slideLayout4.xml><?xml version="1.0" encoding="utf-8"?>
-<p:sldLayout xmlns:a="http://schemas.openxmlformats.org/drawingml/2006/main" xmlns:r="http://schemas.openxmlformats.org/officeDocument/2006/relationships" xmlns:m="http://schemas.openxmlformats.org/officeDocument/2006/math" xmlns:w="http://schemas.openxmlformats.org/wordprocessingml/2006/main" xmlns:wp="http://schemas.openxmlformats.org/drawingml/2006/wordprocessingDrawing" xmlns:a14="http://schemas.microsoft.com/office/drawing/2010/main" xmlns:mc="http://schemas.openxmlformats.org/markup-compatibility/2006" xmlns:p14="http://schemas.microsoft.com/office/powerpoint/2010/main" xmlns:p15="http://schemas.microsoft.com/office/powerpoint/2012/main" xmlns:p159="http://schemas.microsoft.com/office/powerpoint/2015/09/main" xmlns:p="http://schemas.openxmlformats.org/presentationml/2006/main" type="twoObj" preserve="1">
+<p:sldLayout xmlns:a="http://schemas.openxmlformats.org/drawingml/2006/main" xmlns:r="http://schemas.openxmlformats.org/officeDocument/2006/relationships" xmlns:p="http://schemas.openxmlformats.org/presentationml/2006/main" type="twoObj" preserve="1">
   <p:cSld name="Two Content">
     <p:spTree>
       <p:nvGrpSpPr>
@@ -5770,6 +4729,8 @@
         <a:xfrm>
           <a:off x="0" y="0"/>
           <a:ext cx="0" cy="0"/>
+          <a:chOff x="0" y="0"/>
+          <a:chExt cx="0" cy="0"/>
         </a:xfrm>
       </p:grpSpPr>
       <p:sp>
@@ -5796,7 +4757,6 @@
               <a:rPr lang="en-US"/>
               <a:t>Click to edit Master title style</a:t>
             </a:r>
-            <a:endParaRPr lang="en-US"/>
           </a:p>
         </p:txBody>
       </p:sp>
@@ -5853,7 +4813,6 @@
               <a:rPr lang="en-US"/>
               <a:t>Fifth level</a:t>
             </a:r>
-            <a:endParaRPr lang="en-US"/>
           </a:p>
         </p:txBody>
       </p:sp>
@@ -5910,7 +4869,6 @@
               <a:rPr lang="en-US"/>
               <a:t>Fifth level</a:t>
             </a:r>
-            <a:endParaRPr lang="en-US"/>
           </a:p>
         </p:txBody>
       </p:sp>
@@ -5937,7 +4895,7 @@
           <a:p>
             <a:fld id="{BAAAC38D-0552-4C82-B593-E6124DFADBE2}" type="datetime1">
               <a:rPr lang="en-US" smtClean="0"/>
-              <a:t>6/26/2024</a:t>
+              <a:t>5/19/2025</a:t>
             </a:fld>
             <a:endParaRPr lang="en-US"/>
           </a:p>
@@ -6008,12 +4966,11 @@
     <a:masterClrMapping/>
   </p:clrMapOvr>
   <p:transition/>
-  <p:timing/>
 </p:sldLayout>
 </file>
 
 <file path=ppt/slideLayouts/slideLayout5.xml><?xml version="1.0" encoding="utf-8"?>
-<p:sldLayout xmlns:a="http://schemas.openxmlformats.org/drawingml/2006/main" xmlns:r="http://schemas.openxmlformats.org/officeDocument/2006/relationships" xmlns:m="http://schemas.openxmlformats.org/officeDocument/2006/math" xmlns:w="http://schemas.openxmlformats.org/wordprocessingml/2006/main" xmlns:wp="http://schemas.openxmlformats.org/drawingml/2006/wordprocessingDrawing" xmlns:a14="http://schemas.microsoft.com/office/drawing/2010/main" xmlns:mc="http://schemas.openxmlformats.org/markup-compatibility/2006" xmlns:p14="http://schemas.microsoft.com/office/powerpoint/2010/main" xmlns:p15="http://schemas.microsoft.com/office/powerpoint/2012/main" xmlns:p159="http://schemas.microsoft.com/office/powerpoint/2015/09/main" xmlns:p="http://schemas.openxmlformats.org/presentationml/2006/main" type="twoTxTwoObj" preserve="1">
+<p:sldLayout xmlns:a="http://schemas.openxmlformats.org/drawingml/2006/main" xmlns:r="http://schemas.openxmlformats.org/officeDocument/2006/relationships" xmlns:p="http://schemas.openxmlformats.org/presentationml/2006/main" type="twoTxTwoObj" preserve="1">
   <p:cSld name="Comparison">
     <p:spTree>
       <p:nvGrpSpPr>
@@ -6025,6 +4982,8 @@
         <a:xfrm>
           <a:off x="0" y="0"/>
           <a:ext cx="0" cy="0"/>
+          <a:chOff x="0" y="0"/>
+          <a:chExt cx="0" cy="0"/>
         </a:xfrm>
       </p:grpSpPr>
       <p:sp>
@@ -6051,7 +5010,6 @@
               <a:rPr lang="en-US"/>
               <a:t>Click to edit Master title style</a:t>
             </a:r>
-            <a:endParaRPr lang="en-US"/>
           </a:p>
         </p:txBody>
       </p:sp>
@@ -6179,7 +5137,6 @@
               <a:rPr lang="en-US"/>
               <a:t>Fifth level</a:t>
             </a:r>
-            <a:endParaRPr lang="en-US"/>
           </a:p>
         </p:txBody>
       </p:sp>
@@ -6307,7 +5264,6 @@
               <a:rPr lang="en-US"/>
               <a:t>Fifth level</a:t>
             </a:r>
-            <a:endParaRPr lang="en-US"/>
           </a:p>
         </p:txBody>
       </p:sp>
@@ -6334,7 +5290,7 @@
           <a:p>
             <a:fld id="{D9DF0F1C-5577-4ACB-BB62-DF8F3C494C7E}" type="datetime1">
               <a:rPr lang="en-US" smtClean="0"/>
-              <a:t>6/26/2024</a:t>
+              <a:t>5/19/2025</a:t>
             </a:fld>
             <a:endParaRPr lang="en-US"/>
           </a:p>
@@ -6405,12 +5361,11 @@
     <a:masterClrMapping/>
   </p:clrMapOvr>
   <p:transition/>
-  <p:timing/>
 </p:sldLayout>
 </file>
 
 <file path=ppt/slideLayouts/slideLayout6.xml><?xml version="1.0" encoding="utf-8"?>
-<p:sldLayout xmlns:a="http://schemas.openxmlformats.org/drawingml/2006/main" xmlns:r="http://schemas.openxmlformats.org/officeDocument/2006/relationships" xmlns:m="http://schemas.openxmlformats.org/officeDocument/2006/math" xmlns:w="http://schemas.openxmlformats.org/wordprocessingml/2006/main" xmlns:wp="http://schemas.openxmlformats.org/drawingml/2006/wordprocessingDrawing" xmlns:a14="http://schemas.microsoft.com/office/drawing/2010/main" xmlns:mc="http://schemas.openxmlformats.org/markup-compatibility/2006" xmlns:p14="http://schemas.microsoft.com/office/powerpoint/2010/main" xmlns:p15="http://schemas.microsoft.com/office/powerpoint/2012/main" xmlns:p159="http://schemas.microsoft.com/office/powerpoint/2015/09/main" xmlns:p="http://schemas.openxmlformats.org/presentationml/2006/main" type="titleOnly" preserve="1">
+<p:sldLayout xmlns:a="http://schemas.openxmlformats.org/drawingml/2006/main" xmlns:r="http://schemas.openxmlformats.org/officeDocument/2006/relationships" xmlns:p="http://schemas.openxmlformats.org/presentationml/2006/main" type="titleOnly" preserve="1">
   <p:cSld name="Title Only">
     <p:spTree>
       <p:nvGrpSpPr>
@@ -6422,6 +5377,8 @@
         <a:xfrm>
           <a:off x="0" y="0"/>
           <a:ext cx="0" cy="0"/>
+          <a:chOff x="0" y="0"/>
+          <a:chExt cx="0" cy="0"/>
         </a:xfrm>
       </p:grpSpPr>
       <p:sp>
@@ -6443,7 +5400,6 @@
               <a:rPr lang="en-US"/>
               <a:t>Click to edit Master title style</a:t>
             </a:r>
-            <a:endParaRPr lang="en-US"/>
           </a:p>
         </p:txBody>
       </p:sp>
@@ -6470,7 +5426,7 @@
           <a:p>
             <a:fld id="{1775B394-D9F9-4F0C-B15D-605F45CB9E9F}" type="datetime1">
               <a:rPr lang="en-US" smtClean="0"/>
-              <a:t>6/26/2024</a:t>
+              <a:t>5/19/2025</a:t>
             </a:fld>
             <a:endParaRPr lang="en-US"/>
           </a:p>
@@ -6541,12 +5497,11 @@
     <a:masterClrMapping/>
   </p:clrMapOvr>
   <p:transition/>
-  <p:timing/>
 </p:sldLayout>
 </file>
 
 <file path=ppt/slideLayouts/slideLayout7.xml><?xml version="1.0" encoding="utf-8"?>
-<p:sldLayout xmlns:a="http://schemas.openxmlformats.org/drawingml/2006/main" xmlns:r="http://schemas.openxmlformats.org/officeDocument/2006/relationships" xmlns:m="http://schemas.openxmlformats.org/officeDocument/2006/math" xmlns:w="http://schemas.openxmlformats.org/wordprocessingml/2006/main" xmlns:wp="http://schemas.openxmlformats.org/drawingml/2006/wordprocessingDrawing" xmlns:a14="http://schemas.microsoft.com/office/drawing/2010/main" xmlns:mc="http://schemas.openxmlformats.org/markup-compatibility/2006" xmlns:p14="http://schemas.microsoft.com/office/powerpoint/2010/main" xmlns:p15="http://schemas.microsoft.com/office/powerpoint/2012/main" xmlns:p159="http://schemas.microsoft.com/office/powerpoint/2015/09/main" xmlns:p="http://schemas.openxmlformats.org/presentationml/2006/main" showMasterSp="0" type="blank" preserve="1">
+<p:sldLayout xmlns:a="http://schemas.openxmlformats.org/drawingml/2006/main" xmlns:r="http://schemas.openxmlformats.org/officeDocument/2006/relationships" xmlns:p="http://schemas.openxmlformats.org/presentationml/2006/main" showMasterSp="0" type="blank" preserve="1">
   <p:cSld name="Blank">
     <p:spTree>
       <p:nvGrpSpPr>
@@ -6558,6 +5513,8 @@
         <a:xfrm>
           <a:off x="0" y="0"/>
           <a:ext cx="0" cy="0"/>
+          <a:chOff x="0" y="0"/>
+          <a:chExt cx="0" cy="0"/>
         </a:xfrm>
       </p:grpSpPr>
       <p:sp>
@@ -6606,7 +5563,9 @@
         <p:txBody>
           <a:bodyPr/>
           <a:lstStyle/>
-          <a:p/>
+          <a:p>
+            <a:endParaRPr/>
+          </a:p>
         </p:txBody>
       </p:sp>
       <p:sp>
@@ -6632,7 +5591,7 @@
           <a:p>
             <a:fld id="{39667345-2558-425A-8533-9BFDBCE15005}" type="datetime1">
               <a:rPr lang="en-US" smtClean="0"/>
-              <a:t>6/26/2024</a:t>
+              <a:t>5/19/2025</a:t>
             </a:fld>
             <a:endParaRPr lang="en-US"/>
           </a:p>
@@ -6703,12 +5662,11 @@
     <a:masterClrMapping/>
   </p:clrMapOvr>
   <p:transition/>
-  <p:timing/>
 </p:sldLayout>
 </file>
 
 <file path=ppt/slideLayouts/slideLayout8.xml><?xml version="1.0" encoding="utf-8"?>
-<p:sldLayout xmlns:a="http://schemas.openxmlformats.org/drawingml/2006/main" xmlns:r="http://schemas.openxmlformats.org/officeDocument/2006/relationships" xmlns:m="http://schemas.openxmlformats.org/officeDocument/2006/math" xmlns:w="http://schemas.openxmlformats.org/wordprocessingml/2006/main" xmlns:wp="http://schemas.openxmlformats.org/drawingml/2006/wordprocessingDrawing" xmlns:a14="http://schemas.microsoft.com/office/drawing/2010/main" xmlns:mc="http://schemas.openxmlformats.org/markup-compatibility/2006" xmlns:p14="http://schemas.microsoft.com/office/powerpoint/2010/main" xmlns:p15="http://schemas.microsoft.com/office/powerpoint/2012/main" xmlns:p159="http://schemas.microsoft.com/office/powerpoint/2015/09/main" xmlns:p="http://schemas.openxmlformats.org/presentationml/2006/main" showMasterSp="0" type="objTx" preserve="1">
+<p:sldLayout xmlns:a="http://schemas.openxmlformats.org/drawingml/2006/main" xmlns:r="http://schemas.openxmlformats.org/officeDocument/2006/relationships" xmlns:p="http://schemas.openxmlformats.org/presentationml/2006/main" showMasterSp="0" type="objTx" preserve="1">
   <p:cSld name="Content with Caption">
     <p:spTree>
       <p:nvGrpSpPr>
@@ -6720,6 +5678,8 @@
         <a:xfrm>
           <a:off x="0" y="0"/>
           <a:ext cx="0" cy="0"/>
+          <a:chOff x="0" y="0"/>
+          <a:chExt cx="0" cy="0"/>
         </a:xfrm>
       </p:grpSpPr>
       <p:sp>
@@ -6768,7 +5728,9 @@
         <p:txBody>
           <a:bodyPr/>
           <a:lstStyle/>
-          <a:p/>
+          <a:p>
+            <a:endParaRPr/>
+          </a:p>
         </p:txBody>
       </p:sp>
       <p:sp>
@@ -6808,7 +5770,6 @@
               <a:rPr lang="en-US"/>
               <a:t>Click to edit Master title style</a:t>
             </a:r>
-            <a:endParaRPr lang="en-US"/>
           </a:p>
         </p:txBody>
       </p:sp>
@@ -6865,7 +5826,6 @@
               <a:rPr lang="en-US"/>
               <a:t>Fifth level</a:t>
             </a:r>
-            <a:endParaRPr lang="en-US"/>
           </a:p>
         </p:txBody>
       </p:sp>
@@ -6966,7 +5926,7 @@
           <a:p>
             <a:fld id="{92BEA474-078D-4E9B-9B14-09A87B19DC46}" type="datetime1">
               <a:rPr lang="en-US" smtClean="0"/>
-              <a:t>6/26/2024</a:t>
+              <a:t>5/19/2025</a:t>
             </a:fld>
             <a:endParaRPr lang="en-US"/>
           </a:p>
@@ -7046,12 +6006,11 @@
     <a:masterClrMapping/>
   </p:clrMapOvr>
   <p:transition/>
-  <p:timing/>
 </p:sldLayout>
 </file>
 
 <file path=ppt/slideLayouts/slideLayout9.xml><?xml version="1.0" encoding="utf-8"?>
-<p:sldLayout xmlns:a="http://schemas.openxmlformats.org/drawingml/2006/main" xmlns:r="http://schemas.openxmlformats.org/officeDocument/2006/relationships" xmlns:m="http://schemas.openxmlformats.org/officeDocument/2006/math" xmlns:w="http://schemas.openxmlformats.org/wordprocessingml/2006/main" xmlns:wp="http://schemas.openxmlformats.org/drawingml/2006/wordprocessingDrawing" xmlns:a14="http://schemas.microsoft.com/office/drawing/2010/main" xmlns:mc="http://schemas.openxmlformats.org/markup-compatibility/2006" xmlns:p14="http://schemas.microsoft.com/office/powerpoint/2010/main" xmlns:p15="http://schemas.microsoft.com/office/powerpoint/2012/main" xmlns:p159="http://schemas.microsoft.com/office/powerpoint/2015/09/main" xmlns:p="http://schemas.openxmlformats.org/presentationml/2006/main" showMasterSp="0" type="picTx" preserve="1">
+<p:sldLayout xmlns:a="http://schemas.openxmlformats.org/drawingml/2006/main" xmlns:r="http://schemas.openxmlformats.org/officeDocument/2006/relationships" xmlns:p="http://schemas.openxmlformats.org/presentationml/2006/main" showMasterSp="0" type="picTx" preserve="1">
   <p:cSld name="Picture with Caption">
     <p:spTree>
       <p:nvGrpSpPr>
@@ -7063,6 +6022,8 @@
         <a:xfrm>
           <a:off x="0" y="0"/>
           <a:ext cx="0" cy="0"/>
+          <a:chOff x="0" y="0"/>
+          <a:chExt cx="0" cy="0"/>
         </a:xfrm>
       </p:grpSpPr>
       <p:sp>
@@ -7111,7 +6072,9 @@
         <p:txBody>
           <a:bodyPr/>
           <a:lstStyle/>
-          <a:p/>
+          <a:p>
+            <a:endParaRPr/>
+          </a:p>
         </p:txBody>
       </p:sp>
       <p:sp>
@@ -7180,7 +6143,6 @@
               <a:rPr lang="en-US"/>
               <a:t>Click icon to add picture</a:t>
             </a:r>
-            <a:endParaRPr lang="en-US"/>
           </a:p>
         </p:txBody>
       </p:sp>
@@ -7218,7 +6180,6 @@
               <a:rPr lang="en-US"/>
               <a:t>Click to edit Master title style</a:t>
             </a:r>
-            <a:endParaRPr lang="en-US"/>
           </a:p>
         </p:txBody>
       </p:sp>
@@ -7320,7 +6281,7 @@
           <a:p>
             <a:fld id="{4907D986-8816-4272-A432-0437A28A9828}" type="datetime1">
               <a:rPr lang="en-US" smtClean="0"/>
-              <a:t>6/26/2024</a:t>
+              <a:t>5/19/2025</a:t>
             </a:fld>
             <a:endParaRPr lang="en-US"/>
           </a:p>
@@ -7385,12 +6346,11 @@
     <a:masterClrMapping/>
   </p:clrMapOvr>
   <p:transition/>
-  <p:timing/>
 </p:sldLayout>
 </file>
 
 <file path=ppt/slideMasters/slideMaster1.xml><?xml version="1.0" encoding="utf-8"?>
-<p:sldMaster xmlns:a="http://schemas.openxmlformats.org/drawingml/2006/main" xmlns:r="http://schemas.openxmlformats.org/officeDocument/2006/relationships" xmlns:m="http://schemas.openxmlformats.org/officeDocument/2006/math" xmlns:w="http://schemas.openxmlformats.org/wordprocessingml/2006/main" xmlns:wp="http://schemas.openxmlformats.org/drawingml/2006/wordprocessingDrawing" xmlns:a14="http://schemas.microsoft.com/office/drawing/2010/main" xmlns:mc="http://schemas.openxmlformats.org/markup-compatibility/2006" xmlns:p14="http://schemas.microsoft.com/office/powerpoint/2010/main" xmlns:p15="http://schemas.microsoft.com/office/powerpoint/2012/main" xmlns:p159="http://schemas.microsoft.com/office/powerpoint/2015/09/main" xmlns:p="http://schemas.openxmlformats.org/presentationml/2006/main">
+<p:sldMaster xmlns:a="http://schemas.openxmlformats.org/drawingml/2006/main" xmlns:r="http://schemas.openxmlformats.org/officeDocument/2006/relationships" xmlns:p="http://schemas.openxmlformats.org/presentationml/2006/main">
   <p:cSld>
     <p:bg>
       <p:bgRef idx="1001">
@@ -7407,6 +6367,8 @@
         <a:xfrm>
           <a:off x="0" y="0"/>
           <a:ext cx="0" cy="0"/>
+          <a:chOff x="0" y="0"/>
+          <a:chExt cx="0" cy="0"/>
         </a:xfrm>
       </p:grpSpPr>
       <p:sp>
@@ -7455,7 +6417,9 @@
         <p:txBody>
           <a:bodyPr/>
           <a:lstStyle/>
-          <a:p/>
+          <a:p>
+            <a:endParaRPr/>
+          </a:p>
         </p:txBody>
       </p:sp>
       <p:sp>
@@ -7487,7 +6451,6 @@
               <a:rPr lang="en-US"/>
               <a:t>Click to edit Master title style</a:t>
             </a:r>
-            <a:endParaRPr lang="en-US"/>
           </a:p>
         </p:txBody>
       </p:sp>
@@ -7549,7 +6512,6 @@
               <a:rPr lang="en-US"/>
               <a:t>Fifth level</a:t>
             </a:r>
-            <a:endParaRPr lang="en-US"/>
           </a:p>
         </p:txBody>
       </p:sp>
@@ -7586,7 +6548,7 @@
           <a:p>
             <a:fld id="{62D6E202-B606-4609-B914-27C9371A1F6D}" type="datetime1">
               <a:rPr lang="en-US" smtClean="0"/>
-              <a:t>6/26/2024</a:t>
+              <a:t>5/19/2025</a:t>
             </a:fld>
             <a:endParaRPr lang="en-US"/>
           </a:p>
@@ -7732,7 +6694,6 @@
     <p:sldLayoutId id="2147483671" r:id="rId11"/>
   </p:sldLayoutIdLst>
   <p:transition/>
-  <p:timing/>
   <p:txStyles>
     <p:titleStyle>
       <a:lvl1pPr algn="l" defTabSz="914400" rtl="0" eaLnBrk="1" latinLnBrk="0" hangingPunct="1">
@@ -7771,7 +6732,7 @@
           <a:schemeClr val="accent1"/>
         </a:buClr>
         <a:buSzTx/>
-        <a:buFont typeface="Calibri" panose="020f0502020204030204" pitchFamily="34" charset="0"/>
+        <a:buFont typeface="Calibri" panose="020F0502020204030204" pitchFamily="34" charset="0"/>
         <a:buChar char=" "/>
         <a:defRPr sz="1900" kern="1200">
           <a:solidFill>
@@ -7796,7 +6757,7 @@
           <a:spcPts val="400"/>
         </a:spcAft>
         <a:buClrTx/>
-        <a:buFont typeface="Calibri" panose="020f0502020204030204" pitchFamily="34" charset="0"/>
+        <a:buFont typeface="Calibri" panose="020F0502020204030204" pitchFamily="34" charset="0"/>
         <a:buChar char="◦"/>
         <a:defRPr sz="1700" kern="1200">
           <a:solidFill>
@@ -7821,7 +6782,7 @@
           <a:spcPts val="400"/>
         </a:spcAft>
         <a:buClrTx/>
-        <a:buFont typeface="Calibri" panose="020f0502020204030204" pitchFamily="34" charset="0"/>
+        <a:buFont typeface="Calibri" panose="020F0502020204030204" pitchFamily="34" charset="0"/>
         <a:buChar char="◦"/>
         <a:defRPr sz="1300" kern="1200">
           <a:solidFill>
@@ -7846,7 +6807,7 @@
           <a:spcPts val="400"/>
         </a:spcAft>
         <a:buClrTx/>
-        <a:buFont typeface="Calibri" panose="020f0502020204030204" pitchFamily="34" charset="0"/>
+        <a:buFont typeface="Calibri" panose="020F0502020204030204" pitchFamily="34" charset="0"/>
         <a:buChar char="◦"/>
         <a:defRPr sz="1300" kern="1200">
           <a:solidFill>
@@ -7871,7 +6832,7 @@
           <a:spcPts val="400"/>
         </a:spcAft>
         <a:buClrTx/>
-        <a:buFont typeface="Calibri" panose="020f0502020204030204" pitchFamily="34" charset="0"/>
+        <a:buFont typeface="Calibri" panose="020F0502020204030204" pitchFamily="34" charset="0"/>
         <a:buChar char="◦"/>
         <a:defRPr sz="1300" kern="1200">
           <a:solidFill>
@@ -7898,7 +6859,7 @@
         <a:buClr>
           <a:schemeClr val="accent1"/>
         </a:buClr>
-        <a:buFont typeface="Calibri" panose="020f0502020204030204" pitchFamily="34" charset="0"/>
+        <a:buFont typeface="Calibri" panose="020F0502020204030204" pitchFamily="34" charset="0"/>
         <a:buChar char="◦"/>
         <a:defRPr sz="1400" kern="1200">
           <a:solidFill>
@@ -7925,7 +6886,7 @@
         <a:buClr>
           <a:schemeClr val="accent1"/>
         </a:buClr>
-        <a:buFont typeface="Calibri" panose="020f0502020204030204" pitchFamily="34" charset="0"/>
+        <a:buFont typeface="Calibri" panose="020F0502020204030204" pitchFamily="34" charset="0"/>
         <a:buChar char="◦"/>
         <a:defRPr sz="1400" kern="1200">
           <a:solidFill>
@@ -7952,7 +6913,7 @@
         <a:buClr>
           <a:schemeClr val="accent1"/>
         </a:buClr>
-        <a:buFont typeface="Calibri" panose="020f0502020204030204" pitchFamily="34" charset="0"/>
+        <a:buFont typeface="Calibri" panose="020F0502020204030204" pitchFamily="34" charset="0"/>
         <a:buChar char="◦"/>
         <a:defRPr sz="1400" kern="1200">
           <a:solidFill>
@@ -7979,7 +6940,7 @@
         <a:buClr>
           <a:schemeClr val="accent1"/>
         </a:buClr>
-        <a:buFont typeface="Calibri" panose="020f0502020204030204" pitchFamily="34" charset="0"/>
+        <a:buFont typeface="Calibri" panose="020F0502020204030204" pitchFamily="34" charset="0"/>
         <a:buChar char="◦"/>
         <a:defRPr sz="1400" kern="1200">
           <a:solidFill>
@@ -8094,8 +7055,8 @@
 </file>
 
 <file path=ppt/slides/slide1.xml><?xml version="1.0" encoding="utf-8"?>
-<p:sld xmlns:a="http://schemas.openxmlformats.org/drawingml/2006/main" xmlns:r="http://schemas.openxmlformats.org/officeDocument/2006/relationships" xmlns:m="http://schemas.openxmlformats.org/officeDocument/2006/math" xmlns:w="http://schemas.openxmlformats.org/wordprocessingml/2006/main" xmlns:wp="http://schemas.openxmlformats.org/drawingml/2006/wordprocessingDrawing" xmlns:a14="http://schemas.microsoft.com/office/drawing/2010/main" xmlns:mc="http://schemas.openxmlformats.org/markup-compatibility/2006" xmlns:p14="http://schemas.microsoft.com/office/powerpoint/2010/main" xmlns:p15="http://schemas.microsoft.com/office/powerpoint/2012/main" xmlns:p159="http://schemas.microsoft.com/office/powerpoint/2015/09/main" xmlns:p="http://schemas.openxmlformats.org/presentationml/2006/main">
-  <p:cSld name="">
+<p:sld xmlns:a="http://schemas.openxmlformats.org/drawingml/2006/main" xmlns:r="http://schemas.openxmlformats.org/officeDocument/2006/relationships" xmlns:p="http://schemas.openxmlformats.org/presentationml/2006/main">
+  <p:cSld>
     <p:bg>
       <p:bgPr>
         <a:solidFill>
@@ -8114,6 +7075,8 @@
         <a:xfrm>
           <a:off x="0" y="0"/>
           <a:ext cx="0" cy="0"/>
+          <a:chOff x="0" y="0"/>
+          <a:chExt cx="0" cy="0"/>
         </a:xfrm>
       </p:grpSpPr>
       <p:sp useBgFill="1">
@@ -8200,12 +7163,12 @@
         </p:spPr>
         <p:txBody>
           <a:bodyPr>
-            <a:normAutofit/>
+            <a:noAutofit/>
           </a:bodyPr>
           <a:lstStyle/>
           <a:p>
             <a:r>
-              <a:rPr lang="it-IT" sz="5600" b="0" i="0" strike="noStrike" cap="none" baseline="0">
+              <a:rPr lang="it-IT" sz="5000" b="0" i="0" strike="noStrike" cap="none" baseline="0" dirty="0">
                 <a:solidFill>
                   <a:srgbClr val="262626"/>
                 </a:solidFill>
@@ -8412,8 +7375,8 @@
 </file>
 
 <file path=ppt/slides/slide10.xml><?xml version="1.0" encoding="utf-8"?>
-<p:sld xmlns:a="http://schemas.openxmlformats.org/drawingml/2006/main" xmlns:r="http://schemas.openxmlformats.org/officeDocument/2006/relationships" xmlns:m="http://schemas.openxmlformats.org/officeDocument/2006/math" xmlns:w="http://schemas.openxmlformats.org/wordprocessingml/2006/main" xmlns:wp="http://schemas.openxmlformats.org/drawingml/2006/wordprocessingDrawing" xmlns:a14="http://schemas.microsoft.com/office/drawing/2010/main" xmlns:mc="http://schemas.openxmlformats.org/markup-compatibility/2006" xmlns:p14="http://schemas.microsoft.com/office/powerpoint/2010/main" xmlns:p15="http://schemas.microsoft.com/office/powerpoint/2012/main" xmlns:p159="http://schemas.microsoft.com/office/powerpoint/2015/09/main" xmlns:p="http://schemas.openxmlformats.org/presentationml/2006/main">
-  <p:cSld name="">
+<p:sld xmlns:a="http://schemas.openxmlformats.org/drawingml/2006/main" xmlns:r="http://schemas.openxmlformats.org/officeDocument/2006/relationships" xmlns:p="http://schemas.openxmlformats.org/presentationml/2006/main">
+  <p:cSld>
     <p:bg>
       <p:bgPr>
         <a:solidFill>
@@ -8432,6 +7395,8 @@
         <a:xfrm>
           <a:off x="0" y="0"/>
           <a:ext cx="0" cy="0"/>
+          <a:chOff x="0" y="0"/>
+          <a:chExt cx="0" cy="0"/>
         </a:xfrm>
       </p:grpSpPr>
       <p:sp>
@@ -8742,7 +7707,7 @@
               </a:lnSpc>
             </a:pPr>
             <a:r>
-              <a:rPr lang="it-IT" sz="1300" b="0" i="0" strike="noStrike" cap="none" baseline="0">
+              <a:rPr lang="it-IT" sz="1300" b="0" i="0" strike="noStrike" cap="none" baseline="0" dirty="0">
                 <a:solidFill>
                   <a:srgbClr val="FFFFFF"/>
                 </a:solidFill>
@@ -8761,7 +7726,7 @@
               </a:lnSpc>
             </a:pPr>
             <a:r>
-              <a:rPr lang="it-IT" sz="1300" b="0" i="0" strike="noStrike" cap="none" baseline="0">
+              <a:rPr lang="it-IT" sz="1300" b="0" i="0" strike="noStrike" cap="none" baseline="0" dirty="0">
                 <a:solidFill>
                   <a:srgbClr val="FFFFFF"/>
                 </a:solidFill>
@@ -8780,7 +7745,7 @@
               </a:lnSpc>
             </a:pPr>
             <a:r>
-              <a:rPr lang="it-IT" sz="1300" b="0" i="0" strike="noStrike" cap="none" baseline="0">
+              <a:rPr lang="it-IT" sz="1300" b="0" i="0" strike="noStrike" cap="none" baseline="0" dirty="0">
                 <a:solidFill>
                   <a:srgbClr val="FFFFFF"/>
                 </a:solidFill>
@@ -8799,7 +7764,7 @@
               </a:lnSpc>
             </a:pPr>
             <a:r>
-              <a:rPr lang="it-IT" sz="1300" b="0" i="0" strike="noStrike" cap="none" baseline="0">
+              <a:rPr lang="it-IT" sz="1300" b="0" i="0" strike="noStrike" cap="none" baseline="0" dirty="0">
                 <a:solidFill>
                   <a:srgbClr val="FFFFFF"/>
                 </a:solidFill>
@@ -8818,7 +7783,7 @@
               </a:lnSpc>
             </a:pPr>
             <a:r>
-              <a:rPr lang="it-IT" sz="1300" b="0" i="0" strike="noStrike" cap="none" baseline="0">
+              <a:rPr lang="it-IT" sz="1300" b="0" i="0" strike="noStrike" cap="none" baseline="0" dirty="0">
                 <a:solidFill>
                   <a:srgbClr val="FFFFFF"/>
                 </a:solidFill>
@@ -8837,7 +7802,7 @@
               </a:lnSpc>
             </a:pPr>
             <a:r>
-              <a:rPr lang="it-IT" sz="1300" b="0" i="0" strike="noStrike" cap="none" baseline="0">
+              <a:rPr lang="it-IT" sz="1300" b="0" i="0" strike="noStrike" cap="none" baseline="0" dirty="0">
                 <a:solidFill>
                   <a:srgbClr val="FFFFFF"/>
                 </a:solidFill>
@@ -8856,7 +7821,7 @@
               </a:lnSpc>
             </a:pPr>
             <a:r>
-              <a:rPr lang="it-IT" sz="1300" b="0" i="0" strike="noStrike" cap="none" baseline="0">
+              <a:rPr lang="it-IT" sz="1300" b="0" i="0" strike="noStrike" cap="none" baseline="0" dirty="0">
                 <a:solidFill>
                   <a:srgbClr val="FFFFFF"/>
                 </a:solidFill>
@@ -8875,7 +7840,7 @@
               </a:lnSpc>
             </a:pPr>
             <a:r>
-              <a:rPr lang="it-IT" sz="1300" b="0" i="0" strike="noStrike" cap="none" baseline="0">
+              <a:rPr lang="it-IT" sz="1300" b="0" i="0" strike="noStrike" cap="none" baseline="0" dirty="0">
                 <a:solidFill>
                   <a:srgbClr val="FFFFFF"/>
                 </a:solidFill>
@@ -8894,7 +7859,7 @@
               </a:lnSpc>
             </a:pPr>
             <a:r>
-              <a:rPr lang="it-IT" sz="1300" b="0" i="0" strike="noStrike" cap="none" baseline="0">
+              <a:rPr lang="it-IT" sz="1300" b="0" i="0" strike="noStrike" cap="none" baseline="0" dirty="0">
                 <a:solidFill>
                   <a:srgbClr val="FFFFFF"/>
                 </a:solidFill>
@@ -8913,7 +7878,7 @@
               </a:lnSpc>
             </a:pPr>
             <a:r>
-              <a:rPr lang="it-IT" sz="1300" b="0" i="0" strike="noStrike" cap="none" baseline="0">
+              <a:rPr lang="it-IT" sz="1300" b="0" i="0" strike="noStrike" cap="none" baseline="0" dirty="0">
                 <a:solidFill>
                   <a:srgbClr val="FFFFFF"/>
                 </a:solidFill>
@@ -8971,13 +7936,12 @@
     <a:overrideClrMapping bg1="dk1" tx1="lt1" bg2="dk2" tx2="lt2" accent1="accent1" accent2="accent2" accent3="accent3" accent4="accent4" accent5="accent5" accent6="accent6" hlink="hlink" folHlink="folHlink"/>
   </p:clrMapOvr>
   <p:transition/>
-  <p:timing/>
 </p:sld>
 </file>
 
 <file path=ppt/slides/slide11.xml><?xml version="1.0" encoding="utf-8"?>
-<p:sld xmlns:a="http://schemas.openxmlformats.org/drawingml/2006/main" xmlns:r="http://schemas.openxmlformats.org/officeDocument/2006/relationships" xmlns:m="http://schemas.openxmlformats.org/officeDocument/2006/math" xmlns:w="http://schemas.openxmlformats.org/wordprocessingml/2006/main" xmlns:wp="http://schemas.openxmlformats.org/drawingml/2006/wordprocessingDrawing" xmlns:a14="http://schemas.microsoft.com/office/drawing/2010/main" xmlns:mc="http://schemas.openxmlformats.org/markup-compatibility/2006" xmlns:p14="http://schemas.microsoft.com/office/powerpoint/2010/main" xmlns:p15="http://schemas.microsoft.com/office/powerpoint/2012/main" xmlns:p159="http://schemas.microsoft.com/office/powerpoint/2015/09/main" xmlns:p="http://schemas.openxmlformats.org/presentationml/2006/main">
-  <p:cSld name="">
+<p:sld xmlns:a="http://schemas.openxmlformats.org/drawingml/2006/main" xmlns:r="http://schemas.openxmlformats.org/officeDocument/2006/relationships" xmlns:p="http://schemas.openxmlformats.org/presentationml/2006/main">
+  <p:cSld>
     <p:bg>
       <p:bgPr>
         <a:solidFill>
@@ -8996,6 +7960,8 @@
         <a:xfrm>
           <a:off x="0" y="0"/>
           <a:ext cx="0" cy="0"/>
+          <a:chOff x="0" y="0"/>
+          <a:chExt cx="0" cy="0"/>
         </a:xfrm>
       </p:grpSpPr>
       <p:sp useBgFill="1">
@@ -9181,13 +8147,13 @@
         </p:nvSpPr>
         <p:spPr>
           <a:xfrm>
-            <a:off x="5231958" y="605896"/>
-            <a:ext cx="5923721" cy="5646208"/>
+            <a:off x="5231959" y="605896"/>
+            <a:ext cx="5766782" cy="5646208"/>
           </a:xfrm>
         </p:spPr>
         <p:txBody>
           <a:bodyPr anchor="ctr">
-            <a:normAutofit lnSpcReduction="20000"/>
+            <a:normAutofit lnSpcReduction="10000"/>
           </a:bodyPr>
           <a:lstStyle/>
           <a:p>
@@ -9197,7 +8163,7 @@
               </a:lnSpc>
             </a:pPr>
             <a:r>
-              <a:rPr lang="it-IT" sz="1700" b="0" i="0" strike="noStrike" cap="none" baseline="0">
+              <a:rPr lang="it-IT" sz="1700" b="0" i="0" strike="noStrike" cap="none" baseline="0" dirty="0">
                 <a:solidFill>
                   <a:srgbClr val="404040"/>
                 </a:solidFill>
@@ -9216,7 +8182,7 @@
               </a:lnSpc>
             </a:pPr>
             <a:r>
-              <a:rPr lang="it-IT" sz="1700" b="0" i="0" strike="noStrike" cap="none" baseline="0">
+              <a:rPr lang="it-IT" sz="1700" b="0" i="0" strike="noStrike" cap="none" baseline="0" dirty="0">
                 <a:solidFill>
                   <a:srgbClr val="404040"/>
                 </a:solidFill>
@@ -9235,7 +8201,7 @@
               </a:lnSpc>
             </a:pPr>
             <a:r>
-              <a:rPr lang="it-IT" sz="1700" b="0" i="0" strike="noStrike" cap="none" baseline="0">
+              <a:rPr lang="it-IT" sz="1700" b="0" i="0" strike="noStrike" cap="none" baseline="0" dirty="0">
                 <a:solidFill>
                   <a:srgbClr val="404040"/>
                 </a:solidFill>
@@ -9254,7 +8220,7 @@
               </a:lnSpc>
             </a:pPr>
             <a:r>
-              <a:rPr lang="it-IT" sz="1700" b="0" i="0" strike="noStrike" cap="none" baseline="0">
+              <a:rPr lang="it-IT" sz="1700" b="0" i="0" strike="noStrike" cap="none" baseline="0" dirty="0">
                 <a:solidFill>
                   <a:srgbClr val="404040"/>
                 </a:solidFill>
@@ -9273,7 +8239,7 @@
               </a:lnSpc>
             </a:pPr>
             <a:r>
-              <a:rPr lang="it-IT" sz="1700" b="0" i="0" strike="noStrike" cap="none" baseline="0">
+              <a:rPr lang="it-IT" sz="1700" b="0" i="0" strike="noStrike" cap="none" baseline="0" dirty="0">
                 <a:solidFill>
                   <a:srgbClr val="404040"/>
                 </a:solidFill>
@@ -9292,7 +8258,7 @@
               </a:lnSpc>
             </a:pPr>
             <a:r>
-              <a:rPr lang="it-IT" sz="1700" b="0" i="0" strike="noStrike" cap="none" baseline="0">
+              <a:rPr lang="it-IT" sz="1700" b="0" i="0" strike="noStrike" cap="none" baseline="0" dirty="0">
                 <a:solidFill>
                   <a:srgbClr val="404040"/>
                 </a:solidFill>
@@ -9311,7 +8277,7 @@
               </a:lnSpc>
             </a:pPr>
             <a:r>
-              <a:rPr lang="it-IT" sz="1700" b="0" i="0" strike="noStrike" cap="none" baseline="0">
+              <a:rPr lang="it-IT" sz="1700" b="0" i="0" strike="noStrike" cap="none" baseline="0" dirty="0">
                 <a:solidFill>
                   <a:srgbClr val="404040"/>
                 </a:solidFill>
@@ -9330,7 +8296,7 @@
               </a:lnSpc>
             </a:pPr>
             <a:r>
-              <a:rPr lang="it-IT" sz="1700" b="0" i="0" strike="noStrike" cap="none" baseline="0">
+              <a:rPr lang="it-IT" sz="1700" b="0" i="0" strike="noStrike" cap="none" baseline="0" dirty="0">
                 <a:solidFill>
                   <a:srgbClr val="404040"/>
                 </a:solidFill>
@@ -9349,7 +8315,7 @@
               </a:lnSpc>
             </a:pPr>
             <a:r>
-              <a:rPr lang="it-IT" sz="1700" b="0" i="0" strike="noStrike" cap="none" baseline="0">
+              <a:rPr lang="it-IT" sz="1700" b="0" i="0" strike="noStrike" cap="none" baseline="0" dirty="0">
                 <a:solidFill>
                   <a:srgbClr val="404040"/>
                 </a:solidFill>
@@ -9368,7 +8334,7 @@
               </a:lnSpc>
             </a:pPr>
             <a:r>
-              <a:rPr lang="it-IT" sz="1700" b="0" i="0" strike="noStrike" cap="none" baseline="0">
+              <a:rPr lang="it-IT" sz="1700" b="0" i="0" strike="noStrike" cap="none" baseline="0" dirty="0">
                 <a:solidFill>
                   <a:srgbClr val="404040"/>
                 </a:solidFill>
@@ -9387,7 +8353,7 @@
               </a:lnSpc>
             </a:pPr>
             <a:r>
-              <a:rPr lang="it-IT" sz="1700" b="0" i="0" strike="noStrike" cap="none" baseline="0">
+              <a:rPr lang="it-IT" sz="1700" b="0" i="0" strike="noStrike" cap="none" baseline="0" dirty="0">
                 <a:solidFill>
                   <a:srgbClr val="404040"/>
                 </a:solidFill>
@@ -9406,7 +8372,7 @@
               </a:lnSpc>
             </a:pPr>
             <a:r>
-              <a:rPr lang="it-IT" sz="1700" b="0" i="0" strike="noStrike" cap="none" baseline="0">
+              <a:rPr lang="it-IT" sz="1700" b="0" i="0" strike="noStrike" cap="none" baseline="0" dirty="0">
                 <a:solidFill>
                   <a:srgbClr val="404040"/>
                 </a:solidFill>
@@ -9431,13 +8397,12 @@
     <a:masterClrMapping/>
   </p:clrMapOvr>
   <p:transition/>
-  <p:timing/>
 </p:sld>
 </file>
 
 <file path=ppt/slides/slide12.xml><?xml version="1.0" encoding="utf-8"?>
-<p:sld xmlns:a="http://schemas.openxmlformats.org/drawingml/2006/main" xmlns:r="http://schemas.openxmlformats.org/officeDocument/2006/relationships" xmlns:m="http://schemas.openxmlformats.org/officeDocument/2006/math" xmlns:w="http://schemas.openxmlformats.org/wordprocessingml/2006/main" xmlns:wp="http://schemas.openxmlformats.org/drawingml/2006/wordprocessingDrawing" xmlns:a14="http://schemas.microsoft.com/office/drawing/2010/main" xmlns:mc="http://schemas.openxmlformats.org/markup-compatibility/2006" xmlns:p14="http://schemas.microsoft.com/office/powerpoint/2010/main" xmlns:p15="http://schemas.microsoft.com/office/powerpoint/2012/main" xmlns:p159="http://schemas.microsoft.com/office/powerpoint/2015/09/main" xmlns:p="http://schemas.openxmlformats.org/presentationml/2006/main">
-  <p:cSld name="">
+<p:sld xmlns:a="http://schemas.openxmlformats.org/drawingml/2006/main" xmlns:r="http://schemas.openxmlformats.org/officeDocument/2006/relationships" xmlns:p="http://schemas.openxmlformats.org/presentationml/2006/main">
+  <p:cSld>
     <p:bg>
       <p:bgPr>
         <a:solidFill>
@@ -9456,6 +8421,8 @@
         <a:xfrm>
           <a:off x="0" y="0"/>
           <a:ext cx="0" cy="0"/>
+          <a:chOff x="0" y="0"/>
+          <a:chExt cx="0" cy="0"/>
         </a:xfrm>
       </p:grpSpPr>
       <p:sp>
@@ -9862,13 +8829,12 @@
     <a:masterClrMapping/>
   </p:clrMapOvr>
   <p:transition/>
-  <p:timing/>
 </p:sld>
 </file>
 
 <file path=ppt/slides/slide13.xml><?xml version="1.0" encoding="utf-8"?>
-<p:sld xmlns:a="http://schemas.openxmlformats.org/drawingml/2006/main" xmlns:r="http://schemas.openxmlformats.org/officeDocument/2006/relationships" xmlns:m="http://schemas.openxmlformats.org/officeDocument/2006/math" xmlns:w="http://schemas.openxmlformats.org/wordprocessingml/2006/main" xmlns:wp="http://schemas.openxmlformats.org/drawingml/2006/wordprocessingDrawing" xmlns:a14="http://schemas.microsoft.com/office/drawing/2010/main" xmlns:mc="http://schemas.openxmlformats.org/markup-compatibility/2006" xmlns:p14="http://schemas.microsoft.com/office/powerpoint/2010/main" xmlns:p15="http://schemas.microsoft.com/office/powerpoint/2012/main" xmlns:p159="http://schemas.microsoft.com/office/powerpoint/2015/09/main" xmlns:p="http://schemas.openxmlformats.org/presentationml/2006/main">
-  <p:cSld name="">
+<p:sld xmlns:a="http://schemas.openxmlformats.org/drawingml/2006/main" xmlns:r="http://schemas.openxmlformats.org/officeDocument/2006/relationships" xmlns:p="http://schemas.openxmlformats.org/presentationml/2006/main">
+  <p:cSld>
     <p:bg>
       <p:bgPr>
         <a:solidFill>
@@ -9887,6 +8853,8 @@
         <a:xfrm>
           <a:off x="0" y="0"/>
           <a:ext cx="0" cy="0"/>
+          <a:chOff x="0" y="0"/>
+          <a:chExt cx="0" cy="0"/>
         </a:xfrm>
       </p:grpSpPr>
       <p:sp useBgFill="1">
@@ -10040,7 +9008,7 @@
           <a:lstStyle/>
           <a:p>
             <a:r>
-              <a:rPr lang="it-IT" sz="4400" b="0" i="0" strike="noStrike" cap="none" baseline="0">
+              <a:rPr lang="it-IT" sz="4400" b="0" i="0" strike="noStrike" cap="none" baseline="0" dirty="0">
                 <a:solidFill>
                   <a:srgbClr val="FFFFFF"/>
                 </a:solidFill>
@@ -10078,12 +9046,12 @@
         </p:spPr>
         <p:txBody>
           <a:bodyPr anchor="ctr">
-            <a:normAutofit fontScale="92500" lnSpcReduction="20000"/>
+            <a:normAutofit lnSpcReduction="10000"/>
           </a:bodyPr>
           <a:lstStyle/>
           <a:p>
             <a:r>
-              <a:rPr lang="it-IT" sz="2400" b="0" i="0" strike="noStrike" cap="none" baseline="0">
+              <a:rPr lang="it-IT" sz="2400" b="0" i="0" strike="noStrike" cap="none" baseline="0" dirty="0">
                 <a:solidFill>
                   <a:srgbClr val="404040"/>
                 </a:solidFill>
@@ -10097,7 +9065,7 @@
           </a:p>
           <a:p>
             <a:r>
-              <a:rPr lang="it-IT" sz="2400" b="0" i="0" strike="noStrike" cap="none" baseline="0">
+              <a:rPr lang="it-IT" sz="2400" b="0" i="0" strike="noStrike" cap="none" baseline="0" dirty="0">
                 <a:solidFill>
                   <a:srgbClr val="404040"/>
                 </a:solidFill>
@@ -10111,7 +9079,7 @@
           </a:p>
           <a:p>
             <a:r>
-              <a:rPr lang="it-IT" sz="2400" b="0" i="0" strike="noStrike" cap="none" baseline="0">
+              <a:rPr lang="it-IT" sz="2400" b="0" i="0" strike="noStrike" cap="none" baseline="0" dirty="0">
                 <a:solidFill>
                   <a:srgbClr val="404040"/>
                 </a:solidFill>
@@ -10125,7 +9093,7 @@
           </a:p>
           <a:p>
             <a:r>
-              <a:rPr lang="it-IT" sz="2400" b="0" i="0" strike="noStrike" cap="none" baseline="0">
+              <a:rPr lang="it-IT" sz="2400" b="0" i="0" strike="noStrike" cap="none" baseline="0" dirty="0">
                 <a:solidFill>
                   <a:srgbClr val="404040"/>
                 </a:solidFill>
@@ -10139,7 +9107,7 @@
           </a:p>
           <a:p>
             <a:r>
-              <a:rPr lang="it-IT" sz="2400" b="0" i="0" strike="noStrike" cap="none" baseline="0">
+              <a:rPr lang="it-IT" sz="2400" b="0" i="0" strike="noStrike" cap="none" baseline="0" dirty="0">
                 <a:solidFill>
                   <a:srgbClr val="404040"/>
                 </a:solidFill>
@@ -10164,13 +9132,12 @@
     <a:masterClrMapping/>
   </p:clrMapOvr>
   <p:transition/>
-  <p:timing/>
 </p:sld>
 </file>
 
 <file path=ppt/slides/slide14.xml><?xml version="1.0" encoding="utf-8"?>
-<p:sld xmlns:a="http://schemas.openxmlformats.org/drawingml/2006/main" xmlns:r="http://schemas.openxmlformats.org/officeDocument/2006/relationships" xmlns:m="http://schemas.openxmlformats.org/officeDocument/2006/math" xmlns:w="http://schemas.openxmlformats.org/wordprocessingml/2006/main" xmlns:wp="http://schemas.openxmlformats.org/drawingml/2006/wordprocessingDrawing" xmlns:a14="http://schemas.microsoft.com/office/drawing/2010/main" xmlns:mc="http://schemas.openxmlformats.org/markup-compatibility/2006" xmlns:p14="http://schemas.microsoft.com/office/powerpoint/2010/main" xmlns:p15="http://schemas.microsoft.com/office/powerpoint/2012/main" xmlns:p159="http://schemas.microsoft.com/office/powerpoint/2015/09/main" xmlns:p="http://schemas.openxmlformats.org/presentationml/2006/main">
-  <p:cSld name="">
+<p:sld xmlns:a="http://schemas.openxmlformats.org/drawingml/2006/main" xmlns:r="http://schemas.openxmlformats.org/officeDocument/2006/relationships" xmlns:p="http://schemas.openxmlformats.org/presentationml/2006/main">
+  <p:cSld>
     <p:bg>
       <p:bgPr>
         <a:solidFill>
@@ -10189,6 +9156,8 @@
         <a:xfrm>
           <a:off x="0" y="0"/>
           <a:ext cx="0" cy="0"/>
+          <a:chOff x="0" y="0"/>
+          <a:chExt cx="0" cy="0"/>
         </a:xfrm>
       </p:grpSpPr>
       <p:sp useBgFill="1">
@@ -10380,7 +9349,7 @@
         </p:spPr>
         <p:txBody>
           <a:bodyPr anchor="ctr">
-            <a:normAutofit fontScale="95000" lnSpcReduction="20000"/>
+            <a:normAutofit fontScale="95000"/>
           </a:bodyPr>
           <a:lstStyle/>
           <a:p>
@@ -10586,13 +9555,12 @@
     <a:masterClrMapping/>
   </p:clrMapOvr>
   <p:transition/>
-  <p:timing/>
 </p:sld>
 </file>
 
 <file path=ppt/slides/slide2.xml><?xml version="1.0" encoding="utf-8"?>
-<p:sld xmlns:a="http://schemas.openxmlformats.org/drawingml/2006/main" xmlns:r="http://schemas.openxmlformats.org/officeDocument/2006/relationships" xmlns:m="http://schemas.openxmlformats.org/officeDocument/2006/math" xmlns:w="http://schemas.openxmlformats.org/wordprocessingml/2006/main" xmlns:wp="http://schemas.openxmlformats.org/drawingml/2006/wordprocessingDrawing" xmlns:a14="http://schemas.microsoft.com/office/drawing/2010/main" xmlns:mc="http://schemas.openxmlformats.org/markup-compatibility/2006" xmlns:p14="http://schemas.microsoft.com/office/powerpoint/2010/main" xmlns:p15="http://schemas.microsoft.com/office/powerpoint/2012/main" xmlns:p159="http://schemas.microsoft.com/office/powerpoint/2015/09/main" xmlns:p="http://schemas.openxmlformats.org/presentationml/2006/main">
-  <p:cSld name="">
+<p:sld xmlns:a="http://schemas.openxmlformats.org/drawingml/2006/main" xmlns:r="http://schemas.openxmlformats.org/officeDocument/2006/relationships" xmlns:p="http://schemas.openxmlformats.org/presentationml/2006/main">
+  <p:cSld>
     <p:bg>
       <p:bgPr>
         <a:solidFill>
@@ -10615,6 +9583,8 @@
         <a:xfrm>
           <a:off x="0" y="0"/>
           <a:ext cx="0" cy="0"/>
+          <a:chOff x="0" y="0"/>
+          <a:chExt cx="0" cy="0"/>
         </a:xfrm>
       </p:grpSpPr>
       <p:sp>
@@ -10770,7 +9740,7 @@
           <a:p>
             <a:pPr algn="r"/>
             <a:r>
-              <a:rPr lang="it-IT" sz="4700" b="0" i="0" strike="noStrike" cap="none" baseline="0">
+              <a:rPr lang="it-IT" sz="4700" b="0" i="0" strike="noStrike" cap="none" baseline="0" dirty="0">
                 <a:solidFill>
                   <a:srgbClr val="404040"/>
                 </a:solidFill>
@@ -11066,13 +10036,12 @@
     <a:masterClrMapping/>
   </p:clrMapOvr>
   <p:transition/>
-  <p:timing/>
 </p:sld>
 </file>
 
 <file path=ppt/slides/slide3.xml><?xml version="1.0" encoding="utf-8"?>
-<p:sld xmlns:a="http://schemas.openxmlformats.org/drawingml/2006/main" xmlns:r="http://schemas.openxmlformats.org/officeDocument/2006/relationships" xmlns:m="http://schemas.openxmlformats.org/officeDocument/2006/math" xmlns:w="http://schemas.openxmlformats.org/wordprocessingml/2006/main" xmlns:wp="http://schemas.openxmlformats.org/drawingml/2006/wordprocessingDrawing" xmlns:a14="http://schemas.microsoft.com/office/drawing/2010/main" xmlns:mc="http://schemas.openxmlformats.org/markup-compatibility/2006" xmlns:p14="http://schemas.microsoft.com/office/powerpoint/2010/main" xmlns:p15="http://schemas.microsoft.com/office/powerpoint/2012/main" xmlns:p159="http://schemas.microsoft.com/office/powerpoint/2015/09/main" xmlns:p="http://schemas.openxmlformats.org/presentationml/2006/main">
-  <p:cSld name="">
+<p:sld xmlns:a="http://schemas.openxmlformats.org/drawingml/2006/main" xmlns:r="http://schemas.openxmlformats.org/officeDocument/2006/relationships" xmlns:p="http://schemas.openxmlformats.org/presentationml/2006/main">
+  <p:cSld>
     <p:bg>
       <p:bgPr>
         <a:solidFill>
@@ -11091,6 +10060,8 @@
         <a:xfrm>
           <a:off x="0" y="0"/>
           <a:ext cx="0" cy="0"/>
+          <a:chOff x="0" y="0"/>
+          <a:chExt cx="0" cy="0"/>
         </a:xfrm>
       </p:grpSpPr>
       <p:sp>
@@ -11391,7 +10362,7 @@
         </p:spPr>
         <p:txBody>
           <a:bodyPr vert="horz" lIns="0" tIns="45720" rIns="0" bIns="45720" rtlCol="0">
-            <a:normAutofit lnSpcReduction="20000"/>
+            <a:normAutofit/>
           </a:bodyPr>
           <a:lstStyle/>
           <a:p>
@@ -11401,7 +10372,7 @@
               </a:lnSpc>
             </a:pPr>
             <a:r>
-              <a:rPr lang="it-IT" sz="1500" b="0" i="0" strike="noStrike" cap="none" baseline="0">
+              <a:rPr lang="it-IT" sz="1500" b="0" i="0" strike="noStrike" cap="none" baseline="0" dirty="0">
                 <a:solidFill>
                   <a:srgbClr val="FFFFFF"/>
                 </a:solidFill>
@@ -11410,7 +10381,30 @@
                 <a:ea typeface="Franklin Gothic Book"/>
                 <a:cs typeface="Franklin Gothic Book"/>
               </a:rPr>
-              <a:t>Descrizione del prodotto, caratteristiche e vantaggi</a:t>
+              <a:t>Descrizione del prodotto, caratteristiche </a:t>
+            </a:r>
+            <a:br>
+              <a:rPr lang="it-IT" sz="1500" b="0" i="0" strike="noStrike" cap="none" baseline="0" dirty="0">
+                <a:solidFill>
+                  <a:srgbClr val="FFFFFF"/>
+                </a:solidFill>
+                <a:effectLst/>
+                <a:latin typeface="Franklin Gothic Book"/>
+                <a:ea typeface="Franklin Gothic Book"/>
+                <a:cs typeface="Franklin Gothic Book"/>
+              </a:rPr>
+            </a:br>
+            <a:r>
+              <a:rPr lang="it-IT" sz="1500" b="0" i="0" strike="noStrike" cap="none" baseline="0" dirty="0">
+                <a:solidFill>
+                  <a:srgbClr val="FFFFFF"/>
+                </a:solidFill>
+                <a:effectLst/>
+                <a:latin typeface="Franklin Gothic Book"/>
+                <a:ea typeface="Franklin Gothic Book"/>
+                <a:cs typeface="Franklin Gothic Book"/>
+              </a:rPr>
+              <a:t>e vantaggi</a:t>
             </a:r>
           </a:p>
           <a:p>
@@ -11420,7 +10414,7 @@
               </a:lnSpc>
             </a:pPr>
             <a:r>
-              <a:rPr lang="it-IT" sz="1500" b="0" i="0" strike="noStrike" cap="none" baseline="0">
+              <a:rPr lang="it-IT" sz="1500" b="0" i="0" strike="noStrike" cap="none" baseline="0" dirty="0">
                 <a:solidFill>
                   <a:srgbClr val="FFFFFF"/>
                 </a:solidFill>
@@ -11439,7 +10433,7 @@
               </a:lnSpc>
             </a:pPr>
             <a:r>
-              <a:rPr lang="it-IT" sz="1500" b="0" i="0" strike="noStrike" cap="none" baseline="0">
+              <a:rPr lang="it-IT" sz="1500" b="0" i="0" strike="noStrike" cap="none" baseline="0" dirty="0">
                 <a:solidFill>
                   <a:srgbClr val="FFFFFF"/>
                 </a:solidFill>
@@ -11458,7 +10452,7 @@
               </a:lnSpc>
             </a:pPr>
             <a:r>
-              <a:rPr lang="it-IT" sz="1500" b="0" i="0" strike="noStrike" cap="none" baseline="0">
+              <a:rPr lang="it-IT" sz="1500" b="0" i="0" strike="noStrike" cap="none" baseline="0" dirty="0">
                 <a:solidFill>
                   <a:srgbClr val="FFFFFF"/>
                 </a:solidFill>
@@ -11477,7 +10471,7 @@
               </a:lnSpc>
             </a:pPr>
             <a:r>
-              <a:rPr lang="it-IT" sz="1500" b="0" i="0" strike="noStrike" cap="none" baseline="0">
+              <a:rPr lang="it-IT" sz="1500" b="0" i="0" strike="noStrike" cap="none" baseline="0" dirty="0">
                 <a:solidFill>
                   <a:srgbClr val="FFFFFF"/>
                 </a:solidFill>
@@ -11496,7 +10490,7 @@
               </a:lnSpc>
             </a:pPr>
             <a:r>
-              <a:rPr lang="it-IT" sz="1500" b="0" i="0" strike="noStrike" cap="none" baseline="0">
+              <a:rPr lang="it-IT" sz="1500" b="0" i="0" strike="noStrike" cap="none" baseline="0" dirty="0">
                 <a:solidFill>
                   <a:srgbClr val="FFFFFF"/>
                 </a:solidFill>
@@ -11515,7 +10509,7 @@
               </a:lnSpc>
             </a:pPr>
             <a:r>
-              <a:rPr lang="it-IT" sz="1500" b="0" i="0" strike="noStrike" cap="none" baseline="0">
+              <a:rPr lang="it-IT" sz="1500" b="0" i="0" strike="noStrike" cap="none" baseline="0" dirty="0">
                 <a:solidFill>
                   <a:srgbClr val="FFFFFF"/>
                 </a:solidFill>
@@ -11573,13 +10567,12 @@
     <a:overrideClrMapping bg1="dk1" tx1="lt1" bg2="dk2" tx2="lt2" accent1="accent1" accent2="accent2" accent3="accent3" accent4="accent4" accent5="accent5" accent6="accent6" hlink="hlink" folHlink="folHlink"/>
   </p:clrMapOvr>
   <p:transition/>
-  <p:timing/>
 </p:sld>
 </file>
 
 <file path=ppt/slides/slide4.xml><?xml version="1.0" encoding="utf-8"?>
-<p:sld xmlns:a="http://schemas.openxmlformats.org/drawingml/2006/main" xmlns:r="http://schemas.openxmlformats.org/officeDocument/2006/relationships" xmlns:m="http://schemas.openxmlformats.org/officeDocument/2006/math" xmlns:w="http://schemas.openxmlformats.org/wordprocessingml/2006/main" xmlns:wp="http://schemas.openxmlformats.org/drawingml/2006/wordprocessingDrawing" xmlns:a14="http://schemas.microsoft.com/office/drawing/2010/main" xmlns:mc="http://schemas.openxmlformats.org/markup-compatibility/2006" xmlns:p14="http://schemas.microsoft.com/office/powerpoint/2010/main" xmlns:p15="http://schemas.microsoft.com/office/powerpoint/2012/main" xmlns:p159="http://schemas.microsoft.com/office/powerpoint/2015/09/main" xmlns:p="http://schemas.openxmlformats.org/presentationml/2006/main">
-  <p:cSld name="">
+<p:sld xmlns:a="http://schemas.openxmlformats.org/drawingml/2006/main" xmlns:r="http://schemas.openxmlformats.org/officeDocument/2006/relationships" xmlns:p="http://schemas.openxmlformats.org/presentationml/2006/main">
+  <p:cSld>
     <p:bg>
       <p:bgPr>
         <a:solidFill>
@@ -11598,6 +10591,8 @@
         <a:xfrm>
           <a:off x="0" y="0"/>
           <a:ext cx="0" cy="0"/>
+          <a:chOff x="0" y="0"/>
+          <a:chExt cx="0" cy="0"/>
         </a:xfrm>
       </p:grpSpPr>
       <p:sp>
@@ -11959,7 +10954,7 @@
         </p:spPr>
         <p:txBody>
           <a:bodyPr vert="horz" lIns="0" tIns="45720" rIns="0" bIns="45720" rtlCol="0" anchor="ctr">
-            <a:normAutofit lnSpcReduction="20000"/>
+            <a:normAutofit/>
           </a:bodyPr>
           <a:lstStyle/>
           <a:p>
@@ -12056,14 +11051,14 @@
             <p:ph sz="half" idx="1"/>
             <p:extLst>
               <p:ext uri="{D42A27DB-BD31-4B8C-83A1-F6EECF244321}">
-                <p14:modId xmlns:p14="http://schemas.microsoft.com/office/powerpoint/2010/main" val="3445590745"/>
+                <p14:modId xmlns:p14="http://schemas.microsoft.com/office/powerpoint/2010/main" val="3402665576"/>
               </p:ext>
             </p:extLst>
           </p:nvPr>
         </p:nvGraphicFramePr>
         <p:xfrm>
           <a:off x="1346750" y="930063"/>
-          <a:ext cx="9499602" cy="3419856"/>
+          <a:ext cx="9499602" cy="2983992"/>
         </p:xfrm>
         <a:graphic>
           <a:graphicData uri="http://schemas.openxmlformats.org/drawingml/2006/table">
@@ -12097,11 +11092,11 @@
               <a:tr h="1240536">
                 <a:tc>
                   <a:txBody>
-                    <a:bodyPr vert="horz" wrap="square"/>
+                    <a:bodyPr/>
                     <a:lstStyle/>
                     <a:p>
                       <a:r>
-                        <a:rPr lang="it-IT" sz="3300" b="1" i="0" strike="noStrike" cap="none" baseline="0">
+                        <a:rPr lang="it-IT" sz="3000" b="1" i="0" strike="noStrike" cap="none" baseline="0" dirty="0">
                           <a:solidFill>
                             <a:srgbClr val="FFFFFF"/>
                           </a:solidFill>
@@ -12118,11 +11113,11 @@
                 </a:tc>
                 <a:tc>
                   <a:txBody>
-                    <a:bodyPr vert="horz" wrap="square"/>
+                    <a:bodyPr/>
                     <a:lstStyle/>
                     <a:p>
                       <a:r>
-                        <a:rPr lang="it-IT" sz="3300" b="1" i="0" strike="noStrike" cap="none" baseline="0">
+                        <a:rPr lang="it-IT" sz="3000" b="1" i="0" strike="noStrike" cap="none" baseline="0" dirty="0">
                           <a:solidFill>
                             <a:srgbClr val="FFFFFF"/>
                           </a:solidFill>
@@ -12139,11 +11134,11 @@
                 </a:tc>
                 <a:tc>
                   <a:txBody>
-                    <a:bodyPr vert="horz" wrap="square"/>
+                    <a:bodyPr/>
                     <a:lstStyle/>
                     <a:p>
                       <a:r>
-                        <a:rPr lang="it-IT" sz="3300" b="1" i="0" strike="noStrike" cap="none" baseline="0">
+                        <a:rPr lang="it-IT" sz="3000" b="1" i="0" strike="noStrike" cap="none" baseline="0">
                           <a:solidFill>
                             <a:srgbClr val="FFFFFF"/>
                           </a:solidFill>
@@ -12167,11 +11162,11 @@
               <a:tr h="1743456">
                 <a:tc>
                   <a:txBody>
-                    <a:bodyPr vert="horz" wrap="square"/>
+                    <a:bodyPr/>
                     <a:lstStyle/>
                     <a:p>
                       <a:r>
-                        <a:rPr lang="it-IT" sz="3300" b="0" i="0" strike="noStrike" cap="none" baseline="0">
+                        <a:rPr lang="it-IT" sz="3000" b="0" i="0" strike="noStrike" cap="none" baseline="0">
                           <a:solidFill>
                             <a:srgbClr val="000000"/>
                           </a:solidFill>
@@ -12188,11 +11183,11 @@
                 </a:tc>
                 <a:tc>
                   <a:txBody>
-                    <a:bodyPr vert="horz" wrap="square"/>
+                    <a:bodyPr/>
                     <a:lstStyle/>
                     <a:p>
                       <a:r>
-                        <a:rPr lang="it-IT" sz="3300" b="0" i="0" strike="noStrike" cap="none" baseline="0">
+                        <a:rPr lang="it-IT" sz="3000" b="0" i="0" strike="noStrike" cap="none" baseline="0" dirty="0">
                           <a:solidFill>
                             <a:srgbClr val="000000"/>
                           </a:solidFill>
@@ -12209,11 +11204,11 @@
                 </a:tc>
                 <a:tc>
                   <a:txBody>
-                    <a:bodyPr vert="horz" wrap="square"/>
+                    <a:bodyPr/>
                     <a:lstStyle/>
                     <a:p>
                       <a:r>
-                        <a:rPr lang="it-IT" sz="3300" b="0" i="0" strike="noStrike" cap="none" baseline="0">
+                        <a:rPr lang="it-IT" sz="3000" b="0" i="0" strike="noStrike" cap="none" baseline="0" dirty="0">
                           <a:solidFill>
                             <a:srgbClr val="000000"/>
                           </a:solidFill>
@@ -12249,13 +11244,12 @@
     <a:masterClrMapping/>
   </p:clrMapOvr>
   <p:transition/>
-  <p:timing/>
 </p:sld>
 </file>
 
 <file path=ppt/slides/slide5.xml><?xml version="1.0" encoding="utf-8"?>
-<p:sld xmlns:a="http://schemas.openxmlformats.org/drawingml/2006/main" xmlns:r="http://schemas.openxmlformats.org/officeDocument/2006/relationships" xmlns:m="http://schemas.openxmlformats.org/officeDocument/2006/math" xmlns:w="http://schemas.openxmlformats.org/wordprocessingml/2006/main" xmlns:wp="http://schemas.openxmlformats.org/drawingml/2006/wordprocessingDrawing" xmlns:a14="http://schemas.microsoft.com/office/drawing/2010/main" xmlns:mc="http://schemas.openxmlformats.org/markup-compatibility/2006" xmlns:p14="http://schemas.microsoft.com/office/powerpoint/2010/main" xmlns:p15="http://schemas.microsoft.com/office/powerpoint/2012/main" xmlns:p159="http://schemas.microsoft.com/office/powerpoint/2015/09/main" xmlns:p="http://schemas.openxmlformats.org/presentationml/2006/main">
-  <p:cSld name="">
+<p:sld xmlns:a="http://schemas.openxmlformats.org/drawingml/2006/main" xmlns:r="http://schemas.openxmlformats.org/officeDocument/2006/relationships" xmlns:p="http://schemas.openxmlformats.org/presentationml/2006/main">
+  <p:cSld>
     <p:bg>
       <p:bgPr>
         <a:solidFill>
@@ -12274,6 +11268,8 @@
         <a:xfrm>
           <a:off x="0" y="0"/>
           <a:ext cx="0" cy="0"/>
+          <a:chOff x="0" y="0"/>
+          <a:chExt cx="0" cy="0"/>
         </a:xfrm>
       </p:grpSpPr>
       <p:sp useBgFill="1">
@@ -12519,7 +11515,7 @@
         </p:nvGraphicFramePr>
         <p:xfrm>
           <a:off x="1096963" y="2287915"/>
-          <a:ext cx="10058401" cy="3697554"/>
+          <a:ext cx="10058401" cy="3407281"/>
         </p:xfrm>
         <a:graphic>
           <a:graphicData uri="http://schemas.openxmlformats.org/drawingml/2006/table">
@@ -12546,7 +11542,7 @@
               <a:tr h="363233">
                 <a:tc>
                   <a:txBody>
-                    <a:bodyPr vert="horz" wrap="square"/>
+                    <a:bodyPr/>
                     <a:lstStyle/>
                     <a:p>
                       <a:pPr>
@@ -12575,7 +11571,7 @@
                 </a:tc>
                 <a:tc>
                   <a:txBody>
-                    <a:bodyPr vert="horz" wrap="square"/>
+                    <a:bodyPr/>
                     <a:lstStyle/>
                     <a:p>
                       <a:pPr>
@@ -12611,7 +11607,7 @@
               <a:tr h="1448982">
                 <a:tc>
                   <a:txBody>
-                    <a:bodyPr vert="horz" wrap="square"/>
+                    <a:bodyPr/>
                     <a:lstStyle/>
                     <a:p>
                       <a:pPr>
@@ -12640,7 +11636,7 @@
                 </a:tc>
                 <a:tc>
                   <a:txBody>
-                    <a:bodyPr vert="horz" wrap="square"/>
+                    <a:bodyPr/>
                     <a:lstStyle/>
                     <a:p>
                       <a:pPr>
@@ -12658,31 +11654,7 @@
                           <a:ea typeface="Franklin Gothic Book"/>
                           <a:cs typeface="Franklin Gothic Book"/>
                         </a:rPr>
-                        <a:t>Lasciati avvolgere dal ricco e fragrante abbraccio di Mystic Spice Premium Chai Tea, una miscela creata meticolosamente che rende omaggio alle tradizioni senza tempo del chai indiano.</a:t>
-                      </a:r>
-                      <a:r>
-                        <a:rPr lang="it-IT" sz="1400" b="0" i="0" strike="noStrike" cap="none" baseline="0">
-                          <a:solidFill>
-                            <a:srgbClr val="000000"/>
-                          </a:solidFill>
-                          <a:effectLst/>
-                          <a:latin typeface="Franklin Gothic Book"/>
-                          <a:ea typeface="Franklin Gothic Book"/>
-                          <a:cs typeface="Franklin Gothic Book"/>
-                        </a:rPr>
-                        <a:t> </a:t>
-                      </a:r>
-                      <a:r>
-                        <a:rPr lang="it-IT" sz="1400" b="0" i="0" strike="noStrike" cap="none" baseline="0">
-                          <a:solidFill>
-                            <a:srgbClr val="000000"/>
-                          </a:solidFill>
-                          <a:effectLst/>
-                          <a:latin typeface="Franklin Gothic Book"/>
-                          <a:ea typeface="Franklin Gothic Book"/>
-                          <a:cs typeface="Franklin Gothic Book"/>
-                        </a:rPr>
-                        <a:t>Ogni tazza offre un viaggio incantevole attraverso i vivaci paesaggi dell'India, ricreando un'autentica esperienza chai in casa.</a:t>
+                        <a:t>Lasciati avvolgere dal ricco e fragrante abbraccio di Mystic Spice Premium Chai Tea, una miscela creata meticolosamente che rende omaggio alle tradizioni senza tempo del chai indiano. Ogni tazza offre un viaggio incantevole attraverso i vivaci paesaggi dell'India, ricreando un'autentica esperienza chai in casa.</a:t>
                       </a:r>
                       <a:endParaRPr lang="en-US" sz="2300">
                         <a:effectLst/>
@@ -12700,7 +11672,7 @@
               <a:tr h="363233">
                 <a:tc>
                   <a:txBody>
-                    <a:bodyPr vert="horz" wrap="square"/>
+                    <a:bodyPr/>
                     <a:lstStyle/>
                     <a:p>
                       <a:pPr>
@@ -12729,7 +11701,7 @@
                 </a:tc>
                 <a:tc>
                   <a:txBody>
-                    <a:bodyPr vert="horz" wrap="square"/>
+                    <a:bodyPr/>
                     <a:lstStyle/>
                     <a:p>
                       <a:pPr>
@@ -12765,7 +11737,7 @@
               <a:tr h="1231833">
                 <a:tc>
                   <a:txBody>
-                    <a:bodyPr vert="horz" wrap="square"/>
+                    <a:bodyPr/>
                     <a:lstStyle/>
                     <a:p>
                       <a:pPr>
@@ -12783,31 +11755,7 @@
                           <a:ea typeface="Franklin Gothic Book"/>
                           <a:cs typeface="Franklin Gothic Book"/>
                         </a:rPr>
-                        <a:t>Miscela autentica: il nostro chai combina armoniosamente foglie di tè nero pregiate con una selezione di spezie macinate, come cannella, cardamomo, chiodi di garofano, zenzero e pepe nero.</a:t>
-                      </a:r>
-                      <a:r>
-                        <a:rPr lang="it-IT" sz="1400" b="0" i="0" strike="noStrike" cap="none" baseline="0">
-                          <a:solidFill>
-                            <a:srgbClr val="000000"/>
-                          </a:solidFill>
-                          <a:effectLst/>
-                          <a:latin typeface="Franklin Gothic Book"/>
-                          <a:ea typeface="Franklin Gothic Book"/>
-                          <a:cs typeface="Franklin Gothic Book"/>
-                        </a:rPr>
-                        <a:t> </a:t>
-                      </a:r>
-                      <a:r>
-                        <a:rPr lang="it-IT" sz="1400" b="0" i="0" strike="noStrike" cap="none" baseline="0">
-                          <a:solidFill>
-                            <a:srgbClr val="000000"/>
-                          </a:solidFill>
-                          <a:effectLst/>
-                          <a:latin typeface="Franklin Gothic Book"/>
-                          <a:ea typeface="Franklin Gothic Book"/>
-                          <a:cs typeface="Franklin Gothic Book"/>
-                        </a:rPr>
-                        <a:t>Questa antica ricetta promette un sapore autentico e robusto a ogni sorso.</a:t>
+                        <a:t>Miscela autentica: il nostro chai combina armoniosamente foglie di tè nero pregiate con una selezione di spezie macinate, come cannella, cardamomo, chiodi di garofano, zenzero e pepe nero. Questa antica ricetta promette un sapore autentico e robusto a ogni sorso.</a:t>
                       </a:r>
                       <a:endParaRPr lang="en-US" sz="2300">
                         <a:effectLst/>
@@ -12818,7 +11766,7 @@
                 </a:tc>
                 <a:tc>
                   <a:txBody>
-                    <a:bodyPr vert="horz" wrap="square"/>
+                    <a:bodyPr/>
                     <a:lstStyle/>
                     <a:p>
                       <a:pPr>
@@ -12836,31 +11784,7 @@
                           <a:ea typeface="Franklin Gothic Book"/>
                           <a:cs typeface="Franklin Gothic Book"/>
                         </a:rPr>
-                        <a:t>Ingredienti salutari: ogni ingrediente di Mystic Spice Chai Tea è stato selezionato per i suoi benefici naturali per la salute.</a:t>
-                      </a:r>
-                      <a:r>
-                        <a:rPr lang="it-IT" sz="1400" b="0" i="0" strike="noStrike" cap="none" baseline="0">
-                          <a:solidFill>
-                            <a:srgbClr val="000000"/>
-                          </a:solidFill>
-                          <a:effectLst/>
-                          <a:latin typeface="Franklin Gothic Book"/>
-                          <a:ea typeface="Franklin Gothic Book"/>
-                          <a:cs typeface="Franklin Gothic Book"/>
-                        </a:rPr>
-                        <a:t> </a:t>
-                      </a:r>
-                      <a:r>
-                        <a:rPr lang="it-IT" sz="1400" b="0" i="0" strike="noStrike" cap="none" baseline="0">
-                          <a:solidFill>
-                            <a:srgbClr val="000000"/>
-                          </a:solidFill>
-                          <a:effectLst/>
-                          <a:latin typeface="Franklin Gothic Book"/>
-                          <a:ea typeface="Franklin Gothic Book"/>
-                          <a:cs typeface="Franklin Gothic Book"/>
-                        </a:rPr>
-                        <a:t>Lo zenzero e il cardamomo aiutano la digestione, la cannella contribuisce a regolare il livello di zuccheri nel sangue, mentre i chiodi di garofano forniscono una ricarica di antiossidanti.</a:t>
+                        <a:t>Ingredienti salutari: ogni ingrediente di Mystic Spice Chai Tea è stato selezionato per i suoi benefici naturali per la salute. Lo zenzero e il cardamomo aiutano la digestione, la cannella contribuisce a regolare il livello di zuccheri nel sangue, mentre i chiodi di garofano forniscono una ricarica di antiossidanti.</a:t>
                       </a:r>
                       <a:endParaRPr lang="en-US" sz="2300">
                         <a:effectLst/>
@@ -12890,13 +11814,12 @@
     <a:masterClrMapping/>
   </p:clrMapOvr>
   <p:transition/>
-  <p:timing/>
 </p:sld>
 </file>
 
 <file path=ppt/slides/slide6.xml><?xml version="1.0" encoding="utf-8"?>
-<p:sld xmlns:a="http://schemas.openxmlformats.org/drawingml/2006/main" xmlns:r="http://schemas.openxmlformats.org/officeDocument/2006/relationships" xmlns:m="http://schemas.openxmlformats.org/officeDocument/2006/math" xmlns:w="http://schemas.openxmlformats.org/wordprocessingml/2006/main" xmlns:wp="http://schemas.openxmlformats.org/drawingml/2006/wordprocessingDrawing" xmlns:a14="http://schemas.microsoft.com/office/drawing/2010/main" xmlns:mc="http://schemas.openxmlformats.org/markup-compatibility/2006" xmlns:p14="http://schemas.microsoft.com/office/powerpoint/2010/main" xmlns:p15="http://schemas.microsoft.com/office/powerpoint/2012/main" xmlns:p159="http://schemas.microsoft.com/office/powerpoint/2015/09/main" xmlns:p="http://schemas.openxmlformats.org/presentationml/2006/main">
-  <p:cSld name="">
+<p:sld xmlns:a="http://schemas.openxmlformats.org/drawingml/2006/main" xmlns:r="http://schemas.openxmlformats.org/officeDocument/2006/relationships" xmlns:p="http://schemas.openxmlformats.org/presentationml/2006/main">
+  <p:cSld>
     <p:bg>
       <p:bgPr>
         <a:solidFill>
@@ -12915,6 +11838,8 @@
         <a:xfrm>
           <a:off x="0" y="0"/>
           <a:ext cx="0" cy="0"/>
+          <a:chOff x="0" y="0"/>
+          <a:chExt cx="0" cy="0"/>
         </a:xfrm>
       </p:grpSpPr>
       <p:sp>
@@ -13274,7 +12199,7 @@
         </p:nvGraphicFramePr>
         <p:xfrm>
           <a:off x="5282335" y="1994843"/>
-          <a:ext cx="6275668" cy="4180382"/>
+          <a:ext cx="6275668" cy="3523177"/>
         </p:xfrm>
         <a:graphic>
           <a:graphicData uri="http://schemas.openxmlformats.org/drawingml/2006/table">
@@ -13301,7 +12226,7 @@
               <a:tr h="271208">
                 <a:tc>
                   <a:txBody>
-                    <a:bodyPr vert="horz" wrap="square"/>
+                    <a:bodyPr/>
                     <a:lstStyle/>
                     <a:p>
                       <a:pPr>
@@ -13330,7 +12255,7 @@
                 </a:tc>
                 <a:tc>
                   <a:txBody>
-                    <a:bodyPr vert="horz" wrap="square"/>
+                    <a:bodyPr/>
                     <a:lstStyle/>
                     <a:p>
                       <a:pPr>
@@ -13366,7 +12291,7 @@
               <a:tr h="1081883">
                 <a:tc>
                   <a:txBody>
-                    <a:bodyPr vert="horz" wrap="square"/>
+                    <a:bodyPr/>
                     <a:lstStyle/>
                     <a:p>
                       <a:pPr>
@@ -13384,31 +12309,7 @@
                           <a:ea typeface="Franklin Gothic Book"/>
                           <a:cs typeface="Franklin Gothic Book"/>
                         </a:rPr>
-                        <a:t>Aroma e sapore ricco: il sapore dall'aroma caldo, speziato, profondo e tonificante del nostro chai lo rendono la bevanda perfetta per iniziare la giornata o rilassarsi la sera.</a:t>
-                      </a:r>
-                      <a:r>
-                        <a:rPr lang="it-IT" sz="1100" b="0" i="0" strike="noStrike" cap="none" baseline="0">
-                          <a:solidFill>
-                            <a:srgbClr val="000000"/>
-                          </a:solidFill>
-                          <a:effectLst/>
-                          <a:latin typeface="Franklin Gothic Book"/>
-                          <a:ea typeface="Franklin Gothic Book"/>
-                          <a:cs typeface="Franklin Gothic Book"/>
-                        </a:rPr>
-                        <a:t> </a:t>
-                      </a:r>
-                      <a:r>
-                        <a:rPr lang="it-IT" sz="1100" b="0" i="0" strike="noStrike" cap="none" baseline="0">
-                          <a:solidFill>
-                            <a:srgbClr val="000000"/>
-                          </a:solidFill>
-                          <a:effectLst/>
-                          <a:latin typeface="Franklin Gothic Book"/>
-                          <a:ea typeface="Franklin Gothic Book"/>
-                          <a:cs typeface="Franklin Gothic Book"/>
-                        </a:rPr>
-                        <a:t>I sapori intensi ma equilibrati, creano un'esperienza piacevole e rilassante.</a:t>
+                        <a:t>Aroma e sapore ricco: il sapore dall'aroma caldo, speziato, profondo e tonificante del nostro chai lo rendono la bevanda perfetta per iniziare la giornata o rilassarsi la sera. I sapori intensi ma equilibrati, creano un'esperienza piacevole e rilassante.</a:t>
                       </a:r>
                       <a:endParaRPr lang="en-US" sz="1700">
                         <a:effectLst/>
@@ -13419,7 +12320,7 @@
                 </a:tc>
                 <a:tc>
                   <a:txBody>
-                    <a:bodyPr vert="horz" wrap="square"/>
+                    <a:bodyPr/>
                     <a:lstStyle/>
                     <a:p>
                       <a:pPr>
@@ -13437,31 +12338,7 @@
                           <a:ea typeface="Franklin Gothic Book"/>
                           <a:cs typeface="Franklin Gothic Book"/>
                         </a:rPr>
-                        <a:t>Diverse opzioni di preparazione: che si preferisca assaporare il chai come bevanda calda e fumante, come tè rinfrescante ghiacciato o in versione cremosa con aggiunta di latte, la nostra miscela è sufficientemente versatile da soddisfare qualsiasi gusto.</a:t>
-                      </a:r>
-                      <a:r>
-                        <a:rPr lang="it-IT" sz="1100" b="0" i="0" strike="noStrike" cap="none" baseline="0">
-                          <a:solidFill>
-                            <a:srgbClr val="000000"/>
-                          </a:solidFill>
-                          <a:effectLst/>
-                          <a:latin typeface="Franklin Gothic Book"/>
-                          <a:ea typeface="Franklin Gothic Book"/>
-                          <a:cs typeface="Franklin Gothic Book"/>
-                        </a:rPr>
-                        <a:t> </a:t>
-                      </a:r>
-                      <a:r>
-                        <a:rPr lang="it-IT" sz="1100" b="0" i="0" strike="noStrike" cap="none" baseline="0">
-                          <a:solidFill>
-                            <a:srgbClr val="000000"/>
-                          </a:solidFill>
-                          <a:effectLst/>
-                          <a:latin typeface="Franklin Gothic Book"/>
-                          <a:ea typeface="Franklin Gothic Book"/>
-                          <a:cs typeface="Franklin Gothic Book"/>
-                        </a:rPr>
-                        <a:t>Facili istruzioni di preparazione sono incluse per permettere di assaporare il chai nel modo preferito.</a:t>
+                        <a:t>Diverse opzioni di preparazione: che si preferisca assaporare il chai come bevanda calda e fumante, come tè rinfrescante ghiacciato o in versione cremosa con aggiunta di latte, la nostra miscela è sufficientemente versatile da soddisfare qualsiasi gusto. Facili istruzioni di preparazione sono incluse per permettere di assaporare il chai nel modo preferito.</a:t>
                       </a:r>
                       <a:endParaRPr lang="en-US" sz="1700">
                         <a:effectLst/>
@@ -13479,7 +12356,7 @@
               <a:tr h="757613">
                 <a:tc>
                   <a:txBody>
-                    <a:bodyPr vert="horz" wrap="square"/>
+                    <a:bodyPr/>
                     <a:lstStyle/>
                     <a:p>
                       <a:pPr>
@@ -13508,7 +12385,7 @@
                 </a:tc>
                 <a:tc>
                   <a:txBody>
-                    <a:bodyPr vert="horz" wrap="square"/>
+                    <a:bodyPr/>
                     <a:lstStyle/>
                     <a:p>
                       <a:pPr>
@@ -13544,7 +12421,7 @@
               <a:tr h="757613">
                 <a:tc>
                   <a:txBody>
-                    <a:bodyPr vert="horz" wrap="square"/>
+                    <a:bodyPr/>
                     <a:lstStyle/>
                     <a:p>
                       <a:pPr>
@@ -13562,31 +12439,7 @@
                           <a:ea typeface="Franklin Gothic Book"/>
                           <a:cs typeface="Franklin Gothic Book"/>
                         </a:rPr>
-                        <a:t>Garanzia di soddisfazione del cliente: sosteniamo i nostri prodotti e offriamo una garanzia di soddisfazione.</a:t>
-                      </a:r>
-                      <a:r>
-                        <a:rPr lang="it-IT" sz="1100" b="0" i="0" strike="noStrike" cap="none" baseline="0">
-                          <a:solidFill>
-                            <a:srgbClr val="000000"/>
-                          </a:solidFill>
-                          <a:effectLst/>
-                          <a:latin typeface="Franklin Gothic Book"/>
-                          <a:ea typeface="Franklin Gothic Book"/>
-                          <a:cs typeface="Franklin Gothic Book"/>
-                        </a:rPr>
-                        <a:t> </a:t>
-                      </a:r>
-                      <a:r>
-                        <a:rPr lang="it-IT" sz="1100" b="0" i="0" strike="noStrike" cap="none" baseline="0">
-                          <a:solidFill>
-                            <a:srgbClr val="000000"/>
-                          </a:solidFill>
-                          <a:effectLst/>
-                          <a:latin typeface="Franklin Gothic Book"/>
-                          <a:ea typeface="Franklin Gothic Book"/>
-                          <a:cs typeface="Franklin Gothic Book"/>
-                        </a:rPr>
-                        <a:t>Se Mystic Spice Chai Tea non soddisfa le aspettative, ci impegniamo a fare il massimo.</a:t>
+                        <a:t>Garanzia di soddisfazione del cliente: sosteniamo i nostri prodotti e offriamo una garanzia di soddisfazione. Se Mystic Spice Chai Tea non soddisfa le aspettative, ci impegniamo a fare il massimo.</a:t>
                       </a:r>
                       <a:endParaRPr lang="en-US" sz="1700">
                         <a:effectLst/>
@@ -13597,7 +12450,7 @@
                 </a:tc>
                 <a:tc>
                   <a:txBody>
-                    <a:bodyPr vert="horz" wrap="square"/>
+                    <a:bodyPr/>
                     <a:lstStyle/>
                     <a:p>
                       <a:pPr>
@@ -13645,13 +12498,12 @@
     <a:masterClrMapping/>
   </p:clrMapOvr>
   <p:transition/>
-  <p:timing/>
 </p:sld>
 </file>
 
 <file path=ppt/slides/slide7.xml><?xml version="1.0" encoding="utf-8"?>
-<p:sld xmlns:a="http://schemas.openxmlformats.org/drawingml/2006/main" xmlns:r="http://schemas.openxmlformats.org/officeDocument/2006/relationships" xmlns:m="http://schemas.openxmlformats.org/officeDocument/2006/math" xmlns:w="http://schemas.openxmlformats.org/wordprocessingml/2006/main" xmlns:wp="http://schemas.openxmlformats.org/drawingml/2006/wordprocessingDrawing" xmlns:a14="http://schemas.microsoft.com/office/drawing/2010/main" xmlns:mc="http://schemas.openxmlformats.org/markup-compatibility/2006" xmlns:p14="http://schemas.microsoft.com/office/powerpoint/2010/main" xmlns:p15="http://schemas.microsoft.com/office/powerpoint/2012/main" xmlns:p159="http://schemas.microsoft.com/office/powerpoint/2015/09/main" xmlns:p="http://schemas.openxmlformats.org/presentationml/2006/main">
-  <p:cSld name="">
+<p:sld xmlns:a="http://schemas.openxmlformats.org/drawingml/2006/main" xmlns:r="http://schemas.openxmlformats.org/officeDocument/2006/relationships" xmlns:p="http://schemas.openxmlformats.org/presentationml/2006/main">
+  <p:cSld>
     <p:bg>
       <p:bgPr>
         <a:solidFill>
@@ -13670,6 +12522,8 @@
         <a:xfrm>
           <a:off x="0" y="0"/>
           <a:ext cx="0" cy="0"/>
+          <a:chOff x="0" y="0"/>
+          <a:chExt cx="0" cy="0"/>
         </a:xfrm>
       </p:grpSpPr>
       <p:sp>
@@ -13873,12 +12727,12 @@
         </p:spPr>
         <p:txBody>
           <a:bodyPr vert="horz" lIns="91440" tIns="45720" rIns="91440" bIns="45720" rtlCol="0" anchor="b">
-            <a:normAutofit fontScale="90000"/>
+            <a:noAutofit/>
           </a:bodyPr>
           <a:lstStyle/>
           <a:p>
             <a:r>
-              <a:rPr lang="it-IT" sz="4700" b="0" i="0" strike="noStrike" cap="none" baseline="0">
+              <a:rPr lang="it-IT" sz="3800" b="0" i="0" strike="noStrike" cap="none" baseline="0" dirty="0">
                 <a:solidFill>
                   <a:srgbClr val="404040"/>
                 </a:solidFill>
@@ -13965,13 +12819,13 @@
         </p:nvSpPr>
         <p:spPr>
           <a:xfrm>
-            <a:off x="6411684" y="2407436"/>
-            <a:ext cx="5127172" cy="3461658"/>
+            <a:off x="6411684" y="2407435"/>
+            <a:ext cx="5127172" cy="3644175"/>
           </a:xfrm>
         </p:spPr>
         <p:txBody>
           <a:bodyPr vert="horz" lIns="0" tIns="45720" rIns="0" bIns="45720" rtlCol="0">
-            <a:normAutofit fontScale="95000" lnSpcReduction="20000"/>
+            <a:normAutofit fontScale="95000"/>
           </a:bodyPr>
           <a:lstStyle/>
           <a:p>
@@ -13981,7 +12835,7 @@
               </a:lnSpc>
             </a:pPr>
             <a:r>
-              <a:rPr lang="it-IT" sz="1400" b="0" i="0" strike="noStrike" cap="none" baseline="0">
+              <a:rPr lang="it-IT" sz="1400" b="0" i="0" strike="noStrike" cap="none" baseline="0" dirty="0">
                 <a:solidFill>
                   <a:srgbClr val="404040"/>
                 </a:solidFill>
@@ -14000,7 +12854,7 @@
               </a:lnSpc>
             </a:pPr>
             <a:r>
-              <a:rPr lang="it-IT" sz="1400" b="0" i="0" strike="noStrike" cap="none" baseline="0">
+              <a:rPr lang="it-IT" sz="1400" b="0" i="0" strike="noStrike" cap="none" baseline="0" dirty="0">
                 <a:solidFill>
                   <a:srgbClr val="404040"/>
                 </a:solidFill>
@@ -14019,7 +12873,7 @@
               </a:lnSpc>
             </a:pPr>
             <a:r>
-              <a:rPr lang="it-IT" sz="1400" b="0" i="0" strike="noStrike" cap="none" baseline="0">
+              <a:rPr lang="it-IT" sz="1400" b="0" i="0" strike="noStrike" cap="none" baseline="0" dirty="0">
                 <a:solidFill>
                   <a:srgbClr val="404040"/>
                 </a:solidFill>
@@ -14038,7 +12892,7 @@
               </a:lnSpc>
             </a:pPr>
             <a:r>
-              <a:rPr lang="it-IT" sz="1400" b="0" i="0" strike="noStrike" cap="none" baseline="0">
+              <a:rPr lang="it-IT" sz="1400" b="0" i="0" strike="noStrike" cap="none" baseline="0" dirty="0">
                 <a:solidFill>
                   <a:srgbClr val="404040"/>
                 </a:solidFill>
@@ -14057,7 +12911,7 @@
               </a:lnSpc>
             </a:pPr>
             <a:r>
-              <a:rPr lang="it-IT" sz="1400" b="0" i="0" strike="noStrike" cap="none" baseline="0">
+              <a:rPr lang="it-IT" sz="1400" b="0" i="0" strike="noStrike" cap="none" baseline="0" dirty="0">
                 <a:solidFill>
                   <a:srgbClr val="404040"/>
                 </a:solidFill>
@@ -14076,7 +12930,7 @@
               </a:lnSpc>
             </a:pPr>
             <a:r>
-              <a:rPr lang="it-IT" sz="1400" b="0" i="0" strike="noStrike" cap="none" baseline="0">
+              <a:rPr lang="it-IT" sz="1400" b="0" i="0" strike="noStrike" cap="none" baseline="0" dirty="0">
                 <a:solidFill>
                   <a:srgbClr val="404040"/>
                 </a:solidFill>
@@ -14095,7 +12949,7 @@
               </a:lnSpc>
             </a:pPr>
             <a:r>
-              <a:rPr lang="it-IT" sz="1400" b="0" i="0" strike="noStrike" cap="none" baseline="0">
+              <a:rPr lang="it-IT" sz="1400" b="0" i="0" strike="noStrike" cap="none" baseline="0" dirty="0">
                 <a:solidFill>
                   <a:srgbClr val="404040"/>
                 </a:solidFill>
@@ -14114,7 +12968,7 @@
               </a:lnSpc>
             </a:pPr>
             <a:r>
-              <a:rPr lang="it-IT" sz="1400" b="0" i="0" strike="noStrike" cap="none" baseline="0">
+              <a:rPr lang="it-IT" sz="1400" b="0" i="0" strike="noStrike" cap="none" baseline="0" dirty="0">
                 <a:solidFill>
                   <a:srgbClr val="404040"/>
                 </a:solidFill>
@@ -14133,7 +12987,7 @@
               </a:lnSpc>
             </a:pPr>
             <a:r>
-              <a:rPr lang="it-IT" sz="1400" b="0" i="0" strike="noStrike" cap="none" baseline="0">
+              <a:rPr lang="it-IT" sz="1400" b="0" i="0" strike="noStrike" cap="none" baseline="0" dirty="0">
                 <a:solidFill>
                   <a:srgbClr val="404040"/>
                 </a:solidFill>
@@ -14225,14 +13079,14 @@
             <p:ph sz="half" idx="1"/>
             <p:extLst>
               <p:ext uri="{D42A27DB-BD31-4B8C-83A1-F6EECF244321}">
-                <p14:modId xmlns:p14="http://schemas.microsoft.com/office/powerpoint/2010/main" val="3887441503"/>
+                <p14:modId xmlns:p14="http://schemas.microsoft.com/office/powerpoint/2010/main" val="1804076644"/>
               </p:ext>
             </p:extLst>
           </p:nvPr>
         </p:nvGraphicFramePr>
         <p:xfrm>
           <a:off x="643192" y="1541387"/>
-          <a:ext cx="5115348" cy="5587931"/>
+          <a:ext cx="5115348" cy="3850092"/>
         </p:xfrm>
         <a:graphic>
           <a:graphicData uri="http://schemas.openxmlformats.org/drawingml/2006/table">
@@ -14269,11 +13123,11 @@
               <a:tr h="1697807">
                 <a:tc>
                   <a:txBody>
-                    <a:bodyPr vert="horz" wrap="square"/>
+                    <a:bodyPr/>
                     <a:lstStyle/>
                     <a:p>
                       <a:r>
-                        <a:rPr lang="it-IT" sz="2000" b="1" i="0" strike="noStrike" cap="all" baseline="0">
+                        <a:rPr lang="it-IT" sz="1800" b="1" i="0" strike="noStrike" cap="all" baseline="0" dirty="0">
                           <a:solidFill>
                             <a:srgbClr val="000000"/>
                           </a:solidFill>
@@ -14304,11 +13158,11 @@
                 </a:tc>
                 <a:tc>
                   <a:txBody>
-                    <a:bodyPr vert="horz" wrap="square"/>
+                    <a:bodyPr/>
                     <a:lstStyle/>
                     <a:p>
                       <a:r>
-                        <a:rPr lang="it-IT" sz="2000" b="1" i="0" strike="noStrike" cap="all" baseline="0">
+                        <a:rPr lang="it-IT" sz="1800" b="1" i="0" strike="noStrike" cap="all" baseline="0" dirty="0">
                           <a:solidFill>
                             <a:srgbClr val="000000"/>
                           </a:solidFill>
@@ -14339,11 +13193,11 @@
                 </a:tc>
                 <a:tc>
                   <a:txBody>
-                    <a:bodyPr vert="horz" wrap="square"/>
+                    <a:bodyPr/>
                     <a:lstStyle/>
                     <a:p>
                       <a:r>
-                        <a:rPr lang="it-IT" sz="2000" b="1" i="0" strike="noStrike" cap="all" baseline="0">
+                        <a:rPr lang="it-IT" sz="1800" b="1" i="0" strike="noStrike" cap="all" baseline="0">
                           <a:solidFill>
                             <a:srgbClr val="000000"/>
                           </a:solidFill>
@@ -14381,11 +13235,11 @@
               <a:tr h="680116">
                 <a:tc>
                   <a:txBody>
-                    <a:bodyPr vert="horz" wrap="square"/>
+                    <a:bodyPr/>
                     <a:lstStyle/>
                     <a:p>
                       <a:r>
-                        <a:rPr lang="it-IT" sz="2600" b="0" i="0" strike="noStrike" cap="none" baseline="0">
+                        <a:rPr lang="it-IT" sz="2400" b="0" i="0" strike="noStrike" cap="none" baseline="0">
                           <a:solidFill>
                             <a:srgbClr val="000000"/>
                           </a:solidFill>
@@ -14421,11 +13275,11 @@
                 </a:tc>
                 <a:tc>
                   <a:txBody>
-                    <a:bodyPr vert="horz" wrap="square"/>
+                    <a:bodyPr/>
                     <a:lstStyle/>
                     <a:p>
                       <a:r>
-                        <a:rPr lang="it-IT" sz="2600" b="0" i="0" strike="noStrike" cap="none" baseline="0">
+                        <a:rPr lang="it-IT" sz="2400" b="0" i="0" strike="noStrike" cap="none" baseline="0" dirty="0">
                           <a:solidFill>
                             <a:srgbClr val="000000"/>
                           </a:solidFill>
@@ -14461,11 +13315,11 @@
                 </a:tc>
                 <a:tc>
                   <a:txBody>
-                    <a:bodyPr vert="horz" wrap="square"/>
+                    <a:bodyPr/>
                     <a:lstStyle/>
                     <a:p>
                       <a:r>
-                        <a:rPr lang="it-IT" sz="2600" b="0" i="0" strike="noStrike" cap="none" baseline="0">
+                        <a:rPr lang="it-IT" sz="2400" b="0" i="0" strike="noStrike" cap="none" baseline="0" dirty="0">
                           <a:solidFill>
                             <a:srgbClr val="000000"/>
                           </a:solidFill>
@@ -14508,11 +13362,11 @@
               <a:tr h="1077264">
                 <a:tc>
                   <a:txBody>
-                    <a:bodyPr vert="horz" wrap="square"/>
+                    <a:bodyPr/>
                     <a:lstStyle/>
                     <a:p>
                       <a:r>
-                        <a:rPr lang="it-IT" sz="2600" b="0" i="0" strike="noStrike" cap="none" baseline="0">
+                        <a:rPr lang="it-IT" sz="2400" b="0" i="0" strike="noStrike" cap="none" baseline="0">
                           <a:solidFill>
                             <a:srgbClr val="000000"/>
                           </a:solidFill>
@@ -14551,11 +13405,11 @@
                 </a:tc>
                 <a:tc>
                   <a:txBody>
-                    <a:bodyPr vert="horz" wrap="square"/>
+                    <a:bodyPr/>
                     <a:lstStyle/>
                     <a:p>
                       <a:r>
-                        <a:rPr lang="it-IT" sz="2600" b="0" i="0" strike="noStrike" cap="none" baseline="0">
+                        <a:rPr lang="it-IT" sz="2400" b="0" i="0" strike="noStrike" cap="none" baseline="0">
                           <a:solidFill>
                             <a:srgbClr val="000000"/>
                           </a:solidFill>
@@ -14594,11 +13448,11 @@
                 </a:tc>
                 <a:tc>
                   <a:txBody>
-                    <a:bodyPr vert="horz" wrap="square"/>
+                    <a:bodyPr/>
                     <a:lstStyle/>
                     <a:p>
                       <a:r>
-                        <a:rPr lang="it-IT" sz="2600" b="0" i="0" strike="noStrike" cap="none" baseline="0">
+                        <a:rPr lang="it-IT" sz="2400" b="0" i="0" strike="noStrike" cap="none" baseline="0" dirty="0">
                           <a:solidFill>
                             <a:srgbClr val="000000"/>
                           </a:solidFill>
@@ -14656,13 +13510,12 @@
     <a:masterClrMapping/>
   </p:clrMapOvr>
   <p:transition/>
-  <p:timing/>
 </p:sld>
 </file>
 
 <file path=ppt/slides/slide8.xml><?xml version="1.0" encoding="utf-8"?>
-<p:sld xmlns:a="http://schemas.openxmlformats.org/drawingml/2006/main" xmlns:r="http://schemas.openxmlformats.org/officeDocument/2006/relationships" xmlns:m="http://schemas.openxmlformats.org/officeDocument/2006/math" xmlns:w="http://schemas.openxmlformats.org/wordprocessingml/2006/main" xmlns:wp="http://schemas.openxmlformats.org/drawingml/2006/wordprocessingDrawing" xmlns:a14="http://schemas.microsoft.com/office/drawing/2010/main" xmlns:mc="http://schemas.openxmlformats.org/markup-compatibility/2006" xmlns:p14="http://schemas.microsoft.com/office/powerpoint/2010/main" xmlns:p15="http://schemas.microsoft.com/office/powerpoint/2012/main" xmlns:p159="http://schemas.microsoft.com/office/powerpoint/2015/09/main" xmlns:p="http://schemas.openxmlformats.org/presentationml/2006/main">
-  <p:cSld name="">
+<p:sld xmlns:a="http://schemas.openxmlformats.org/drawingml/2006/main" xmlns:r="http://schemas.openxmlformats.org/officeDocument/2006/relationships" xmlns:p="http://schemas.openxmlformats.org/presentationml/2006/main">
+  <p:cSld>
     <p:bg>
       <p:bgPr>
         <a:solidFill>
@@ -14681,6 +13534,8 @@
         <a:xfrm>
           <a:off x="0" y="0"/>
           <a:ext cx="0" cy="0"/>
+          <a:chOff x="0" y="0"/>
+          <a:chExt cx="0" cy="0"/>
         </a:xfrm>
       </p:grpSpPr>
       <p:sp useBgFill="1">
@@ -14834,7 +13689,7 @@
           <a:lstStyle/>
           <a:p>
             <a:r>
-              <a:rPr lang="it-IT" sz="4400" b="0" i="0" strike="noStrike" cap="none" baseline="0">
+              <a:rPr lang="it-IT" sz="4000" b="0" i="0" strike="noStrike" cap="none" baseline="0" dirty="0">
                 <a:solidFill>
                   <a:srgbClr val="FFFFFF"/>
                 </a:solidFill>
@@ -14872,12 +13727,12 @@
         </p:spPr>
         <p:txBody>
           <a:bodyPr anchor="ctr">
-            <a:normAutofit lnSpcReduction="20000"/>
+            <a:normAutofit/>
           </a:bodyPr>
           <a:lstStyle/>
           <a:p>
             <a:r>
-              <a:rPr lang="it-IT" sz="2200" b="0" i="0" strike="noStrike" cap="none" baseline="0">
+              <a:rPr lang="it-IT" sz="2200" b="0" i="0" strike="noStrike" cap="none" baseline="0" dirty="0">
                 <a:solidFill>
                   <a:srgbClr val="404040"/>
                 </a:solidFill>
@@ -14892,7 +13747,7 @@
           <a:p>
             <a:pPr lvl="1"/>
             <a:r>
-              <a:rPr lang="it-IT" sz="2200" b="0" i="0" strike="noStrike" cap="none" baseline="0">
+              <a:rPr lang="it-IT" sz="2200" b="0" i="0" strike="noStrike" cap="none" baseline="0" dirty="0">
                 <a:solidFill>
                   <a:srgbClr val="404040"/>
                 </a:solidFill>
@@ -14907,7 +13762,7 @@
           <a:p>
             <a:pPr lvl="1"/>
             <a:r>
-              <a:rPr lang="it-IT" sz="2200" b="0" i="0" strike="noStrike" cap="none" baseline="0">
+              <a:rPr lang="it-IT" sz="2200" b="0" i="0" strike="noStrike" cap="none" baseline="0" dirty="0">
                 <a:solidFill>
                   <a:srgbClr val="404040"/>
                 </a:solidFill>
@@ -14922,7 +13777,7 @@
           <a:p>
             <a:pPr lvl="1"/>
             <a:r>
-              <a:rPr lang="it-IT" sz="2200" b="0" i="0" strike="noStrike" cap="none" baseline="0">
+              <a:rPr lang="it-IT" sz="2200" b="0" i="0" strike="noStrike" cap="none" baseline="0" dirty="0">
                 <a:solidFill>
                   <a:srgbClr val="404040"/>
                 </a:solidFill>
@@ -14937,7 +13792,7 @@
           <a:p>
             <a:pPr lvl="1"/>
             <a:r>
-              <a:rPr lang="it-IT" sz="2200" b="0" i="0" strike="noStrike" cap="none" baseline="0">
+              <a:rPr lang="it-IT" sz="2200" b="0" i="0" strike="noStrike" cap="none" baseline="0" dirty="0">
                 <a:solidFill>
                   <a:srgbClr val="404040"/>
                 </a:solidFill>
@@ -14951,7 +13806,7 @@
           </a:p>
           <a:p>
             <a:r>
-              <a:rPr lang="it-IT" sz="2200" b="0" i="0" strike="noStrike" cap="none" baseline="0">
+              <a:rPr lang="it-IT" sz="2200" b="0" i="0" strike="noStrike" cap="none" baseline="0" dirty="0">
                 <a:solidFill>
                   <a:srgbClr val="404040"/>
                 </a:solidFill>
@@ -14965,7 +13820,7 @@
           </a:p>
           <a:p>
             <a:r>
-              <a:rPr lang="it-IT" sz="2200" b="0" i="0" strike="noStrike" cap="none" baseline="0">
+              <a:rPr lang="it-IT" sz="2200" b="0" i="0" strike="noStrike" cap="none" baseline="0" dirty="0">
                 <a:solidFill>
                   <a:srgbClr val="404040"/>
                 </a:solidFill>
@@ -14990,13 +13845,12 @@
     <a:masterClrMapping/>
   </p:clrMapOvr>
   <p:transition/>
-  <p:timing/>
 </p:sld>
 </file>
 
 <file path=ppt/slides/slide9.xml><?xml version="1.0" encoding="utf-8"?>
-<p:sld xmlns:a="http://schemas.openxmlformats.org/drawingml/2006/main" xmlns:r="http://schemas.openxmlformats.org/officeDocument/2006/relationships" xmlns:m="http://schemas.openxmlformats.org/officeDocument/2006/math" xmlns:w="http://schemas.openxmlformats.org/wordprocessingml/2006/main" xmlns:wp="http://schemas.openxmlformats.org/drawingml/2006/wordprocessingDrawing" xmlns:a14="http://schemas.microsoft.com/office/drawing/2010/main" xmlns:mc="http://schemas.openxmlformats.org/markup-compatibility/2006" xmlns:p14="http://schemas.microsoft.com/office/powerpoint/2010/main" xmlns:p15="http://schemas.microsoft.com/office/powerpoint/2012/main" xmlns:p159="http://schemas.microsoft.com/office/powerpoint/2015/09/main" xmlns:p="http://schemas.openxmlformats.org/presentationml/2006/main">
-  <p:cSld name="">
+<p:sld xmlns:a="http://schemas.openxmlformats.org/drawingml/2006/main" xmlns:r="http://schemas.openxmlformats.org/officeDocument/2006/relationships" xmlns:p="http://schemas.openxmlformats.org/presentationml/2006/main">
+  <p:cSld>
     <p:bg>
       <p:bgPr>
         <a:solidFill>
@@ -15015,6 +13869,8 @@
         <a:xfrm>
           <a:off x="0" y="0"/>
           <a:ext cx="0" cy="0"/>
+          <a:chOff x="0" y="0"/>
+          <a:chExt cx="0" cy="0"/>
         </a:xfrm>
       </p:grpSpPr>
       <p:sp useBgFill="1">
@@ -15168,7 +14024,7 @@
           <a:lstStyle/>
           <a:p>
             <a:r>
-              <a:rPr lang="it-IT" sz="4400" b="0" i="0" strike="noStrike" cap="none" baseline="0">
+              <a:rPr lang="it-IT" sz="4000" b="0" i="0" strike="noStrike" cap="none" baseline="0" dirty="0">
                 <a:solidFill>
                   <a:srgbClr val="FFFFFF"/>
                 </a:solidFill>
@@ -15200,18 +14056,18 @@
         </p:nvSpPr>
         <p:spPr>
           <a:xfrm>
-            <a:off x="5231958" y="605896"/>
-            <a:ext cx="5923721" cy="5646208"/>
+            <a:off x="5231959" y="605896"/>
+            <a:ext cx="5825148" cy="5646208"/>
           </a:xfrm>
         </p:spPr>
         <p:txBody>
           <a:bodyPr anchor="ctr">
-            <a:normAutofit lnSpcReduction="20000"/>
+            <a:normAutofit lnSpcReduction="10000"/>
           </a:bodyPr>
           <a:lstStyle/>
           <a:p>
             <a:r>
-              <a:rPr lang="it-IT" sz="2400" b="0" i="0" strike="noStrike" cap="none" baseline="0">
+              <a:rPr lang="it-IT" sz="2400" b="0" i="0" strike="noStrike" cap="none" baseline="0" dirty="0">
                 <a:solidFill>
                   <a:srgbClr val="404040"/>
                 </a:solidFill>
@@ -15226,7 +14082,7 @@
           <a:p>
             <a:pPr lvl="1"/>
             <a:r>
-              <a:rPr lang="it-IT" sz="2400" b="0" i="0" strike="noStrike" cap="none" baseline="0">
+              <a:rPr lang="it-IT" sz="2400" b="0" i="0" strike="noStrike" cap="none" baseline="0" dirty="0">
                 <a:solidFill>
                   <a:srgbClr val="404040"/>
                 </a:solidFill>
@@ -15240,7 +14096,7 @@
           </a:p>
           <a:p>
             <a:r>
-              <a:rPr lang="it-IT" sz="2400" b="0" i="0" strike="noStrike" cap="none" baseline="0">
+              <a:rPr lang="it-IT" sz="2400" b="0" i="0" strike="noStrike" cap="none" baseline="0" dirty="0">
                 <a:solidFill>
                   <a:srgbClr val="404040"/>
                 </a:solidFill>
@@ -15255,7 +14111,7 @@
           <a:p>
             <a:pPr lvl="1"/>
             <a:r>
-              <a:rPr lang="it-IT" sz="2400" b="0" i="0" strike="noStrike" cap="none" baseline="0">
+              <a:rPr lang="it-IT" sz="2400" b="0" i="0" strike="noStrike" cap="none" baseline="0" dirty="0">
                 <a:solidFill>
                   <a:srgbClr val="404040"/>
                 </a:solidFill>
@@ -15269,7 +14125,7 @@
           </a:p>
           <a:p>
             <a:r>
-              <a:rPr lang="it-IT" sz="2400" b="0" i="0" strike="noStrike" cap="none" baseline="0">
+              <a:rPr lang="it-IT" sz="2400" b="0" i="0" strike="noStrike" cap="none" baseline="0" dirty="0">
                 <a:solidFill>
                   <a:srgbClr val="404040"/>
                 </a:solidFill>
@@ -15294,12 +14150,11 @@
     <a:masterClrMapping/>
   </p:clrMapOvr>
   <p:transition/>
-  <p:timing/>
 </p:sld>
 </file>
 
 <file path=ppt/tags/tag1.xml><?xml version="1.0" encoding="utf-8"?>
-<p:tagLst xmlns:p="http://schemas.openxmlformats.org/presentationml/2006/main">
+<p:tagLst xmlns:a="http://schemas.openxmlformats.org/drawingml/2006/main" xmlns:r="http://schemas.openxmlformats.org/officeDocument/2006/relationships" xmlns:p="http://schemas.openxmlformats.org/presentationml/2006/main">
   <p:tag name="AS_OS" val="Unix 3.10.0.1160"/>
   <p:tag name="AS_RELEASE_DATE" val="2023.06.30"/>
   <p:tag name="AS_TITLE" val="Aspose.Slides for Java"/>
@@ -15308,7 +14163,7 @@
 </file>
 
 <file path=ppt/theme/theme1.xml><?xml version="1.0" encoding="utf-8"?>
-<a:theme xmlns:r="http://schemas.openxmlformats.org/officeDocument/2006/relationships" xmlns:a="http://schemas.openxmlformats.org/drawingml/2006/main" name="RetrospectVTI">
+<a:theme xmlns:a="http://schemas.openxmlformats.org/drawingml/2006/main" name="RetrospectVTI">
   <a:themeElements>
     <a:clrScheme name="Office">
       <a:dk1>
@@ -15350,8 +14205,8 @@
     </a:clrScheme>
     <a:fontScheme name="Retrospect">
       <a:majorFont>
-        <a:latin typeface="Bookman Old Style" panose="020f0302020204030204"/>
-        <a:ea typeface="Bookman Old Style" panose="020f0302020204030204"/>
+        <a:latin typeface="Bookman Old Style" panose="020F0302020204030204"/>
+        <a:ea typeface="Bookman Old Style" panose="020F0302020204030204"/>
         <a:cs typeface="Arial"/>
         <a:font script="Jpan" typeface="ＭＳ Ｐゴシック"/>
         <a:font script="Hang" typeface="맑은 고딕"/>
@@ -15385,8 +14240,8 @@
         <a:font script="Geor" typeface="Sylfaen"/>
       </a:majorFont>
       <a:minorFont>
-        <a:latin typeface="Franklin Gothic Book" panose="020f0502020204030204"/>
-        <a:ea typeface="Franklin Gothic Book" panose="020f0502020204030204"/>
+        <a:latin typeface="Franklin Gothic Book" panose="020F0502020204030204"/>
+        <a:ea typeface="Franklin Gothic Book" panose="020F0502020204030204"/>
         <a:cs typeface="Arial"/>
         <a:font script="Jpan" typeface="ＭＳ Ｐゴシック"/>
         <a:font script="Hang" typeface="맑은 고딕"/>
@@ -15581,6 +14436,7 @@
     </a:fmtScheme>
   </a:themeElements>
   <a:objectDefaults/>
+  <a:extraClrSchemeLst/>
   <a:extLst>
     <a:ext uri="{05A4C25C-085E-4340-85A3-A5531E510DB2}">
       <thm15:themeFamily xmlns:thm15="http://schemas.microsoft.com/office/thememl/2012/main" name="RetrospectVTI" id="{ABE3C30C-0FC0-4450-828E-52DE70F1BCCB}" vid="{A6E2497D-935A-4CFD-B9FD-6DCB15FA68BF}"/>
@@ -15590,7 +14446,7 @@
 </file>
 
 <file path=ppt/theme/theme2.xml><?xml version="1.0" encoding="utf-8"?>
-<a:theme xmlns:r="http://schemas.openxmlformats.org/officeDocument/2006/relationships" xmlns:a="http://schemas.openxmlformats.org/drawingml/2006/main" name="Office Theme">
+<a:theme xmlns:a="http://schemas.openxmlformats.org/drawingml/2006/main" name="Office Theme">
   <a:themeElements>
     <a:clrScheme name="Office">
       <a:dk1>
@@ -15895,6 +14751,7 @@
       </a:style>
     </a:lnDef>
   </a:objectDefaults>
+  <a:extraClrSchemeLst/>
   <a:extLst>
     <a:ext uri="{05A4C25C-085E-4340-85A3-A5531E510DB2}">
       <thm15:themeFamily xmlns:thm15="http://schemas.microsoft.com/office/thememl/2012/main" name="Office Theme" id="{2E142A2C-CD16-42D6-873A-C26D2A0506FA}" vid="{1BDDFF52-6CD6-40A5-AB3C-68EB2F1E4D0A}"/>
